--- a/doc/present/Impact Alert System.pptx
+++ b/doc/present/Impact Alert System.pptx
@@ -1,9 +1,15 @@
 
 <file path=ppt/presentation.xml><?xml version="1.0" encoding="utf-8"?>
-<p:presentation xmlns:a="http://schemas.openxmlformats.org/drawingml/2006/main" xmlns:r="http://schemas.openxmlformats.org/officeDocument/2006/relationships" xmlns:p="http://schemas.openxmlformats.org/presentationml/2006/main" saveSubsetFonts="1">
+<p:presentation xmlns:a="http://schemas.openxmlformats.org/drawingml/2006/main" xmlns:r="http://schemas.openxmlformats.org/officeDocument/2006/relationships" xmlns:p="http://schemas.openxmlformats.org/presentationml/2006/main" compatMode="1" saveSubsetFonts="1">
   <p:sldMasterIdLst>
     <p:sldMasterId id="2147483827" r:id="rId1"/>
   </p:sldMasterIdLst>
+  <p:notesMasterIdLst>
+    <p:notesMasterId r:id="rId9"/>
+  </p:notesMasterIdLst>
+  <p:handoutMasterIdLst>
+    <p:handoutMasterId r:id="rId10"/>
+  </p:handoutMasterIdLst>
   <p:sldIdLst>
     <p:sldId id="256" r:id="rId2"/>
     <p:sldId id="261" r:id="rId3"/>
@@ -19,58 +25,750 @@
     <a:defPPr>
       <a:defRPr lang="en-US"/>
     </a:defPPr>
-    <a:lvl1pPr marL="0" algn="l" defTabSz="914400" rtl="0" eaLnBrk="1" latinLnBrk="0" hangingPunct="1">
-      <a:defRPr sz="1800" kern="1200">
+    <a:lvl1pPr algn="l" rtl="0" fontAlgn="base">
+      <a:spcBef>
+        <a:spcPct val="0"/>
+      </a:spcBef>
+      <a:spcAft>
+        <a:spcPct val="0"/>
+      </a:spcAft>
+      <a:defRPr kern="1200">
+        <a:solidFill>
+          <a:schemeClr val="tx1"/>
+        </a:solidFill>
+        <a:latin typeface="Arial" charset="0"/>
+        <a:ea typeface="ＭＳ Ｐゴシック" charset="0"/>
+        <a:cs typeface="ＭＳ Ｐゴシック" charset="0"/>
+      </a:defRPr>
+    </a:lvl1pPr>
+    <a:lvl2pPr marL="457200" algn="l" rtl="0" fontAlgn="base">
+      <a:spcBef>
+        <a:spcPct val="0"/>
+      </a:spcBef>
+      <a:spcAft>
+        <a:spcPct val="0"/>
+      </a:spcAft>
+      <a:defRPr kern="1200">
+        <a:solidFill>
+          <a:schemeClr val="tx1"/>
+        </a:solidFill>
+        <a:latin typeface="Arial" charset="0"/>
+        <a:ea typeface="ＭＳ Ｐゴシック" charset="0"/>
+        <a:cs typeface="ＭＳ Ｐゴシック" charset="0"/>
+      </a:defRPr>
+    </a:lvl2pPr>
+    <a:lvl3pPr marL="914400" algn="l" rtl="0" fontAlgn="base">
+      <a:spcBef>
+        <a:spcPct val="0"/>
+      </a:spcBef>
+      <a:spcAft>
+        <a:spcPct val="0"/>
+      </a:spcAft>
+      <a:defRPr kern="1200">
+        <a:solidFill>
+          <a:schemeClr val="tx1"/>
+        </a:solidFill>
+        <a:latin typeface="Arial" charset="0"/>
+        <a:ea typeface="ＭＳ Ｐゴシック" charset="0"/>
+        <a:cs typeface="ＭＳ Ｐゴシック" charset="0"/>
+      </a:defRPr>
+    </a:lvl3pPr>
+    <a:lvl4pPr marL="1371600" algn="l" rtl="0" fontAlgn="base">
+      <a:spcBef>
+        <a:spcPct val="0"/>
+      </a:spcBef>
+      <a:spcAft>
+        <a:spcPct val="0"/>
+      </a:spcAft>
+      <a:defRPr kern="1200">
+        <a:solidFill>
+          <a:schemeClr val="tx1"/>
+        </a:solidFill>
+        <a:latin typeface="Arial" charset="0"/>
+        <a:ea typeface="ＭＳ Ｐゴシック" charset="0"/>
+        <a:cs typeface="ＭＳ Ｐゴシック" charset="0"/>
+      </a:defRPr>
+    </a:lvl4pPr>
+    <a:lvl5pPr marL="1828800" algn="l" rtl="0" fontAlgn="base">
+      <a:spcBef>
+        <a:spcPct val="0"/>
+      </a:spcBef>
+      <a:spcAft>
+        <a:spcPct val="0"/>
+      </a:spcAft>
+      <a:defRPr kern="1200">
+        <a:solidFill>
+          <a:schemeClr val="tx1"/>
+        </a:solidFill>
+        <a:latin typeface="Arial" charset="0"/>
+        <a:ea typeface="ＭＳ Ｐゴシック" charset="0"/>
+        <a:cs typeface="ＭＳ Ｐゴシック" charset="0"/>
+      </a:defRPr>
+    </a:lvl5pPr>
+    <a:lvl6pPr marL="2286000" algn="l" defTabSz="457200" rtl="0" eaLnBrk="1" latinLnBrk="0" hangingPunct="1">
+      <a:defRPr kern="1200">
+        <a:solidFill>
+          <a:schemeClr val="tx1"/>
+        </a:solidFill>
+        <a:latin typeface="Arial" charset="0"/>
+        <a:ea typeface="ＭＳ Ｐゴシック" charset="0"/>
+        <a:cs typeface="ＭＳ Ｐゴシック" charset="0"/>
+      </a:defRPr>
+    </a:lvl6pPr>
+    <a:lvl7pPr marL="2743200" algn="l" defTabSz="457200" rtl="0" eaLnBrk="1" latinLnBrk="0" hangingPunct="1">
+      <a:defRPr kern="1200">
+        <a:solidFill>
+          <a:schemeClr val="tx1"/>
+        </a:solidFill>
+        <a:latin typeface="Arial" charset="0"/>
+        <a:ea typeface="ＭＳ Ｐゴシック" charset="0"/>
+        <a:cs typeface="ＭＳ Ｐゴシック" charset="0"/>
+      </a:defRPr>
+    </a:lvl7pPr>
+    <a:lvl8pPr marL="3200400" algn="l" defTabSz="457200" rtl="0" eaLnBrk="1" latinLnBrk="0" hangingPunct="1">
+      <a:defRPr kern="1200">
+        <a:solidFill>
+          <a:schemeClr val="tx1"/>
+        </a:solidFill>
+        <a:latin typeface="Arial" charset="0"/>
+        <a:ea typeface="ＭＳ Ｐゴシック" charset="0"/>
+        <a:cs typeface="ＭＳ Ｐゴシック" charset="0"/>
+      </a:defRPr>
+    </a:lvl8pPr>
+    <a:lvl9pPr marL="3657600" algn="l" defTabSz="457200" rtl="0" eaLnBrk="1" latinLnBrk="0" hangingPunct="1">
+      <a:defRPr kern="1200">
+        <a:solidFill>
+          <a:schemeClr val="tx1"/>
+        </a:solidFill>
+        <a:latin typeface="Arial" charset="0"/>
+        <a:ea typeface="ＭＳ Ｐゴシック" charset="0"/>
+        <a:cs typeface="ＭＳ Ｐゴシック" charset="0"/>
+      </a:defRPr>
+    </a:lvl9pPr>
+  </p:defaultTextStyle>
+</p:presentation>
+</file>
+
+<file path=ppt/handoutMasters/handoutMaster1.xml><?xml version="1.0" encoding="utf-8"?>
+<p:handoutMaster xmlns:a="http://schemas.openxmlformats.org/drawingml/2006/main" xmlns:r="http://schemas.openxmlformats.org/officeDocument/2006/relationships" xmlns:p="http://schemas.openxmlformats.org/presentationml/2006/main">
+  <p:cSld>
+    <p:bg>
+      <p:bgRef idx="1001">
+        <a:schemeClr val="bg1"/>
+      </p:bgRef>
+    </p:bg>
+    <p:spTree>
+      <p:nvGrpSpPr>
+        <p:cNvPr id="1" name=""/>
+        <p:cNvGrpSpPr/>
+        <p:nvPr/>
+      </p:nvGrpSpPr>
+      <p:grpSpPr>
+        <a:xfrm>
+          <a:off x="0" y="0"/>
+          <a:ext cx="0" cy="0"/>
+          <a:chOff x="0" y="0"/>
+          <a:chExt cx="0" cy="0"/>
+        </a:xfrm>
+      </p:grpSpPr>
+      <p:sp>
+        <p:nvSpPr>
+          <p:cNvPr id="2" name="Header Placeholder 1"/>
+          <p:cNvSpPr>
+            <a:spLocks noGrp="1"/>
+          </p:cNvSpPr>
+          <p:nvPr>
+            <p:ph type="hdr" sz="quarter"/>
+          </p:nvPr>
+        </p:nvSpPr>
+        <p:spPr>
+          <a:xfrm>
+            <a:off x="0" y="0"/>
+            <a:ext cx="2971800" cy="457200"/>
+          </a:xfrm>
+          <a:prstGeom prst="rect">
+            <a:avLst/>
+          </a:prstGeom>
+        </p:spPr>
+        <p:txBody>
+          <a:bodyPr vert="horz" lIns="91440" tIns="45720" rIns="91440" bIns="45720" rtlCol="0"/>
+          <a:lstStyle>
+            <a:lvl1pPr algn="l" fontAlgn="auto">
+              <a:spcBef>
+                <a:spcPts val="0"/>
+              </a:spcBef>
+              <a:spcAft>
+                <a:spcPts val="0"/>
+              </a:spcAft>
+              <a:defRPr sz="1200">
+                <a:latin typeface="+mn-lt"/>
+                <a:ea typeface="+mn-ea"/>
+                <a:cs typeface="+mn-cs"/>
+              </a:defRPr>
+            </a:lvl1pPr>
+          </a:lstStyle>
+          <a:p>
+            <a:pPr>
+              <a:defRPr/>
+            </a:pPr>
+            <a:endParaRPr lang="en-US"/>
+          </a:p>
+        </p:txBody>
+      </p:sp>
+      <p:sp>
+        <p:nvSpPr>
+          <p:cNvPr id="3" name="Date Placeholder 2"/>
+          <p:cNvSpPr>
+            <a:spLocks noGrp="1"/>
+          </p:cNvSpPr>
+          <p:nvPr>
+            <p:ph type="dt" sz="quarter" idx="1"/>
+          </p:nvPr>
+        </p:nvSpPr>
+        <p:spPr>
+          <a:xfrm>
+            <a:off x="3884613" y="0"/>
+            <a:ext cx="2971800" cy="457200"/>
+          </a:xfrm>
+          <a:prstGeom prst="rect">
+            <a:avLst/>
+          </a:prstGeom>
+        </p:spPr>
+        <p:txBody>
+          <a:bodyPr vert="horz" lIns="91440" tIns="45720" rIns="91440" bIns="45720" rtlCol="0"/>
+          <a:lstStyle>
+            <a:lvl1pPr algn="r" fontAlgn="auto">
+              <a:spcBef>
+                <a:spcPts val="0"/>
+              </a:spcBef>
+              <a:spcAft>
+                <a:spcPts val="0"/>
+              </a:spcAft>
+              <a:defRPr sz="1200" smtClean="0">
+                <a:latin typeface="+mn-lt"/>
+                <a:ea typeface="+mn-ea"/>
+                <a:cs typeface="+mn-cs"/>
+              </a:defRPr>
+            </a:lvl1pPr>
+          </a:lstStyle>
+          <a:p>
+            <a:pPr>
+              <a:defRPr/>
+            </a:pPr>
+            <a:fld id="{5E32EA55-38DB-D84E-9DF1-FB8C49C00FFC}" type="datetimeFigureOut">
+              <a:rPr lang="en-US"/>
+              <a:pPr>
+                <a:defRPr/>
+              </a:pPr>
+              <a:t>2/19/15</a:t>
+            </a:fld>
+            <a:endParaRPr lang="en-US"/>
+          </a:p>
+        </p:txBody>
+      </p:sp>
+      <p:sp>
+        <p:nvSpPr>
+          <p:cNvPr id="4" name="Footer Placeholder 3"/>
+          <p:cNvSpPr>
+            <a:spLocks noGrp="1"/>
+          </p:cNvSpPr>
+          <p:nvPr>
+            <p:ph type="ftr" sz="quarter" idx="2"/>
+          </p:nvPr>
+        </p:nvSpPr>
+        <p:spPr>
+          <a:xfrm>
+            <a:off x="0" y="8685213"/>
+            <a:ext cx="2971800" cy="457200"/>
+          </a:xfrm>
+          <a:prstGeom prst="rect">
+            <a:avLst/>
+          </a:prstGeom>
+        </p:spPr>
+        <p:txBody>
+          <a:bodyPr vert="horz" lIns="91440" tIns="45720" rIns="91440" bIns="45720" rtlCol="0" anchor="b"/>
+          <a:lstStyle>
+            <a:lvl1pPr algn="l" fontAlgn="auto">
+              <a:spcBef>
+                <a:spcPts val="0"/>
+              </a:spcBef>
+              <a:spcAft>
+                <a:spcPts val="0"/>
+              </a:spcAft>
+              <a:defRPr sz="1200">
+                <a:latin typeface="+mn-lt"/>
+                <a:ea typeface="+mn-ea"/>
+                <a:cs typeface="+mn-cs"/>
+              </a:defRPr>
+            </a:lvl1pPr>
+          </a:lstStyle>
+          <a:p>
+            <a:pPr>
+              <a:defRPr/>
+            </a:pPr>
+            <a:endParaRPr lang="en-US"/>
+          </a:p>
+        </p:txBody>
+      </p:sp>
+      <p:sp>
+        <p:nvSpPr>
+          <p:cNvPr id="5" name="Slide Number Placeholder 4"/>
+          <p:cNvSpPr>
+            <a:spLocks noGrp="1"/>
+          </p:cNvSpPr>
+          <p:nvPr>
+            <p:ph type="sldNum" sz="quarter" idx="3"/>
+          </p:nvPr>
+        </p:nvSpPr>
+        <p:spPr>
+          <a:xfrm>
+            <a:off x="3884613" y="8685213"/>
+            <a:ext cx="2971800" cy="457200"/>
+          </a:xfrm>
+          <a:prstGeom prst="rect">
+            <a:avLst/>
+          </a:prstGeom>
+        </p:spPr>
+        <p:txBody>
+          <a:bodyPr vert="horz" lIns="91440" tIns="45720" rIns="91440" bIns="45720" rtlCol="0" anchor="b"/>
+          <a:lstStyle>
+            <a:lvl1pPr algn="r" fontAlgn="auto">
+              <a:spcBef>
+                <a:spcPts val="0"/>
+              </a:spcBef>
+              <a:spcAft>
+                <a:spcPts val="0"/>
+              </a:spcAft>
+              <a:defRPr sz="1200" smtClean="0">
+                <a:latin typeface="+mn-lt"/>
+                <a:ea typeface="+mn-ea"/>
+                <a:cs typeface="+mn-cs"/>
+              </a:defRPr>
+            </a:lvl1pPr>
+          </a:lstStyle>
+          <a:p>
+            <a:pPr>
+              <a:defRPr/>
+            </a:pPr>
+            <a:fld id="{C5F0EFB9-43D7-3A4C-A9B5-29A2447B291C}" type="slidenum">
+              <a:rPr lang="en-US"/>
+              <a:pPr>
+                <a:defRPr/>
+              </a:pPr>
+              <a:t>‹#›</a:t>
+            </a:fld>
+            <a:endParaRPr lang="en-US"/>
+          </a:p>
+        </p:txBody>
+      </p:sp>
+    </p:spTree>
+    <p:extLst>
+      <p:ext uri="{BB962C8B-B14F-4D97-AF65-F5344CB8AC3E}">
+        <p14:creationId xmlns:p14="http://schemas.microsoft.com/office/powerpoint/2010/main" val="27513738"/>
+      </p:ext>
+    </p:extLst>
+  </p:cSld>
+  <p:clrMap bg1="lt1" tx1="dk1" bg2="lt2" tx2="dk2" accent1="accent1" accent2="accent2" accent3="accent3" accent4="accent4" accent5="accent5" accent6="accent6" hlink="hlink" folHlink="folHlink"/>
+</p:handoutMaster>
+</file>
+
+<file path=ppt/notesMasters/notesMaster1.xml><?xml version="1.0" encoding="utf-8"?>
+<p:notesMaster xmlns:a="http://schemas.openxmlformats.org/drawingml/2006/main" xmlns:r="http://schemas.openxmlformats.org/officeDocument/2006/relationships" xmlns:p="http://schemas.openxmlformats.org/presentationml/2006/main">
+  <p:cSld>
+    <p:bg>
+      <p:bgRef idx="1001">
+        <a:schemeClr val="bg1"/>
+      </p:bgRef>
+    </p:bg>
+    <p:spTree>
+      <p:nvGrpSpPr>
+        <p:cNvPr id="1" name=""/>
+        <p:cNvGrpSpPr/>
+        <p:nvPr/>
+      </p:nvGrpSpPr>
+      <p:grpSpPr>
+        <a:xfrm>
+          <a:off x="0" y="0"/>
+          <a:ext cx="0" cy="0"/>
+          <a:chOff x="0" y="0"/>
+          <a:chExt cx="0" cy="0"/>
+        </a:xfrm>
+      </p:grpSpPr>
+      <p:sp>
+        <p:nvSpPr>
+          <p:cNvPr id="2" name="Header Placeholder 1"/>
+          <p:cNvSpPr>
+            <a:spLocks noGrp="1"/>
+          </p:cNvSpPr>
+          <p:nvPr>
+            <p:ph type="hdr" sz="quarter"/>
+          </p:nvPr>
+        </p:nvSpPr>
+        <p:spPr>
+          <a:xfrm>
+            <a:off x="0" y="0"/>
+            <a:ext cx="2971800" cy="457200"/>
+          </a:xfrm>
+          <a:prstGeom prst="rect">
+            <a:avLst/>
+          </a:prstGeom>
+        </p:spPr>
+        <p:txBody>
+          <a:bodyPr vert="horz" lIns="91440" tIns="45720" rIns="91440" bIns="45720" rtlCol="0"/>
+          <a:lstStyle>
+            <a:lvl1pPr algn="l" fontAlgn="auto">
+              <a:spcBef>
+                <a:spcPts val="0"/>
+              </a:spcBef>
+              <a:spcAft>
+                <a:spcPts val="0"/>
+              </a:spcAft>
+              <a:defRPr sz="1200">
+                <a:latin typeface="+mn-lt"/>
+                <a:ea typeface="+mn-ea"/>
+                <a:cs typeface="+mn-cs"/>
+              </a:defRPr>
+            </a:lvl1pPr>
+          </a:lstStyle>
+          <a:p>
+            <a:pPr>
+              <a:defRPr/>
+            </a:pPr>
+            <a:endParaRPr lang="en-US"/>
+          </a:p>
+        </p:txBody>
+      </p:sp>
+      <p:sp>
+        <p:nvSpPr>
+          <p:cNvPr id="3" name="Date Placeholder 2"/>
+          <p:cNvSpPr>
+            <a:spLocks noGrp="1"/>
+          </p:cNvSpPr>
+          <p:nvPr>
+            <p:ph type="dt" idx="1"/>
+          </p:nvPr>
+        </p:nvSpPr>
+        <p:spPr>
+          <a:xfrm>
+            <a:off x="3884613" y="0"/>
+            <a:ext cx="2971800" cy="457200"/>
+          </a:xfrm>
+          <a:prstGeom prst="rect">
+            <a:avLst/>
+          </a:prstGeom>
+        </p:spPr>
+        <p:txBody>
+          <a:bodyPr vert="horz" lIns="91440" tIns="45720" rIns="91440" bIns="45720" rtlCol="0"/>
+          <a:lstStyle>
+            <a:lvl1pPr algn="r" fontAlgn="auto">
+              <a:spcBef>
+                <a:spcPts val="0"/>
+              </a:spcBef>
+              <a:spcAft>
+                <a:spcPts val="0"/>
+              </a:spcAft>
+              <a:defRPr sz="1200" smtClean="0">
+                <a:latin typeface="+mn-lt"/>
+                <a:ea typeface="+mn-ea"/>
+                <a:cs typeface="+mn-cs"/>
+              </a:defRPr>
+            </a:lvl1pPr>
+          </a:lstStyle>
+          <a:p>
+            <a:pPr>
+              <a:defRPr/>
+            </a:pPr>
+            <a:fld id="{5152B25C-82F9-F147-BA7B-7BD595F250C3}" type="datetimeFigureOut">
+              <a:rPr lang="en-US"/>
+              <a:pPr>
+                <a:defRPr/>
+              </a:pPr>
+              <a:t>2/19/15</a:t>
+            </a:fld>
+            <a:endParaRPr lang="en-US"/>
+          </a:p>
+        </p:txBody>
+      </p:sp>
+      <p:sp>
+        <p:nvSpPr>
+          <p:cNvPr id="4" name="Slide Image Placeholder 3"/>
+          <p:cNvSpPr>
+            <a:spLocks noGrp="1" noRot="1" noChangeAspect="1"/>
+          </p:cNvSpPr>
+          <p:nvPr>
+            <p:ph type="sldImg" idx="2"/>
+          </p:nvPr>
+        </p:nvSpPr>
+        <p:spPr>
+          <a:xfrm>
+            <a:off x="1143000" y="685800"/>
+            <a:ext cx="4572000" cy="3429000"/>
+          </a:xfrm>
+          <a:prstGeom prst="rect">
+            <a:avLst/>
+          </a:prstGeom>
+          <a:noFill/>
+          <a:ln w="12700">
+            <a:solidFill>
+              <a:prstClr val="black"/>
+            </a:solidFill>
+          </a:ln>
+        </p:spPr>
+        <p:txBody>
+          <a:bodyPr vert="horz" lIns="91440" tIns="45720" rIns="91440" bIns="45720" rtlCol="0" anchor="ctr"/>
+          <a:lstStyle/>
+          <a:p>
+            <a:pPr lvl="0"/>
+            <a:endParaRPr lang="en-US" noProof="0"/>
+          </a:p>
+        </p:txBody>
+      </p:sp>
+      <p:sp>
+        <p:nvSpPr>
+          <p:cNvPr id="5" name="Notes Placeholder 4"/>
+          <p:cNvSpPr>
+            <a:spLocks noGrp="1"/>
+          </p:cNvSpPr>
+          <p:nvPr>
+            <p:ph type="body" sz="quarter" idx="3"/>
+          </p:nvPr>
+        </p:nvSpPr>
+        <p:spPr>
+          <a:xfrm>
+            <a:off x="685800" y="4343400"/>
+            <a:ext cx="5486400" cy="4114800"/>
+          </a:xfrm>
+          <a:prstGeom prst="rect">
+            <a:avLst/>
+          </a:prstGeom>
+        </p:spPr>
+        <p:txBody>
+          <a:bodyPr vert="horz" lIns="91440" tIns="45720" rIns="91440" bIns="45720" rtlCol="0"/>
+          <a:lstStyle/>
+          <a:p>
+            <a:pPr lvl="0"/>
+            <a:r>
+              <a:rPr lang="en-US" noProof="0" smtClean="0"/>
+              <a:t>Click to edit Master text styles</a:t>
+            </a:r>
+          </a:p>
+          <a:p>
+            <a:pPr lvl="1"/>
+            <a:r>
+              <a:rPr lang="en-US" noProof="0" smtClean="0"/>
+              <a:t>Second level</a:t>
+            </a:r>
+          </a:p>
+          <a:p>
+            <a:pPr lvl="2"/>
+            <a:r>
+              <a:rPr lang="en-US" noProof="0" smtClean="0"/>
+              <a:t>Third level</a:t>
+            </a:r>
+          </a:p>
+          <a:p>
+            <a:pPr lvl="3"/>
+            <a:r>
+              <a:rPr lang="en-US" noProof="0" smtClean="0"/>
+              <a:t>Fourth level</a:t>
+            </a:r>
+          </a:p>
+          <a:p>
+            <a:pPr lvl="4"/>
+            <a:r>
+              <a:rPr lang="en-US" noProof="0" smtClean="0"/>
+              <a:t>Fifth level</a:t>
+            </a:r>
+            <a:endParaRPr lang="en-US" noProof="0"/>
+          </a:p>
+        </p:txBody>
+      </p:sp>
+      <p:sp>
+        <p:nvSpPr>
+          <p:cNvPr id="6" name="Footer Placeholder 5"/>
+          <p:cNvSpPr>
+            <a:spLocks noGrp="1"/>
+          </p:cNvSpPr>
+          <p:nvPr>
+            <p:ph type="ftr" sz="quarter" idx="4"/>
+          </p:nvPr>
+        </p:nvSpPr>
+        <p:spPr>
+          <a:xfrm>
+            <a:off x="0" y="8685213"/>
+            <a:ext cx="2971800" cy="457200"/>
+          </a:xfrm>
+          <a:prstGeom prst="rect">
+            <a:avLst/>
+          </a:prstGeom>
+        </p:spPr>
+        <p:txBody>
+          <a:bodyPr vert="horz" lIns="91440" tIns="45720" rIns="91440" bIns="45720" rtlCol="0" anchor="b"/>
+          <a:lstStyle>
+            <a:lvl1pPr algn="l" fontAlgn="auto">
+              <a:spcBef>
+                <a:spcPts val="0"/>
+              </a:spcBef>
+              <a:spcAft>
+                <a:spcPts val="0"/>
+              </a:spcAft>
+              <a:defRPr sz="1200">
+                <a:latin typeface="+mn-lt"/>
+                <a:ea typeface="+mn-ea"/>
+                <a:cs typeface="+mn-cs"/>
+              </a:defRPr>
+            </a:lvl1pPr>
+          </a:lstStyle>
+          <a:p>
+            <a:pPr>
+              <a:defRPr/>
+            </a:pPr>
+            <a:endParaRPr lang="en-US"/>
+          </a:p>
+        </p:txBody>
+      </p:sp>
+      <p:sp>
+        <p:nvSpPr>
+          <p:cNvPr id="7" name="Slide Number Placeholder 6"/>
+          <p:cNvSpPr>
+            <a:spLocks noGrp="1"/>
+          </p:cNvSpPr>
+          <p:nvPr>
+            <p:ph type="sldNum" sz="quarter" idx="5"/>
+          </p:nvPr>
+        </p:nvSpPr>
+        <p:spPr>
+          <a:xfrm>
+            <a:off x="3884613" y="8685213"/>
+            <a:ext cx="2971800" cy="457200"/>
+          </a:xfrm>
+          <a:prstGeom prst="rect">
+            <a:avLst/>
+          </a:prstGeom>
+        </p:spPr>
+        <p:txBody>
+          <a:bodyPr vert="horz" lIns="91440" tIns="45720" rIns="91440" bIns="45720" rtlCol="0" anchor="b"/>
+          <a:lstStyle>
+            <a:lvl1pPr algn="r" fontAlgn="auto">
+              <a:spcBef>
+                <a:spcPts val="0"/>
+              </a:spcBef>
+              <a:spcAft>
+                <a:spcPts val="0"/>
+              </a:spcAft>
+              <a:defRPr sz="1200" smtClean="0">
+                <a:latin typeface="+mn-lt"/>
+                <a:ea typeface="+mn-ea"/>
+                <a:cs typeface="+mn-cs"/>
+              </a:defRPr>
+            </a:lvl1pPr>
+          </a:lstStyle>
+          <a:p>
+            <a:pPr>
+              <a:defRPr/>
+            </a:pPr>
+            <a:fld id="{11867F34-6E8D-5341-90D0-09D9B3599028}" type="slidenum">
+              <a:rPr lang="en-US"/>
+              <a:pPr>
+                <a:defRPr/>
+              </a:pPr>
+              <a:t>‹#›</a:t>
+            </a:fld>
+            <a:endParaRPr lang="en-US"/>
+          </a:p>
+        </p:txBody>
+      </p:sp>
+    </p:spTree>
+    <p:extLst>
+      <p:ext uri="{BB962C8B-B14F-4D97-AF65-F5344CB8AC3E}">
+        <p14:creationId xmlns:p14="http://schemas.microsoft.com/office/powerpoint/2010/main" val="3335640069"/>
+      </p:ext>
+    </p:extLst>
+  </p:cSld>
+  <p:clrMap bg1="lt1" tx1="dk1" bg2="lt2" tx2="dk2" accent1="accent1" accent2="accent2" accent3="accent3" accent4="accent4" accent5="accent5" accent6="accent6" hlink="hlink" folHlink="folHlink"/>
+  <p:notesStyle>
+    <a:lvl1pPr algn="l" defTabSz="457200" rtl="0" fontAlgn="base">
+      <a:spcBef>
+        <a:spcPct val="30000"/>
+      </a:spcBef>
+      <a:spcAft>
+        <a:spcPct val="0"/>
+      </a:spcAft>
+      <a:defRPr sz="1200" kern="1200">
         <a:solidFill>
           <a:schemeClr val="tx1"/>
         </a:solidFill>
         <a:latin typeface="+mn-lt"/>
-        <a:ea typeface="+mn-ea"/>
-        <a:cs typeface="+mn-cs"/>
+        <a:ea typeface="ＭＳ Ｐゴシック" charset="0"/>
+        <a:cs typeface="ＭＳ Ｐゴシック" charset="0"/>
       </a:defRPr>
     </a:lvl1pPr>
-    <a:lvl2pPr marL="457200" algn="l" defTabSz="914400" rtl="0" eaLnBrk="1" latinLnBrk="0" hangingPunct="1">
-      <a:defRPr sz="1800" kern="1200">
+    <a:lvl2pPr marL="457200" algn="l" defTabSz="457200" rtl="0" fontAlgn="base">
+      <a:spcBef>
+        <a:spcPct val="30000"/>
+      </a:spcBef>
+      <a:spcAft>
+        <a:spcPct val="0"/>
+      </a:spcAft>
+      <a:defRPr sz="1200" kern="1200">
         <a:solidFill>
           <a:schemeClr val="tx1"/>
         </a:solidFill>
         <a:latin typeface="+mn-lt"/>
-        <a:ea typeface="+mn-ea"/>
+        <a:ea typeface="ＭＳ Ｐゴシック" charset="0"/>
         <a:cs typeface="+mn-cs"/>
       </a:defRPr>
     </a:lvl2pPr>
-    <a:lvl3pPr marL="914400" algn="l" defTabSz="914400" rtl="0" eaLnBrk="1" latinLnBrk="0" hangingPunct="1">
-      <a:defRPr sz="1800" kern="1200">
+    <a:lvl3pPr marL="914400" algn="l" defTabSz="457200" rtl="0" fontAlgn="base">
+      <a:spcBef>
+        <a:spcPct val="30000"/>
+      </a:spcBef>
+      <a:spcAft>
+        <a:spcPct val="0"/>
+      </a:spcAft>
+      <a:defRPr sz="1200" kern="1200">
         <a:solidFill>
           <a:schemeClr val="tx1"/>
         </a:solidFill>
         <a:latin typeface="+mn-lt"/>
-        <a:ea typeface="+mn-ea"/>
+        <a:ea typeface="ＭＳ Ｐゴシック" charset="0"/>
         <a:cs typeface="+mn-cs"/>
       </a:defRPr>
     </a:lvl3pPr>
-    <a:lvl4pPr marL="1371600" algn="l" defTabSz="914400" rtl="0" eaLnBrk="1" latinLnBrk="0" hangingPunct="1">
-      <a:defRPr sz="1800" kern="1200">
+    <a:lvl4pPr marL="1371600" algn="l" defTabSz="457200" rtl="0" fontAlgn="base">
+      <a:spcBef>
+        <a:spcPct val="30000"/>
+      </a:spcBef>
+      <a:spcAft>
+        <a:spcPct val="0"/>
+      </a:spcAft>
+      <a:defRPr sz="1200" kern="1200">
         <a:solidFill>
           <a:schemeClr val="tx1"/>
         </a:solidFill>
         <a:latin typeface="+mn-lt"/>
-        <a:ea typeface="+mn-ea"/>
+        <a:ea typeface="ＭＳ Ｐゴシック" charset="0"/>
         <a:cs typeface="+mn-cs"/>
       </a:defRPr>
     </a:lvl4pPr>
-    <a:lvl5pPr marL="1828800" algn="l" defTabSz="914400" rtl="0" eaLnBrk="1" latinLnBrk="0" hangingPunct="1">
-      <a:defRPr sz="1800" kern="1200">
+    <a:lvl5pPr marL="1828800" algn="l" defTabSz="457200" rtl="0" fontAlgn="base">
+      <a:spcBef>
+        <a:spcPct val="30000"/>
+      </a:spcBef>
+      <a:spcAft>
+        <a:spcPct val="0"/>
+      </a:spcAft>
+      <a:defRPr sz="1200" kern="1200">
         <a:solidFill>
           <a:schemeClr val="tx1"/>
         </a:solidFill>
         <a:latin typeface="+mn-lt"/>
-        <a:ea typeface="+mn-ea"/>
+        <a:ea typeface="ＭＳ Ｐゴシック" charset="0"/>
         <a:cs typeface="+mn-cs"/>
       </a:defRPr>
     </a:lvl5pPr>
-    <a:lvl6pPr marL="2286000" algn="l" defTabSz="914400" rtl="0" eaLnBrk="1" latinLnBrk="0" hangingPunct="1">
-      <a:defRPr sz="1800" kern="1200">
+    <a:lvl6pPr marL="2286000" algn="l" defTabSz="457200" rtl="0" eaLnBrk="1" latinLnBrk="0" hangingPunct="1">
+      <a:defRPr sz="1200" kern="1200">
         <a:solidFill>
           <a:schemeClr val="tx1"/>
         </a:solidFill>
@@ -79,8 +777,8 @@
         <a:cs typeface="+mn-cs"/>
       </a:defRPr>
     </a:lvl6pPr>
-    <a:lvl7pPr marL="2743200" algn="l" defTabSz="914400" rtl="0" eaLnBrk="1" latinLnBrk="0" hangingPunct="1">
-      <a:defRPr sz="1800" kern="1200">
+    <a:lvl7pPr marL="2743200" algn="l" defTabSz="457200" rtl="0" eaLnBrk="1" latinLnBrk="0" hangingPunct="1">
+      <a:defRPr sz="1200" kern="1200">
         <a:solidFill>
           <a:schemeClr val="tx1"/>
         </a:solidFill>
@@ -89,8 +787,8 @@
         <a:cs typeface="+mn-cs"/>
       </a:defRPr>
     </a:lvl7pPr>
-    <a:lvl8pPr marL="3200400" algn="l" defTabSz="914400" rtl="0" eaLnBrk="1" latinLnBrk="0" hangingPunct="1">
-      <a:defRPr sz="1800" kern="1200">
+    <a:lvl8pPr marL="3200400" algn="l" defTabSz="457200" rtl="0" eaLnBrk="1" latinLnBrk="0" hangingPunct="1">
+      <a:defRPr sz="1200" kern="1200">
         <a:solidFill>
           <a:schemeClr val="tx1"/>
         </a:solidFill>
@@ -99,8 +797,8 @@
         <a:cs typeface="+mn-cs"/>
       </a:defRPr>
     </a:lvl8pPr>
-    <a:lvl9pPr marL="3657600" algn="l" defTabSz="914400" rtl="0" eaLnBrk="1" latinLnBrk="0" hangingPunct="1">
-      <a:defRPr sz="1800" kern="1200">
+    <a:lvl9pPr marL="3657600" algn="l" defTabSz="457200" rtl="0" eaLnBrk="1" latinLnBrk="0" hangingPunct="1">
+      <a:defRPr sz="1200" kern="1200">
         <a:solidFill>
           <a:schemeClr val="tx1"/>
         </a:solidFill>
@@ -109,8 +807,2537 @@
         <a:cs typeface="+mn-cs"/>
       </a:defRPr>
     </a:lvl9pPr>
-  </p:defaultTextStyle>
-</p:presentation>
+  </p:notesStyle>
+</p:notesMaster>
+</file>
+
+<file path=ppt/notesSlides/notesSlide1.xml><?xml version="1.0" encoding="utf-8"?>
+<p:notes xmlns:a="http://schemas.openxmlformats.org/drawingml/2006/main" xmlns:r="http://schemas.openxmlformats.org/officeDocument/2006/relationships" xmlns:p="http://schemas.openxmlformats.org/presentationml/2006/main">
+  <p:cSld>
+    <p:spTree>
+      <p:nvGrpSpPr>
+        <p:cNvPr id="1" name=""/>
+        <p:cNvGrpSpPr/>
+        <p:nvPr/>
+      </p:nvGrpSpPr>
+      <p:grpSpPr>
+        <a:xfrm>
+          <a:off x="0" y="0"/>
+          <a:ext cx="0" cy="0"/>
+          <a:chOff x="0" y="0"/>
+          <a:chExt cx="0" cy="0"/>
+        </a:xfrm>
+      </p:grpSpPr>
+      <p:sp>
+        <p:nvSpPr>
+          <p:cNvPr id="14337" name="Slide Image Placeholder 1"/>
+          <p:cNvSpPr>
+            <a:spLocks noGrp="1" noRot="1" noChangeAspect="1"/>
+          </p:cNvSpPr>
+          <p:nvPr>
+            <p:ph type="sldImg"/>
+          </p:nvPr>
+        </p:nvSpPr>
+        <p:spPr bwMode="auto">
+          <a:noFill/>
+          <a:ln>
+            <a:solidFill>
+              <a:srgbClr val="000000"/>
+            </a:solidFill>
+            <a:miter lim="800000"/>
+            <a:headEnd/>
+            <a:tailEnd/>
+          </a:ln>
+          <a:extLst>
+            <a:ext uri="{909E8E84-426E-40dd-AFC4-6F175D3DCCD1}">
+              <a14:hiddenFill xmlns:a14="http://schemas.microsoft.com/office/drawing/2010/main">
+                <a:solidFill>
+                  <a:srgbClr val="FFFFFF"/>
+                </a:solidFill>
+              </a14:hiddenFill>
+            </a:ext>
+            <a:ext uri="{FAA26D3D-D897-4be2-8F04-BA451C77F1D7}">
+              <ma14:placeholderFlag xmlns:ma14="http://schemas.microsoft.com/office/mac/drawingml/2011/main" val="1"/>
+            </a:ext>
+          </a:extLst>
+        </p:spPr>
+      </p:sp>
+      <p:sp>
+        <p:nvSpPr>
+          <p:cNvPr id="14338" name="Notes Placeholder 2"/>
+          <p:cNvSpPr>
+            <a:spLocks noGrp="1"/>
+          </p:cNvSpPr>
+          <p:nvPr>
+            <p:ph type="body" idx="1"/>
+          </p:nvPr>
+        </p:nvSpPr>
+        <p:spPr bwMode="auto">
+          <a:noFill/>
+          <a:extLst>
+            <a:ext uri="{909E8E84-426E-40dd-AFC4-6F175D3DCCD1}">
+              <a14:hiddenFill xmlns:a14="http://schemas.microsoft.com/office/drawing/2010/main">
+                <a:solidFill>
+                  <a:srgbClr val="FFFFFF"/>
+                </a:solidFill>
+              </a14:hiddenFill>
+            </a:ext>
+            <a:ext uri="{91240B29-F687-4f45-9708-019B960494DF}">
+              <a14:hiddenLine xmlns:a14="http://schemas.microsoft.com/office/drawing/2010/main" w="9525">
+                <a:solidFill>
+                  <a:srgbClr val="000000"/>
+                </a:solidFill>
+                <a:miter lim="800000"/>
+                <a:headEnd/>
+                <a:tailEnd/>
+              </a14:hiddenLine>
+            </a:ext>
+            <a:ext uri="{FAA26D3D-D897-4be2-8F04-BA451C77F1D7}">
+              <ma14:placeholderFlag xmlns:ma14="http://schemas.microsoft.com/office/mac/drawingml/2011/main" val="1"/>
+            </a:ext>
+          </a:extLst>
+        </p:spPr>
+        <p:txBody>
+          <a:bodyPr wrap="square" numCol="1" anchor="t" anchorCtr="0" compatLnSpc="1">
+            <a:prstTxWarp prst="textNoShape">
+              <a:avLst/>
+            </a:prstTxWarp>
+          </a:bodyPr>
+          <a:lstStyle/>
+          <a:p>
+            <a:pPr>
+              <a:spcBef>
+                <a:spcPct val="0"/>
+              </a:spcBef>
+            </a:pPr>
+            <a:endParaRPr lang="en-US">
+              <a:latin typeface="Calibri" charset="0"/>
+            </a:endParaRPr>
+          </a:p>
+        </p:txBody>
+      </p:sp>
+      <p:sp>
+        <p:nvSpPr>
+          <p:cNvPr id="14339" name="Slide Number Placeholder 3"/>
+          <p:cNvSpPr>
+            <a:spLocks noGrp="1"/>
+          </p:cNvSpPr>
+          <p:nvPr>
+            <p:ph type="sldNum" sz="quarter" idx="5"/>
+          </p:nvPr>
+        </p:nvSpPr>
+        <p:spPr bwMode="auto">
+          <a:noFill/>
+          <a:extLst>
+            <a:ext uri="{909E8E84-426E-40dd-AFC4-6F175D3DCCD1}">
+              <a14:hiddenFill xmlns:a14="http://schemas.microsoft.com/office/drawing/2010/main">
+                <a:solidFill>
+                  <a:srgbClr val="FFFFFF"/>
+                </a:solidFill>
+              </a14:hiddenFill>
+            </a:ext>
+            <a:ext uri="{91240B29-F687-4f45-9708-019B960494DF}">
+              <a14:hiddenLine xmlns:a14="http://schemas.microsoft.com/office/drawing/2010/main" w="9525">
+                <a:solidFill>
+                  <a:srgbClr val="000000"/>
+                </a:solidFill>
+                <a:miter lim="800000"/>
+                <a:headEnd/>
+                <a:tailEnd/>
+              </a14:hiddenLine>
+            </a:ext>
+          </a:extLst>
+        </p:spPr>
+        <p:txBody>
+          <a:bodyPr wrap="square" numCol="1" anchorCtr="0" compatLnSpc="1">
+            <a:prstTxWarp prst="textNoShape">
+              <a:avLst/>
+            </a:prstTxWarp>
+          </a:bodyPr>
+          <a:lstStyle>
+            <a:lvl1pPr>
+              <a:defRPr>
+                <a:solidFill>
+                  <a:schemeClr val="tx1"/>
+                </a:solidFill>
+                <a:latin typeface="Arial" charset="0"/>
+                <a:ea typeface="ＭＳ Ｐゴシック" charset="0"/>
+                <a:cs typeface="ＭＳ Ｐゴシック" charset="0"/>
+              </a:defRPr>
+            </a:lvl1pPr>
+            <a:lvl2pPr marL="742950" indent="-285750">
+              <a:defRPr>
+                <a:solidFill>
+                  <a:schemeClr val="tx1"/>
+                </a:solidFill>
+                <a:latin typeface="Arial" charset="0"/>
+                <a:ea typeface="ＭＳ Ｐゴシック" charset="0"/>
+              </a:defRPr>
+            </a:lvl2pPr>
+            <a:lvl3pPr marL="1143000" indent="-228600">
+              <a:defRPr>
+                <a:solidFill>
+                  <a:schemeClr val="tx1"/>
+                </a:solidFill>
+                <a:latin typeface="Arial" charset="0"/>
+                <a:ea typeface="ＭＳ Ｐゴシック" charset="0"/>
+              </a:defRPr>
+            </a:lvl3pPr>
+            <a:lvl4pPr marL="1600200" indent="-228600">
+              <a:defRPr>
+                <a:solidFill>
+                  <a:schemeClr val="tx1"/>
+                </a:solidFill>
+                <a:latin typeface="Arial" charset="0"/>
+                <a:ea typeface="ＭＳ Ｐゴシック" charset="0"/>
+              </a:defRPr>
+            </a:lvl4pPr>
+            <a:lvl5pPr marL="2057400" indent="-228600">
+              <a:defRPr>
+                <a:solidFill>
+                  <a:schemeClr val="tx1"/>
+                </a:solidFill>
+                <a:latin typeface="Arial" charset="0"/>
+                <a:ea typeface="ＭＳ Ｐゴシック" charset="0"/>
+              </a:defRPr>
+            </a:lvl5pPr>
+            <a:lvl6pPr marL="2514600" indent="-228600" fontAlgn="base">
+              <a:spcBef>
+                <a:spcPct val="0"/>
+              </a:spcBef>
+              <a:spcAft>
+                <a:spcPct val="0"/>
+              </a:spcAft>
+              <a:defRPr>
+                <a:solidFill>
+                  <a:schemeClr val="tx1"/>
+                </a:solidFill>
+                <a:latin typeface="Arial" charset="0"/>
+                <a:ea typeface="ＭＳ Ｐゴシック" charset="0"/>
+              </a:defRPr>
+            </a:lvl6pPr>
+            <a:lvl7pPr marL="2971800" indent="-228600" fontAlgn="base">
+              <a:spcBef>
+                <a:spcPct val="0"/>
+              </a:spcBef>
+              <a:spcAft>
+                <a:spcPct val="0"/>
+              </a:spcAft>
+              <a:defRPr>
+                <a:solidFill>
+                  <a:schemeClr val="tx1"/>
+                </a:solidFill>
+                <a:latin typeface="Arial" charset="0"/>
+                <a:ea typeface="ＭＳ Ｐゴシック" charset="0"/>
+              </a:defRPr>
+            </a:lvl7pPr>
+            <a:lvl8pPr marL="3429000" indent="-228600" fontAlgn="base">
+              <a:spcBef>
+                <a:spcPct val="0"/>
+              </a:spcBef>
+              <a:spcAft>
+                <a:spcPct val="0"/>
+              </a:spcAft>
+              <a:defRPr>
+                <a:solidFill>
+                  <a:schemeClr val="tx1"/>
+                </a:solidFill>
+                <a:latin typeface="Arial" charset="0"/>
+                <a:ea typeface="ＭＳ Ｐゴシック" charset="0"/>
+              </a:defRPr>
+            </a:lvl8pPr>
+            <a:lvl9pPr marL="3886200" indent="-228600" fontAlgn="base">
+              <a:spcBef>
+                <a:spcPct val="0"/>
+              </a:spcBef>
+              <a:spcAft>
+                <a:spcPct val="0"/>
+              </a:spcAft>
+              <a:defRPr>
+                <a:solidFill>
+                  <a:schemeClr val="tx1"/>
+                </a:solidFill>
+                <a:latin typeface="Arial" charset="0"/>
+                <a:ea typeface="ＭＳ Ｐゴシック" charset="0"/>
+              </a:defRPr>
+            </a:lvl9pPr>
+          </a:lstStyle>
+          <a:p>
+            <a:pPr fontAlgn="base">
+              <a:spcBef>
+                <a:spcPct val="0"/>
+              </a:spcBef>
+              <a:spcAft>
+                <a:spcPct val="0"/>
+              </a:spcAft>
+            </a:pPr>
+            <a:fld id="{394AAAB9-52D1-884A-A3EC-49C1840D7956}" type="slidenum">
+              <a:rPr lang="en-US">
+                <a:latin typeface="Calibri" charset="0"/>
+              </a:rPr>
+              <a:pPr fontAlgn="base">
+                <a:spcBef>
+                  <a:spcPct val="0"/>
+                </a:spcBef>
+                <a:spcAft>
+                  <a:spcPct val="0"/>
+                </a:spcAft>
+              </a:pPr>
+              <a:t>1</a:t>
+            </a:fld>
+            <a:endParaRPr lang="en-US">
+              <a:latin typeface="Calibri" charset="0"/>
+            </a:endParaRPr>
+          </a:p>
+        </p:txBody>
+      </p:sp>
+    </p:spTree>
+  </p:cSld>
+  <p:clrMapOvr>
+    <a:masterClrMapping/>
+  </p:clrMapOvr>
+</p:notes>
+</file>
+
+<file path=ppt/notesSlides/notesSlide2.xml><?xml version="1.0" encoding="utf-8"?>
+<p:notes xmlns:a="http://schemas.openxmlformats.org/drawingml/2006/main" xmlns:r="http://schemas.openxmlformats.org/officeDocument/2006/relationships" xmlns:p="http://schemas.openxmlformats.org/presentationml/2006/main">
+  <p:cSld>
+    <p:spTree>
+      <p:nvGrpSpPr>
+        <p:cNvPr id="1" name=""/>
+        <p:cNvGrpSpPr/>
+        <p:nvPr/>
+      </p:nvGrpSpPr>
+      <p:grpSpPr>
+        <a:xfrm>
+          <a:off x="0" y="0"/>
+          <a:ext cx="0" cy="0"/>
+          <a:chOff x="0" y="0"/>
+          <a:chExt cx="0" cy="0"/>
+        </a:xfrm>
+      </p:grpSpPr>
+      <p:sp>
+        <p:nvSpPr>
+          <p:cNvPr id="15361" name="Slide Image Placeholder 1"/>
+          <p:cNvSpPr>
+            <a:spLocks noGrp="1" noRot="1" noChangeAspect="1"/>
+          </p:cNvSpPr>
+          <p:nvPr>
+            <p:ph type="sldImg"/>
+          </p:nvPr>
+        </p:nvSpPr>
+        <p:spPr bwMode="auto">
+          <a:noFill/>
+          <a:ln>
+            <a:solidFill>
+              <a:srgbClr val="000000"/>
+            </a:solidFill>
+            <a:miter lim="800000"/>
+            <a:headEnd/>
+            <a:tailEnd/>
+          </a:ln>
+          <a:extLst>
+            <a:ext uri="{909E8E84-426E-40dd-AFC4-6F175D3DCCD1}">
+              <a14:hiddenFill xmlns:a14="http://schemas.microsoft.com/office/drawing/2010/main">
+                <a:solidFill>
+                  <a:srgbClr val="FFFFFF"/>
+                </a:solidFill>
+              </a14:hiddenFill>
+            </a:ext>
+            <a:ext uri="{FAA26D3D-D897-4be2-8F04-BA451C77F1D7}">
+              <ma14:placeholderFlag xmlns:ma14="http://schemas.microsoft.com/office/mac/drawingml/2011/main" val="1"/>
+            </a:ext>
+          </a:extLst>
+        </p:spPr>
+      </p:sp>
+      <p:sp>
+        <p:nvSpPr>
+          <p:cNvPr id="15362" name="Notes Placeholder 2"/>
+          <p:cNvSpPr>
+            <a:spLocks noGrp="1"/>
+          </p:cNvSpPr>
+          <p:nvPr>
+            <p:ph type="body" idx="1"/>
+          </p:nvPr>
+        </p:nvSpPr>
+        <p:spPr bwMode="auto">
+          <a:noFill/>
+          <a:extLst>
+            <a:ext uri="{909E8E84-426E-40dd-AFC4-6F175D3DCCD1}">
+              <a14:hiddenFill xmlns:a14="http://schemas.microsoft.com/office/drawing/2010/main">
+                <a:solidFill>
+                  <a:srgbClr val="FFFFFF"/>
+                </a:solidFill>
+              </a14:hiddenFill>
+            </a:ext>
+            <a:ext uri="{91240B29-F687-4f45-9708-019B960494DF}">
+              <a14:hiddenLine xmlns:a14="http://schemas.microsoft.com/office/drawing/2010/main" w="9525">
+                <a:solidFill>
+                  <a:srgbClr val="000000"/>
+                </a:solidFill>
+                <a:miter lim="800000"/>
+                <a:headEnd/>
+                <a:tailEnd/>
+              </a14:hiddenLine>
+            </a:ext>
+            <a:ext uri="{FAA26D3D-D897-4be2-8F04-BA451C77F1D7}">
+              <ma14:placeholderFlag xmlns:ma14="http://schemas.microsoft.com/office/mac/drawingml/2011/main" val="1"/>
+            </a:ext>
+          </a:extLst>
+        </p:spPr>
+        <p:txBody>
+          <a:bodyPr wrap="square" numCol="1" anchor="t" anchorCtr="0" compatLnSpc="1">
+            <a:prstTxWarp prst="textNoShape">
+              <a:avLst/>
+            </a:prstTxWarp>
+          </a:bodyPr>
+          <a:lstStyle/>
+          <a:p>
+            <a:pPr>
+              <a:spcBef>
+                <a:spcPct val="0"/>
+              </a:spcBef>
+            </a:pPr>
+            <a:endParaRPr lang="en-US">
+              <a:latin typeface="Calibri" charset="0"/>
+            </a:endParaRPr>
+          </a:p>
+        </p:txBody>
+      </p:sp>
+      <p:sp>
+        <p:nvSpPr>
+          <p:cNvPr id="15363" name="Slide Number Placeholder 3"/>
+          <p:cNvSpPr>
+            <a:spLocks noGrp="1"/>
+          </p:cNvSpPr>
+          <p:nvPr>
+            <p:ph type="sldNum" sz="quarter" idx="5"/>
+          </p:nvPr>
+        </p:nvSpPr>
+        <p:spPr bwMode="auto">
+          <a:noFill/>
+          <a:extLst>
+            <a:ext uri="{909E8E84-426E-40dd-AFC4-6F175D3DCCD1}">
+              <a14:hiddenFill xmlns:a14="http://schemas.microsoft.com/office/drawing/2010/main">
+                <a:solidFill>
+                  <a:srgbClr val="FFFFFF"/>
+                </a:solidFill>
+              </a14:hiddenFill>
+            </a:ext>
+            <a:ext uri="{91240B29-F687-4f45-9708-019B960494DF}">
+              <a14:hiddenLine xmlns:a14="http://schemas.microsoft.com/office/drawing/2010/main" w="9525">
+                <a:solidFill>
+                  <a:srgbClr val="000000"/>
+                </a:solidFill>
+                <a:miter lim="800000"/>
+                <a:headEnd/>
+                <a:tailEnd/>
+              </a14:hiddenLine>
+            </a:ext>
+          </a:extLst>
+        </p:spPr>
+        <p:txBody>
+          <a:bodyPr wrap="square" numCol="1" anchorCtr="0" compatLnSpc="1">
+            <a:prstTxWarp prst="textNoShape">
+              <a:avLst/>
+            </a:prstTxWarp>
+          </a:bodyPr>
+          <a:lstStyle>
+            <a:lvl1pPr>
+              <a:defRPr>
+                <a:solidFill>
+                  <a:schemeClr val="tx1"/>
+                </a:solidFill>
+                <a:latin typeface="Arial" charset="0"/>
+                <a:ea typeface="ＭＳ Ｐゴシック" charset="0"/>
+                <a:cs typeface="ＭＳ Ｐゴシック" charset="0"/>
+              </a:defRPr>
+            </a:lvl1pPr>
+            <a:lvl2pPr marL="742950" indent="-285750">
+              <a:defRPr>
+                <a:solidFill>
+                  <a:schemeClr val="tx1"/>
+                </a:solidFill>
+                <a:latin typeface="Arial" charset="0"/>
+                <a:ea typeface="ＭＳ Ｐゴシック" charset="0"/>
+              </a:defRPr>
+            </a:lvl2pPr>
+            <a:lvl3pPr marL="1143000" indent="-228600">
+              <a:defRPr>
+                <a:solidFill>
+                  <a:schemeClr val="tx1"/>
+                </a:solidFill>
+                <a:latin typeface="Arial" charset="0"/>
+                <a:ea typeface="ＭＳ Ｐゴシック" charset="0"/>
+              </a:defRPr>
+            </a:lvl3pPr>
+            <a:lvl4pPr marL="1600200" indent="-228600">
+              <a:defRPr>
+                <a:solidFill>
+                  <a:schemeClr val="tx1"/>
+                </a:solidFill>
+                <a:latin typeface="Arial" charset="0"/>
+                <a:ea typeface="ＭＳ Ｐゴシック" charset="0"/>
+              </a:defRPr>
+            </a:lvl4pPr>
+            <a:lvl5pPr marL="2057400" indent="-228600">
+              <a:defRPr>
+                <a:solidFill>
+                  <a:schemeClr val="tx1"/>
+                </a:solidFill>
+                <a:latin typeface="Arial" charset="0"/>
+                <a:ea typeface="ＭＳ Ｐゴシック" charset="0"/>
+              </a:defRPr>
+            </a:lvl5pPr>
+            <a:lvl6pPr marL="2514600" indent="-228600" fontAlgn="base">
+              <a:spcBef>
+                <a:spcPct val="0"/>
+              </a:spcBef>
+              <a:spcAft>
+                <a:spcPct val="0"/>
+              </a:spcAft>
+              <a:defRPr>
+                <a:solidFill>
+                  <a:schemeClr val="tx1"/>
+                </a:solidFill>
+                <a:latin typeface="Arial" charset="0"/>
+                <a:ea typeface="ＭＳ Ｐゴシック" charset="0"/>
+              </a:defRPr>
+            </a:lvl6pPr>
+            <a:lvl7pPr marL="2971800" indent="-228600" fontAlgn="base">
+              <a:spcBef>
+                <a:spcPct val="0"/>
+              </a:spcBef>
+              <a:spcAft>
+                <a:spcPct val="0"/>
+              </a:spcAft>
+              <a:defRPr>
+                <a:solidFill>
+                  <a:schemeClr val="tx1"/>
+                </a:solidFill>
+                <a:latin typeface="Arial" charset="0"/>
+                <a:ea typeface="ＭＳ Ｐゴシック" charset="0"/>
+              </a:defRPr>
+            </a:lvl7pPr>
+            <a:lvl8pPr marL="3429000" indent="-228600" fontAlgn="base">
+              <a:spcBef>
+                <a:spcPct val="0"/>
+              </a:spcBef>
+              <a:spcAft>
+                <a:spcPct val="0"/>
+              </a:spcAft>
+              <a:defRPr>
+                <a:solidFill>
+                  <a:schemeClr val="tx1"/>
+                </a:solidFill>
+                <a:latin typeface="Arial" charset="0"/>
+                <a:ea typeface="ＭＳ Ｐゴシック" charset="0"/>
+              </a:defRPr>
+            </a:lvl8pPr>
+            <a:lvl9pPr marL="3886200" indent="-228600" fontAlgn="base">
+              <a:spcBef>
+                <a:spcPct val="0"/>
+              </a:spcBef>
+              <a:spcAft>
+                <a:spcPct val="0"/>
+              </a:spcAft>
+              <a:defRPr>
+                <a:solidFill>
+                  <a:schemeClr val="tx1"/>
+                </a:solidFill>
+                <a:latin typeface="Arial" charset="0"/>
+                <a:ea typeface="ＭＳ Ｐゴシック" charset="0"/>
+              </a:defRPr>
+            </a:lvl9pPr>
+          </a:lstStyle>
+          <a:p>
+            <a:pPr fontAlgn="base">
+              <a:spcBef>
+                <a:spcPct val="0"/>
+              </a:spcBef>
+              <a:spcAft>
+                <a:spcPct val="0"/>
+              </a:spcAft>
+            </a:pPr>
+            <a:fld id="{29D70E11-F3D7-6644-8423-2DF3A1720F50}" type="slidenum">
+              <a:rPr lang="en-US">
+                <a:latin typeface="Calibri" charset="0"/>
+              </a:rPr>
+              <a:pPr fontAlgn="base">
+                <a:spcBef>
+                  <a:spcPct val="0"/>
+                </a:spcBef>
+                <a:spcAft>
+                  <a:spcPct val="0"/>
+                </a:spcAft>
+              </a:pPr>
+              <a:t>2</a:t>
+            </a:fld>
+            <a:endParaRPr lang="en-US">
+              <a:latin typeface="Calibri" charset="0"/>
+            </a:endParaRPr>
+          </a:p>
+        </p:txBody>
+      </p:sp>
+    </p:spTree>
+  </p:cSld>
+  <p:clrMapOvr>
+    <a:masterClrMapping/>
+  </p:clrMapOvr>
+</p:notes>
+</file>
+
+<file path=ppt/notesSlides/notesSlide3.xml><?xml version="1.0" encoding="utf-8"?>
+<p:notes xmlns:a="http://schemas.openxmlformats.org/drawingml/2006/main" xmlns:r="http://schemas.openxmlformats.org/officeDocument/2006/relationships" xmlns:p="http://schemas.openxmlformats.org/presentationml/2006/main">
+  <p:cSld>
+    <p:spTree>
+      <p:nvGrpSpPr>
+        <p:cNvPr id="1" name=""/>
+        <p:cNvGrpSpPr/>
+        <p:nvPr/>
+      </p:nvGrpSpPr>
+      <p:grpSpPr>
+        <a:xfrm>
+          <a:off x="0" y="0"/>
+          <a:ext cx="0" cy="0"/>
+          <a:chOff x="0" y="0"/>
+          <a:chExt cx="0" cy="0"/>
+        </a:xfrm>
+      </p:grpSpPr>
+      <p:sp>
+        <p:nvSpPr>
+          <p:cNvPr id="16385" name="Slide Image Placeholder 1"/>
+          <p:cNvSpPr>
+            <a:spLocks noGrp="1" noRot="1" noChangeAspect="1"/>
+          </p:cNvSpPr>
+          <p:nvPr>
+            <p:ph type="sldImg"/>
+          </p:nvPr>
+        </p:nvSpPr>
+        <p:spPr bwMode="auto">
+          <a:noFill/>
+          <a:ln>
+            <a:solidFill>
+              <a:srgbClr val="000000"/>
+            </a:solidFill>
+            <a:miter lim="800000"/>
+            <a:headEnd/>
+            <a:tailEnd/>
+          </a:ln>
+          <a:extLst>
+            <a:ext uri="{909E8E84-426E-40dd-AFC4-6F175D3DCCD1}">
+              <a14:hiddenFill xmlns:a14="http://schemas.microsoft.com/office/drawing/2010/main">
+                <a:solidFill>
+                  <a:srgbClr val="FFFFFF"/>
+                </a:solidFill>
+              </a14:hiddenFill>
+            </a:ext>
+            <a:ext uri="{FAA26D3D-D897-4be2-8F04-BA451C77F1D7}">
+              <ma14:placeholderFlag xmlns:ma14="http://schemas.microsoft.com/office/mac/drawingml/2011/main" val="1"/>
+            </a:ext>
+          </a:extLst>
+        </p:spPr>
+      </p:sp>
+      <p:sp>
+        <p:nvSpPr>
+          <p:cNvPr id="3" name="Notes Placeholder 2"/>
+          <p:cNvSpPr>
+            <a:spLocks noGrp="1"/>
+          </p:cNvSpPr>
+          <p:nvPr>
+            <p:ph type="body" idx="1"/>
+          </p:nvPr>
+        </p:nvSpPr>
+        <p:spPr/>
+        <p:txBody>
+          <a:bodyPr/>
+          <a:lstStyle/>
+          <a:p>
+            <a:pPr fontAlgn="auto">
+              <a:spcBef>
+                <a:spcPts val="0"/>
+              </a:spcBef>
+              <a:spcAft>
+                <a:spcPts val="0"/>
+              </a:spcAft>
+              <a:defRPr/>
+            </a:pPr>
+            <a:r>
+              <a:rPr lang="en-US" b="1" dirty="0" smtClean="0">
+                <a:ea typeface="+mn-ea"/>
+                <a:cs typeface="+mn-cs"/>
+              </a:rPr>
+              <a:t>Detection and Tracking:</a:t>
+            </a:r>
+          </a:p>
+          <a:p>
+            <a:pPr fontAlgn="auto">
+              <a:spcBef>
+                <a:spcPts val="0"/>
+              </a:spcBef>
+              <a:spcAft>
+                <a:spcPts val="0"/>
+              </a:spcAft>
+              <a:defRPr/>
+            </a:pPr>
+            <a:r>
+              <a:rPr lang="en-US" dirty="0" smtClean="0">
+                <a:ea typeface="+mn-ea"/>
+                <a:cs typeface="+mn-cs"/>
+              </a:rPr>
+              <a:t>* Assuming ball is only moving object in frame, we can detect the ball with optical flow.</a:t>
+            </a:r>
+          </a:p>
+          <a:p>
+            <a:pPr marL="171450" indent="-171450" fontAlgn="auto">
+              <a:spcBef>
+                <a:spcPts val="0"/>
+              </a:spcBef>
+              <a:spcAft>
+                <a:spcPts val="0"/>
+              </a:spcAft>
+              <a:buFontTx/>
+              <a:buChar char="•"/>
+              <a:defRPr/>
+            </a:pPr>
+            <a:r>
+              <a:rPr lang="en-US" dirty="0" smtClean="0">
+                <a:ea typeface="+mn-ea"/>
+                <a:cs typeface="+mn-cs"/>
+              </a:rPr>
+              <a:t>Predict trajectory with dynamic model. Solve in real time.</a:t>
+            </a:r>
+          </a:p>
+          <a:p>
+            <a:pPr marL="628650" lvl="1" indent="-171450" fontAlgn="auto">
+              <a:spcBef>
+                <a:spcPts val="0"/>
+              </a:spcBef>
+              <a:spcAft>
+                <a:spcPts val="0"/>
+              </a:spcAft>
+              <a:buFontTx/>
+              <a:buChar char="•"/>
+              <a:defRPr/>
+            </a:pPr>
+            <a:r>
+              <a:rPr lang="en-US" dirty="0" smtClean="0">
+                <a:ea typeface="+mn-ea"/>
+              </a:rPr>
+              <a:t>Difficult: Velocity is not directly observable, but TTC, which is proportional to the </a:t>
+            </a:r>
+            <a:r>
+              <a:rPr lang="en-US" dirty="0" err="1" smtClean="0">
+                <a:ea typeface="+mn-ea"/>
+              </a:rPr>
+              <a:t>enlargment</a:t>
+            </a:r>
+            <a:r>
+              <a:rPr lang="en-US" dirty="0" smtClean="0">
+                <a:ea typeface="+mn-ea"/>
+              </a:rPr>
+              <a:t>, is observable.</a:t>
+            </a:r>
+          </a:p>
+          <a:p>
+            <a:pPr marL="171450" indent="-171450" fontAlgn="auto">
+              <a:spcBef>
+                <a:spcPts val="0"/>
+              </a:spcBef>
+              <a:spcAft>
+                <a:spcPts val="0"/>
+              </a:spcAft>
+              <a:buFontTx/>
+              <a:buChar char="•"/>
+              <a:defRPr/>
+            </a:pPr>
+            <a:r>
+              <a:rPr lang="en-US" dirty="0" smtClean="0">
+                <a:ea typeface="+mn-ea"/>
+                <a:cs typeface="+mn-cs"/>
+              </a:rPr>
+              <a:t>Calibration or system ID. Know: mass, actual diameter*. Calibrate: drag </a:t>
+            </a:r>
+            <a:r>
+              <a:rPr lang="en-US" dirty="0" err="1" smtClean="0">
+                <a:ea typeface="+mn-ea"/>
+                <a:cs typeface="+mn-cs"/>
+              </a:rPr>
+              <a:t>coeffcient</a:t>
+            </a:r>
+            <a:r>
+              <a:rPr lang="en-US" dirty="0" smtClean="0">
+                <a:ea typeface="+mn-ea"/>
+                <a:cs typeface="+mn-cs"/>
+              </a:rPr>
+              <a:t>, apparent diameter </a:t>
+            </a:r>
+            <a:r>
+              <a:rPr lang="en-US" dirty="0" err="1" smtClean="0">
+                <a:ea typeface="+mn-ea"/>
+                <a:cs typeface="+mn-cs"/>
+              </a:rPr>
+              <a:t>vs</a:t>
+            </a:r>
+            <a:r>
+              <a:rPr lang="en-US" dirty="0" smtClean="0">
+                <a:ea typeface="+mn-ea"/>
+                <a:cs typeface="+mn-cs"/>
+              </a:rPr>
+              <a:t> distance*.</a:t>
+            </a:r>
+          </a:p>
+          <a:p>
+            <a:pPr fontAlgn="auto">
+              <a:spcBef>
+                <a:spcPts val="0"/>
+              </a:spcBef>
+              <a:spcAft>
+                <a:spcPts val="0"/>
+              </a:spcAft>
+              <a:defRPr/>
+            </a:pPr>
+            <a:endParaRPr lang="en-US" dirty="0" smtClean="0">
+              <a:ea typeface="+mn-ea"/>
+              <a:cs typeface="+mn-cs"/>
+            </a:endParaRPr>
+          </a:p>
+          <a:p>
+            <a:pPr fontAlgn="auto">
+              <a:spcBef>
+                <a:spcPts val="0"/>
+              </a:spcBef>
+              <a:spcAft>
+                <a:spcPts val="0"/>
+              </a:spcAft>
+              <a:defRPr/>
+            </a:pPr>
+            <a:r>
+              <a:rPr lang="en-US" b="1" dirty="0" smtClean="0">
+                <a:ea typeface="+mn-ea"/>
+                <a:cs typeface="+mn-cs"/>
+              </a:rPr>
+              <a:t>Impact prediction:</a:t>
+            </a:r>
+          </a:p>
+          <a:p>
+            <a:pPr marL="171450" indent="-171450" fontAlgn="auto">
+              <a:spcBef>
+                <a:spcPts val="0"/>
+              </a:spcBef>
+              <a:spcAft>
+                <a:spcPts val="0"/>
+              </a:spcAft>
+              <a:buFont typeface="Arial"/>
+              <a:buChar char="•"/>
+              <a:defRPr/>
+            </a:pPr>
+            <a:r>
+              <a:rPr lang="en-US" dirty="0" smtClean="0">
+                <a:ea typeface="+mn-ea"/>
+                <a:cs typeface="+mn-cs"/>
+              </a:rPr>
+              <a:t>Bounding box. One possible approach, though could have issues due to curved trajectory.</a:t>
+            </a:r>
+          </a:p>
+          <a:p>
+            <a:pPr marL="171450" indent="-171450" fontAlgn="auto">
+              <a:spcBef>
+                <a:spcPts val="0"/>
+              </a:spcBef>
+              <a:spcAft>
+                <a:spcPts val="0"/>
+              </a:spcAft>
+              <a:buFont typeface="Arial"/>
+              <a:buChar char="•"/>
+              <a:defRPr/>
+            </a:pPr>
+            <a:r>
+              <a:rPr lang="en-US" dirty="0" smtClean="0">
+                <a:ea typeface="+mn-ea"/>
+                <a:cs typeface="+mn-cs"/>
+              </a:rPr>
+              <a:t>Pixel area threshold. </a:t>
+            </a:r>
+          </a:p>
+          <a:p>
+            <a:pPr marL="628650" lvl="1" indent="-171450" fontAlgn="auto">
+              <a:spcBef>
+                <a:spcPts val="0"/>
+              </a:spcBef>
+              <a:spcAft>
+                <a:spcPts val="0"/>
+              </a:spcAft>
+              <a:buFont typeface="Arial"/>
+              <a:buChar char="•"/>
+              <a:defRPr/>
+            </a:pPr>
+            <a:r>
+              <a:rPr lang="en-US" dirty="0" smtClean="0">
+                <a:ea typeface="+mn-ea"/>
+              </a:rPr>
+              <a:t>Only cases with positive slope (</a:t>
+            </a:r>
+            <a:r>
+              <a:rPr lang="en-US" dirty="0" err="1" smtClean="0">
+                <a:ea typeface="+mn-ea"/>
+              </a:rPr>
+              <a:t>vs</a:t>
+            </a:r>
+            <a:r>
+              <a:rPr lang="en-US" dirty="0" smtClean="0">
+                <a:ea typeface="+mn-ea"/>
+              </a:rPr>
+              <a:t> time) matter.</a:t>
+            </a:r>
+          </a:p>
+        </p:txBody>
+      </p:sp>
+      <p:sp>
+        <p:nvSpPr>
+          <p:cNvPr id="16387" name="Slide Number Placeholder 3"/>
+          <p:cNvSpPr>
+            <a:spLocks noGrp="1"/>
+          </p:cNvSpPr>
+          <p:nvPr>
+            <p:ph type="sldNum" sz="quarter" idx="5"/>
+          </p:nvPr>
+        </p:nvSpPr>
+        <p:spPr bwMode="auto">
+          <a:noFill/>
+          <a:extLst>
+            <a:ext uri="{909E8E84-426E-40dd-AFC4-6F175D3DCCD1}">
+              <a14:hiddenFill xmlns:a14="http://schemas.microsoft.com/office/drawing/2010/main">
+                <a:solidFill>
+                  <a:srgbClr val="FFFFFF"/>
+                </a:solidFill>
+              </a14:hiddenFill>
+            </a:ext>
+            <a:ext uri="{91240B29-F687-4f45-9708-019B960494DF}">
+              <a14:hiddenLine xmlns:a14="http://schemas.microsoft.com/office/drawing/2010/main" w="9525">
+                <a:solidFill>
+                  <a:srgbClr val="000000"/>
+                </a:solidFill>
+                <a:miter lim="800000"/>
+                <a:headEnd/>
+                <a:tailEnd/>
+              </a14:hiddenLine>
+            </a:ext>
+          </a:extLst>
+        </p:spPr>
+        <p:txBody>
+          <a:bodyPr wrap="square" numCol="1" anchorCtr="0" compatLnSpc="1">
+            <a:prstTxWarp prst="textNoShape">
+              <a:avLst/>
+            </a:prstTxWarp>
+          </a:bodyPr>
+          <a:lstStyle>
+            <a:lvl1pPr>
+              <a:defRPr>
+                <a:solidFill>
+                  <a:schemeClr val="tx1"/>
+                </a:solidFill>
+                <a:latin typeface="Arial" charset="0"/>
+                <a:ea typeface="ＭＳ Ｐゴシック" charset="0"/>
+                <a:cs typeface="ＭＳ Ｐゴシック" charset="0"/>
+              </a:defRPr>
+            </a:lvl1pPr>
+            <a:lvl2pPr marL="742950" indent="-285750">
+              <a:defRPr>
+                <a:solidFill>
+                  <a:schemeClr val="tx1"/>
+                </a:solidFill>
+                <a:latin typeface="Arial" charset="0"/>
+                <a:ea typeface="ＭＳ Ｐゴシック" charset="0"/>
+              </a:defRPr>
+            </a:lvl2pPr>
+            <a:lvl3pPr marL="1143000" indent="-228600">
+              <a:defRPr>
+                <a:solidFill>
+                  <a:schemeClr val="tx1"/>
+                </a:solidFill>
+                <a:latin typeface="Arial" charset="0"/>
+                <a:ea typeface="ＭＳ Ｐゴシック" charset="0"/>
+              </a:defRPr>
+            </a:lvl3pPr>
+            <a:lvl4pPr marL="1600200" indent="-228600">
+              <a:defRPr>
+                <a:solidFill>
+                  <a:schemeClr val="tx1"/>
+                </a:solidFill>
+                <a:latin typeface="Arial" charset="0"/>
+                <a:ea typeface="ＭＳ Ｐゴシック" charset="0"/>
+              </a:defRPr>
+            </a:lvl4pPr>
+            <a:lvl5pPr marL="2057400" indent="-228600">
+              <a:defRPr>
+                <a:solidFill>
+                  <a:schemeClr val="tx1"/>
+                </a:solidFill>
+                <a:latin typeface="Arial" charset="0"/>
+                <a:ea typeface="ＭＳ Ｐゴシック" charset="0"/>
+              </a:defRPr>
+            </a:lvl5pPr>
+            <a:lvl6pPr marL="2514600" indent="-228600" fontAlgn="base">
+              <a:spcBef>
+                <a:spcPct val="0"/>
+              </a:spcBef>
+              <a:spcAft>
+                <a:spcPct val="0"/>
+              </a:spcAft>
+              <a:defRPr>
+                <a:solidFill>
+                  <a:schemeClr val="tx1"/>
+                </a:solidFill>
+                <a:latin typeface="Arial" charset="0"/>
+                <a:ea typeface="ＭＳ Ｐゴシック" charset="0"/>
+              </a:defRPr>
+            </a:lvl6pPr>
+            <a:lvl7pPr marL="2971800" indent="-228600" fontAlgn="base">
+              <a:spcBef>
+                <a:spcPct val="0"/>
+              </a:spcBef>
+              <a:spcAft>
+                <a:spcPct val="0"/>
+              </a:spcAft>
+              <a:defRPr>
+                <a:solidFill>
+                  <a:schemeClr val="tx1"/>
+                </a:solidFill>
+                <a:latin typeface="Arial" charset="0"/>
+                <a:ea typeface="ＭＳ Ｐゴシック" charset="0"/>
+              </a:defRPr>
+            </a:lvl7pPr>
+            <a:lvl8pPr marL="3429000" indent="-228600" fontAlgn="base">
+              <a:spcBef>
+                <a:spcPct val="0"/>
+              </a:spcBef>
+              <a:spcAft>
+                <a:spcPct val="0"/>
+              </a:spcAft>
+              <a:defRPr>
+                <a:solidFill>
+                  <a:schemeClr val="tx1"/>
+                </a:solidFill>
+                <a:latin typeface="Arial" charset="0"/>
+                <a:ea typeface="ＭＳ Ｐゴシック" charset="0"/>
+              </a:defRPr>
+            </a:lvl8pPr>
+            <a:lvl9pPr marL="3886200" indent="-228600" fontAlgn="base">
+              <a:spcBef>
+                <a:spcPct val="0"/>
+              </a:spcBef>
+              <a:spcAft>
+                <a:spcPct val="0"/>
+              </a:spcAft>
+              <a:defRPr>
+                <a:solidFill>
+                  <a:schemeClr val="tx1"/>
+                </a:solidFill>
+                <a:latin typeface="Arial" charset="0"/>
+                <a:ea typeface="ＭＳ Ｐゴシック" charset="0"/>
+              </a:defRPr>
+            </a:lvl9pPr>
+          </a:lstStyle>
+          <a:p>
+            <a:pPr fontAlgn="base">
+              <a:spcBef>
+                <a:spcPct val="0"/>
+              </a:spcBef>
+              <a:spcAft>
+                <a:spcPct val="0"/>
+              </a:spcAft>
+            </a:pPr>
+            <a:fld id="{452070CC-D3AF-614E-A6B9-DF32B84D0102}" type="slidenum">
+              <a:rPr lang="en-US">
+                <a:latin typeface="Calibri" charset="0"/>
+              </a:rPr>
+              <a:pPr fontAlgn="base">
+                <a:spcBef>
+                  <a:spcPct val="0"/>
+                </a:spcBef>
+                <a:spcAft>
+                  <a:spcPct val="0"/>
+                </a:spcAft>
+              </a:pPr>
+              <a:t>3</a:t>
+            </a:fld>
+            <a:endParaRPr lang="en-US">
+              <a:latin typeface="Calibri" charset="0"/>
+            </a:endParaRPr>
+          </a:p>
+        </p:txBody>
+      </p:sp>
+    </p:spTree>
+  </p:cSld>
+  <p:clrMapOvr>
+    <a:masterClrMapping/>
+  </p:clrMapOvr>
+</p:notes>
+</file>
+
+<file path=ppt/notesSlides/notesSlide4.xml><?xml version="1.0" encoding="utf-8"?>
+<p:notes xmlns:a="http://schemas.openxmlformats.org/drawingml/2006/main" xmlns:r="http://schemas.openxmlformats.org/officeDocument/2006/relationships" xmlns:p="http://schemas.openxmlformats.org/presentationml/2006/main">
+  <p:cSld>
+    <p:spTree>
+      <p:nvGrpSpPr>
+        <p:cNvPr id="1" name=""/>
+        <p:cNvGrpSpPr/>
+        <p:nvPr/>
+      </p:nvGrpSpPr>
+      <p:grpSpPr>
+        <a:xfrm>
+          <a:off x="0" y="0"/>
+          <a:ext cx="0" cy="0"/>
+          <a:chOff x="0" y="0"/>
+          <a:chExt cx="0" cy="0"/>
+        </a:xfrm>
+      </p:grpSpPr>
+      <p:sp>
+        <p:nvSpPr>
+          <p:cNvPr id="17409" name="Slide Image Placeholder 1"/>
+          <p:cNvSpPr>
+            <a:spLocks noGrp="1" noRot="1" noChangeAspect="1"/>
+          </p:cNvSpPr>
+          <p:nvPr>
+            <p:ph type="sldImg"/>
+          </p:nvPr>
+        </p:nvSpPr>
+        <p:spPr bwMode="auto">
+          <a:noFill/>
+          <a:ln>
+            <a:solidFill>
+              <a:srgbClr val="000000"/>
+            </a:solidFill>
+            <a:miter lim="800000"/>
+            <a:headEnd/>
+            <a:tailEnd/>
+          </a:ln>
+          <a:extLst>
+            <a:ext uri="{909E8E84-426E-40dd-AFC4-6F175D3DCCD1}">
+              <a14:hiddenFill xmlns:a14="http://schemas.microsoft.com/office/drawing/2010/main">
+                <a:solidFill>
+                  <a:srgbClr val="FFFFFF"/>
+                </a:solidFill>
+              </a14:hiddenFill>
+            </a:ext>
+            <a:ext uri="{FAA26D3D-D897-4be2-8F04-BA451C77F1D7}">
+              <ma14:placeholderFlag xmlns:ma14="http://schemas.microsoft.com/office/mac/drawingml/2011/main" val="1"/>
+            </a:ext>
+          </a:extLst>
+        </p:spPr>
+      </p:sp>
+      <p:sp>
+        <p:nvSpPr>
+          <p:cNvPr id="3" name="Notes Placeholder 2"/>
+          <p:cNvSpPr>
+            <a:spLocks noGrp="1"/>
+          </p:cNvSpPr>
+          <p:nvPr>
+            <p:ph type="body" idx="1"/>
+          </p:nvPr>
+        </p:nvSpPr>
+        <p:spPr/>
+        <p:txBody>
+          <a:bodyPr/>
+          <a:lstStyle/>
+          <a:p>
+            <a:pPr fontAlgn="auto">
+              <a:spcBef>
+                <a:spcPts val="0"/>
+              </a:spcBef>
+              <a:spcAft>
+                <a:spcPts val="0"/>
+              </a:spcAft>
+              <a:defRPr/>
+            </a:pPr>
+            <a:r>
+              <a:rPr lang="en-US" b="1" dirty="0" smtClean="0">
+                <a:ea typeface="+mn-ea"/>
+                <a:cs typeface="+mn-cs"/>
+              </a:rPr>
+              <a:t>Software:</a:t>
+            </a:r>
+          </a:p>
+          <a:p>
+            <a:pPr marL="171450" indent="-171450" fontAlgn="auto">
+              <a:spcBef>
+                <a:spcPts val="0"/>
+              </a:spcBef>
+              <a:spcAft>
+                <a:spcPts val="0"/>
+              </a:spcAft>
+              <a:buFont typeface="Arial"/>
+              <a:buChar char="•"/>
+              <a:defRPr/>
+            </a:pPr>
+            <a:r>
+              <a:rPr lang="en-US" dirty="0" smtClean="0">
+                <a:ea typeface="+mn-ea"/>
+                <a:cs typeface="+mn-cs"/>
+              </a:rPr>
+              <a:t>First step: using MATLAB at development environment for design, analysis, system id, simulation.</a:t>
+            </a:r>
+          </a:p>
+          <a:p>
+            <a:pPr marL="628650" lvl="1" indent="-171450" fontAlgn="auto">
+              <a:spcBef>
+                <a:spcPts val="0"/>
+              </a:spcBef>
+              <a:spcAft>
+                <a:spcPts val="0"/>
+              </a:spcAft>
+              <a:buFont typeface="Arial"/>
+              <a:buChar char="•"/>
+              <a:defRPr/>
+            </a:pPr>
+            <a:r>
+              <a:rPr lang="en-US" dirty="0" smtClean="0">
+                <a:ea typeface="+mn-ea"/>
+              </a:rPr>
+              <a:t>MATLAB will run pre-recorded video.</a:t>
+            </a:r>
+          </a:p>
+          <a:p>
+            <a:pPr marL="171450" indent="-171450" fontAlgn="auto">
+              <a:spcBef>
+                <a:spcPts val="0"/>
+              </a:spcBef>
+              <a:spcAft>
+                <a:spcPts val="0"/>
+              </a:spcAft>
+              <a:buFont typeface="Arial"/>
+              <a:buChar char="•"/>
+              <a:defRPr/>
+            </a:pPr>
+            <a:r>
+              <a:rPr lang="en-US" dirty="0" smtClean="0">
+                <a:ea typeface="+mn-ea"/>
+                <a:cs typeface="+mn-cs"/>
+              </a:rPr>
+              <a:t>Eventually, move to </a:t>
+            </a:r>
+            <a:r>
+              <a:rPr lang="en-US" dirty="0" err="1" smtClean="0">
+                <a:ea typeface="+mn-ea"/>
+                <a:cs typeface="+mn-cs"/>
+              </a:rPr>
+              <a:t>OpenCV</a:t>
+            </a:r>
+            <a:r>
+              <a:rPr lang="en-US" dirty="0" smtClean="0">
+                <a:ea typeface="+mn-ea"/>
+                <a:cs typeface="+mn-cs"/>
+              </a:rPr>
+              <a:t> for performance.</a:t>
+            </a:r>
+          </a:p>
+          <a:p>
+            <a:pPr marL="171450" indent="-171450" fontAlgn="auto">
+              <a:spcBef>
+                <a:spcPts val="0"/>
+              </a:spcBef>
+              <a:spcAft>
+                <a:spcPts val="0"/>
+              </a:spcAft>
+              <a:buFont typeface="Arial"/>
+              <a:buChar char="•"/>
+              <a:defRPr/>
+            </a:pPr>
+            <a:endParaRPr lang="en-US" dirty="0" smtClean="0">
+              <a:ea typeface="+mn-ea"/>
+              <a:cs typeface="+mn-cs"/>
+            </a:endParaRPr>
+          </a:p>
+          <a:p>
+            <a:pPr fontAlgn="auto">
+              <a:spcBef>
+                <a:spcPts val="0"/>
+              </a:spcBef>
+              <a:spcAft>
+                <a:spcPts val="0"/>
+              </a:spcAft>
+              <a:buFont typeface="Arial"/>
+              <a:buNone/>
+              <a:defRPr/>
+            </a:pPr>
+            <a:r>
+              <a:rPr lang="en-US" b="1" dirty="0" smtClean="0">
+                <a:ea typeface="+mn-ea"/>
+                <a:cs typeface="+mn-cs"/>
+              </a:rPr>
+              <a:t>Hardware:</a:t>
+            </a:r>
+          </a:p>
+          <a:p>
+            <a:pPr marL="171450" indent="-171450" fontAlgn="auto">
+              <a:spcBef>
+                <a:spcPts val="0"/>
+              </a:spcBef>
+              <a:spcAft>
+                <a:spcPts val="0"/>
+              </a:spcAft>
+              <a:buFont typeface="Arial"/>
+              <a:buChar char="•"/>
+              <a:defRPr/>
+            </a:pPr>
+            <a:r>
+              <a:rPr lang="en-US" dirty="0" smtClean="0">
+                <a:ea typeface="+mn-ea"/>
+                <a:cs typeface="+mn-cs"/>
+              </a:rPr>
+              <a:t>Camera. Need to calibrate.</a:t>
+            </a:r>
+          </a:p>
+          <a:p>
+            <a:pPr marL="171450" indent="-171450" fontAlgn="auto">
+              <a:spcBef>
+                <a:spcPts val="0"/>
+              </a:spcBef>
+              <a:spcAft>
+                <a:spcPts val="0"/>
+              </a:spcAft>
+              <a:buFont typeface="Arial"/>
+              <a:buChar char="•"/>
+              <a:defRPr/>
+            </a:pPr>
+            <a:r>
+              <a:rPr lang="en-US" dirty="0" smtClean="0">
+                <a:ea typeface="+mn-ea"/>
+                <a:cs typeface="+mn-cs"/>
+              </a:rPr>
+              <a:t>PC for running algorithm (real-time or simulation)</a:t>
+            </a:r>
+          </a:p>
+          <a:p>
+            <a:pPr marL="171450" indent="-171450" fontAlgn="auto">
+              <a:spcBef>
+                <a:spcPts val="0"/>
+              </a:spcBef>
+              <a:spcAft>
+                <a:spcPts val="0"/>
+              </a:spcAft>
+              <a:buFont typeface="Arial"/>
+              <a:buChar char="•"/>
+              <a:defRPr/>
+            </a:pPr>
+            <a:r>
+              <a:rPr lang="en-US" dirty="0" smtClean="0">
+                <a:ea typeface="+mn-ea"/>
+                <a:cs typeface="+mn-cs"/>
+              </a:rPr>
+              <a:t>Special ball. Size, color.</a:t>
+            </a:r>
+            <a:endParaRPr lang="en-US" dirty="0">
+              <a:ea typeface="+mn-ea"/>
+              <a:cs typeface="+mn-cs"/>
+            </a:endParaRPr>
+          </a:p>
+        </p:txBody>
+      </p:sp>
+      <p:sp>
+        <p:nvSpPr>
+          <p:cNvPr id="17411" name="Slide Number Placeholder 3"/>
+          <p:cNvSpPr>
+            <a:spLocks noGrp="1"/>
+          </p:cNvSpPr>
+          <p:nvPr>
+            <p:ph type="sldNum" sz="quarter" idx="5"/>
+          </p:nvPr>
+        </p:nvSpPr>
+        <p:spPr bwMode="auto">
+          <a:noFill/>
+          <a:extLst>
+            <a:ext uri="{909E8E84-426E-40dd-AFC4-6F175D3DCCD1}">
+              <a14:hiddenFill xmlns:a14="http://schemas.microsoft.com/office/drawing/2010/main">
+                <a:solidFill>
+                  <a:srgbClr val="FFFFFF"/>
+                </a:solidFill>
+              </a14:hiddenFill>
+            </a:ext>
+            <a:ext uri="{91240B29-F687-4f45-9708-019B960494DF}">
+              <a14:hiddenLine xmlns:a14="http://schemas.microsoft.com/office/drawing/2010/main" w="9525">
+                <a:solidFill>
+                  <a:srgbClr val="000000"/>
+                </a:solidFill>
+                <a:miter lim="800000"/>
+                <a:headEnd/>
+                <a:tailEnd/>
+              </a14:hiddenLine>
+            </a:ext>
+          </a:extLst>
+        </p:spPr>
+        <p:txBody>
+          <a:bodyPr wrap="square" numCol="1" anchorCtr="0" compatLnSpc="1">
+            <a:prstTxWarp prst="textNoShape">
+              <a:avLst/>
+            </a:prstTxWarp>
+          </a:bodyPr>
+          <a:lstStyle>
+            <a:lvl1pPr>
+              <a:defRPr>
+                <a:solidFill>
+                  <a:schemeClr val="tx1"/>
+                </a:solidFill>
+                <a:latin typeface="Arial" charset="0"/>
+                <a:ea typeface="ＭＳ Ｐゴシック" charset="0"/>
+                <a:cs typeface="ＭＳ Ｐゴシック" charset="0"/>
+              </a:defRPr>
+            </a:lvl1pPr>
+            <a:lvl2pPr marL="742950" indent="-285750">
+              <a:defRPr>
+                <a:solidFill>
+                  <a:schemeClr val="tx1"/>
+                </a:solidFill>
+                <a:latin typeface="Arial" charset="0"/>
+                <a:ea typeface="ＭＳ Ｐゴシック" charset="0"/>
+              </a:defRPr>
+            </a:lvl2pPr>
+            <a:lvl3pPr marL="1143000" indent="-228600">
+              <a:defRPr>
+                <a:solidFill>
+                  <a:schemeClr val="tx1"/>
+                </a:solidFill>
+                <a:latin typeface="Arial" charset="0"/>
+                <a:ea typeface="ＭＳ Ｐゴシック" charset="0"/>
+              </a:defRPr>
+            </a:lvl3pPr>
+            <a:lvl4pPr marL="1600200" indent="-228600">
+              <a:defRPr>
+                <a:solidFill>
+                  <a:schemeClr val="tx1"/>
+                </a:solidFill>
+                <a:latin typeface="Arial" charset="0"/>
+                <a:ea typeface="ＭＳ Ｐゴシック" charset="0"/>
+              </a:defRPr>
+            </a:lvl4pPr>
+            <a:lvl5pPr marL="2057400" indent="-228600">
+              <a:defRPr>
+                <a:solidFill>
+                  <a:schemeClr val="tx1"/>
+                </a:solidFill>
+                <a:latin typeface="Arial" charset="0"/>
+                <a:ea typeface="ＭＳ Ｐゴシック" charset="0"/>
+              </a:defRPr>
+            </a:lvl5pPr>
+            <a:lvl6pPr marL="2514600" indent="-228600" fontAlgn="base">
+              <a:spcBef>
+                <a:spcPct val="0"/>
+              </a:spcBef>
+              <a:spcAft>
+                <a:spcPct val="0"/>
+              </a:spcAft>
+              <a:defRPr>
+                <a:solidFill>
+                  <a:schemeClr val="tx1"/>
+                </a:solidFill>
+                <a:latin typeface="Arial" charset="0"/>
+                <a:ea typeface="ＭＳ Ｐゴシック" charset="0"/>
+              </a:defRPr>
+            </a:lvl6pPr>
+            <a:lvl7pPr marL="2971800" indent="-228600" fontAlgn="base">
+              <a:spcBef>
+                <a:spcPct val="0"/>
+              </a:spcBef>
+              <a:spcAft>
+                <a:spcPct val="0"/>
+              </a:spcAft>
+              <a:defRPr>
+                <a:solidFill>
+                  <a:schemeClr val="tx1"/>
+                </a:solidFill>
+                <a:latin typeface="Arial" charset="0"/>
+                <a:ea typeface="ＭＳ Ｐゴシック" charset="0"/>
+              </a:defRPr>
+            </a:lvl7pPr>
+            <a:lvl8pPr marL="3429000" indent="-228600" fontAlgn="base">
+              <a:spcBef>
+                <a:spcPct val="0"/>
+              </a:spcBef>
+              <a:spcAft>
+                <a:spcPct val="0"/>
+              </a:spcAft>
+              <a:defRPr>
+                <a:solidFill>
+                  <a:schemeClr val="tx1"/>
+                </a:solidFill>
+                <a:latin typeface="Arial" charset="0"/>
+                <a:ea typeface="ＭＳ Ｐゴシック" charset="0"/>
+              </a:defRPr>
+            </a:lvl8pPr>
+            <a:lvl9pPr marL="3886200" indent="-228600" fontAlgn="base">
+              <a:spcBef>
+                <a:spcPct val="0"/>
+              </a:spcBef>
+              <a:spcAft>
+                <a:spcPct val="0"/>
+              </a:spcAft>
+              <a:defRPr>
+                <a:solidFill>
+                  <a:schemeClr val="tx1"/>
+                </a:solidFill>
+                <a:latin typeface="Arial" charset="0"/>
+                <a:ea typeface="ＭＳ Ｐゴシック" charset="0"/>
+              </a:defRPr>
+            </a:lvl9pPr>
+          </a:lstStyle>
+          <a:p>
+            <a:pPr fontAlgn="base">
+              <a:spcBef>
+                <a:spcPct val="0"/>
+              </a:spcBef>
+              <a:spcAft>
+                <a:spcPct val="0"/>
+              </a:spcAft>
+            </a:pPr>
+            <a:fld id="{899616AD-7EFE-0A41-A55F-A1A4991659AE}" type="slidenum">
+              <a:rPr lang="en-US">
+                <a:latin typeface="Calibri" charset="0"/>
+              </a:rPr>
+              <a:pPr fontAlgn="base">
+                <a:spcBef>
+                  <a:spcPct val="0"/>
+                </a:spcBef>
+                <a:spcAft>
+                  <a:spcPct val="0"/>
+                </a:spcAft>
+              </a:pPr>
+              <a:t>4</a:t>
+            </a:fld>
+            <a:endParaRPr lang="en-US">
+              <a:latin typeface="Calibri" charset="0"/>
+            </a:endParaRPr>
+          </a:p>
+        </p:txBody>
+      </p:sp>
+    </p:spTree>
+  </p:cSld>
+  <p:clrMapOvr>
+    <a:masterClrMapping/>
+  </p:clrMapOvr>
+</p:notes>
+</file>
+
+<file path=ppt/notesSlides/notesSlide5.xml><?xml version="1.0" encoding="utf-8"?>
+<p:notes xmlns:a="http://schemas.openxmlformats.org/drawingml/2006/main" xmlns:r="http://schemas.openxmlformats.org/officeDocument/2006/relationships" xmlns:p="http://schemas.openxmlformats.org/presentationml/2006/main">
+  <p:cSld>
+    <p:spTree>
+      <p:nvGrpSpPr>
+        <p:cNvPr id="1" name=""/>
+        <p:cNvGrpSpPr/>
+        <p:nvPr/>
+      </p:nvGrpSpPr>
+      <p:grpSpPr>
+        <a:xfrm>
+          <a:off x="0" y="0"/>
+          <a:ext cx="0" cy="0"/>
+          <a:chOff x="0" y="0"/>
+          <a:chExt cx="0" cy="0"/>
+        </a:xfrm>
+      </p:grpSpPr>
+      <p:sp>
+        <p:nvSpPr>
+          <p:cNvPr id="18433" name="Slide Image Placeholder 1"/>
+          <p:cNvSpPr>
+            <a:spLocks noGrp="1" noRot="1" noChangeAspect="1"/>
+          </p:cNvSpPr>
+          <p:nvPr>
+            <p:ph type="sldImg"/>
+          </p:nvPr>
+        </p:nvSpPr>
+        <p:spPr bwMode="auto">
+          <a:noFill/>
+          <a:ln>
+            <a:solidFill>
+              <a:srgbClr val="000000"/>
+            </a:solidFill>
+            <a:miter lim="800000"/>
+            <a:headEnd/>
+            <a:tailEnd/>
+          </a:ln>
+          <a:extLst>
+            <a:ext uri="{909E8E84-426E-40dd-AFC4-6F175D3DCCD1}">
+              <a14:hiddenFill xmlns:a14="http://schemas.microsoft.com/office/drawing/2010/main">
+                <a:solidFill>
+                  <a:srgbClr val="FFFFFF"/>
+                </a:solidFill>
+              </a14:hiddenFill>
+            </a:ext>
+            <a:ext uri="{FAA26D3D-D897-4be2-8F04-BA451C77F1D7}">
+              <ma14:placeholderFlag xmlns:ma14="http://schemas.microsoft.com/office/mac/drawingml/2011/main" val="1"/>
+            </a:ext>
+          </a:extLst>
+        </p:spPr>
+      </p:sp>
+      <p:sp>
+        <p:nvSpPr>
+          <p:cNvPr id="3" name="Notes Placeholder 2"/>
+          <p:cNvSpPr>
+            <a:spLocks noGrp="1"/>
+          </p:cNvSpPr>
+          <p:nvPr>
+            <p:ph type="body" idx="1"/>
+          </p:nvPr>
+        </p:nvSpPr>
+        <p:spPr/>
+        <p:txBody>
+          <a:bodyPr/>
+          <a:lstStyle/>
+          <a:p>
+            <a:pPr fontAlgn="auto">
+              <a:spcBef>
+                <a:spcPts val="0"/>
+              </a:spcBef>
+              <a:spcAft>
+                <a:spcPts val="0"/>
+              </a:spcAft>
+              <a:defRPr/>
+            </a:pPr>
+            <a:r>
+              <a:rPr lang="en-US" b="1" dirty="0" smtClean="0">
+                <a:ea typeface="+mn-ea"/>
+                <a:cs typeface="+mn-cs"/>
+              </a:rPr>
+              <a:t>Real time challenges:</a:t>
+            </a:r>
+          </a:p>
+          <a:p>
+            <a:pPr marL="171450" indent="-171450" fontAlgn="auto">
+              <a:spcBef>
+                <a:spcPts val="0"/>
+              </a:spcBef>
+              <a:spcAft>
+                <a:spcPts val="0"/>
+              </a:spcAft>
+              <a:buFont typeface="Arial"/>
+              <a:buChar char="•"/>
+              <a:defRPr/>
+            </a:pPr>
+            <a:r>
+              <a:rPr lang="en-US" dirty="0" smtClean="0">
+                <a:ea typeface="+mn-ea"/>
+                <a:cs typeface="+mn-cs"/>
+              </a:rPr>
+              <a:t>May work in simulation.</a:t>
+            </a:r>
+          </a:p>
+          <a:p>
+            <a:pPr marL="171450" indent="-171450" fontAlgn="auto">
+              <a:spcBef>
+                <a:spcPts val="0"/>
+              </a:spcBef>
+              <a:spcAft>
+                <a:spcPts val="0"/>
+              </a:spcAft>
+              <a:buFont typeface="Arial"/>
+              <a:buChar char="•"/>
+              <a:defRPr/>
+            </a:pPr>
+            <a:r>
+              <a:rPr lang="en-US" dirty="0" smtClean="0">
+                <a:ea typeface="+mn-ea"/>
+                <a:cs typeface="+mn-cs"/>
+              </a:rPr>
+              <a:t>But given distance 10 m, </a:t>
+            </a:r>
+            <a:r>
+              <a:rPr lang="en-US" dirty="0" err="1" smtClean="0">
+                <a:ea typeface="+mn-ea"/>
+                <a:cs typeface="+mn-cs"/>
+              </a:rPr>
+              <a:t>v_max</a:t>
+            </a:r>
+            <a:r>
+              <a:rPr lang="en-US" dirty="0" smtClean="0">
+                <a:ea typeface="+mn-ea"/>
+                <a:cs typeface="+mn-cs"/>
+              </a:rPr>
+              <a:t> = 10 m/s, fps=30, we have only 1 second to decide, </a:t>
+            </a:r>
+            <a:r>
+              <a:rPr lang="en-US" dirty="0" err="1" smtClean="0">
+                <a:ea typeface="+mn-ea"/>
+                <a:cs typeface="+mn-cs"/>
+              </a:rPr>
+              <a:t>ie</a:t>
+            </a:r>
+            <a:r>
+              <a:rPr lang="en-US" dirty="0" smtClean="0">
+                <a:ea typeface="+mn-ea"/>
+                <a:cs typeface="+mn-cs"/>
+              </a:rPr>
+              <a:t>. 30 frames of information</a:t>
+            </a:r>
+          </a:p>
+          <a:p>
+            <a:pPr marL="171450" indent="-171450" fontAlgn="auto">
+              <a:spcBef>
+                <a:spcPts val="0"/>
+              </a:spcBef>
+              <a:spcAft>
+                <a:spcPts val="0"/>
+              </a:spcAft>
+              <a:buFont typeface="Arial"/>
+              <a:buChar char="•"/>
+              <a:defRPr/>
+            </a:pPr>
+            <a:r>
+              <a:rPr lang="en-US" dirty="0" smtClean="0">
+                <a:ea typeface="+mn-ea"/>
+                <a:cs typeface="+mn-cs"/>
+              </a:rPr>
+              <a:t>How soon should alert be sounded before impact? Depends on implementation and result.</a:t>
+            </a:r>
+          </a:p>
+          <a:p>
+            <a:pPr fontAlgn="auto">
+              <a:spcBef>
+                <a:spcPts val="0"/>
+              </a:spcBef>
+              <a:spcAft>
+                <a:spcPts val="0"/>
+              </a:spcAft>
+              <a:buFont typeface="Arial"/>
+              <a:buNone/>
+              <a:defRPr/>
+            </a:pPr>
+            <a:r>
+              <a:rPr lang="en-US" b="1" dirty="0" smtClean="0">
+                <a:ea typeface="+mn-ea"/>
+                <a:cs typeface="+mn-cs"/>
+              </a:rPr>
+              <a:t>Trajectory prediction:</a:t>
+            </a:r>
+            <a:endParaRPr lang="en-US" dirty="0" smtClean="0">
+              <a:ea typeface="+mn-ea"/>
+              <a:cs typeface="+mn-cs"/>
+            </a:endParaRPr>
+          </a:p>
+          <a:p>
+            <a:pPr marL="171450" indent="-171450" fontAlgn="auto">
+              <a:spcBef>
+                <a:spcPts val="0"/>
+              </a:spcBef>
+              <a:spcAft>
+                <a:spcPts val="0"/>
+              </a:spcAft>
+              <a:buFont typeface="Arial"/>
+              <a:buChar char="•"/>
+              <a:defRPr/>
+            </a:pPr>
+            <a:r>
+              <a:rPr lang="en-US" dirty="0" smtClean="0">
+                <a:ea typeface="+mn-ea"/>
+                <a:cs typeface="+mn-cs"/>
+              </a:rPr>
+              <a:t>Estimating distance. 3 dimensions into 2 dimensions</a:t>
+            </a:r>
+          </a:p>
+          <a:p>
+            <a:pPr marL="171450" indent="-171450" fontAlgn="auto">
+              <a:spcBef>
+                <a:spcPts val="0"/>
+              </a:spcBef>
+              <a:spcAft>
+                <a:spcPts val="0"/>
+              </a:spcAft>
+              <a:buFont typeface="Arial"/>
+              <a:buChar char="•"/>
+              <a:defRPr/>
+            </a:pPr>
+            <a:r>
+              <a:rPr lang="en-US" dirty="0" smtClean="0">
+                <a:ea typeface="+mn-ea"/>
+                <a:cs typeface="+mn-cs"/>
+              </a:rPr>
+              <a:t>Estimating velocity. </a:t>
+            </a:r>
+          </a:p>
+        </p:txBody>
+      </p:sp>
+      <p:sp>
+        <p:nvSpPr>
+          <p:cNvPr id="18435" name="Slide Number Placeholder 3"/>
+          <p:cNvSpPr>
+            <a:spLocks noGrp="1"/>
+          </p:cNvSpPr>
+          <p:nvPr>
+            <p:ph type="sldNum" sz="quarter" idx="5"/>
+          </p:nvPr>
+        </p:nvSpPr>
+        <p:spPr bwMode="auto">
+          <a:noFill/>
+          <a:extLst>
+            <a:ext uri="{909E8E84-426E-40dd-AFC4-6F175D3DCCD1}">
+              <a14:hiddenFill xmlns:a14="http://schemas.microsoft.com/office/drawing/2010/main">
+                <a:solidFill>
+                  <a:srgbClr val="FFFFFF"/>
+                </a:solidFill>
+              </a14:hiddenFill>
+            </a:ext>
+            <a:ext uri="{91240B29-F687-4f45-9708-019B960494DF}">
+              <a14:hiddenLine xmlns:a14="http://schemas.microsoft.com/office/drawing/2010/main" w="9525">
+                <a:solidFill>
+                  <a:srgbClr val="000000"/>
+                </a:solidFill>
+                <a:miter lim="800000"/>
+                <a:headEnd/>
+                <a:tailEnd/>
+              </a14:hiddenLine>
+            </a:ext>
+          </a:extLst>
+        </p:spPr>
+        <p:txBody>
+          <a:bodyPr wrap="square" numCol="1" anchorCtr="0" compatLnSpc="1">
+            <a:prstTxWarp prst="textNoShape">
+              <a:avLst/>
+            </a:prstTxWarp>
+          </a:bodyPr>
+          <a:lstStyle>
+            <a:lvl1pPr>
+              <a:defRPr>
+                <a:solidFill>
+                  <a:schemeClr val="tx1"/>
+                </a:solidFill>
+                <a:latin typeface="Arial" charset="0"/>
+                <a:ea typeface="ＭＳ Ｐゴシック" charset="0"/>
+                <a:cs typeface="ＭＳ Ｐゴシック" charset="0"/>
+              </a:defRPr>
+            </a:lvl1pPr>
+            <a:lvl2pPr marL="742950" indent="-285750">
+              <a:defRPr>
+                <a:solidFill>
+                  <a:schemeClr val="tx1"/>
+                </a:solidFill>
+                <a:latin typeface="Arial" charset="0"/>
+                <a:ea typeface="ＭＳ Ｐゴシック" charset="0"/>
+              </a:defRPr>
+            </a:lvl2pPr>
+            <a:lvl3pPr marL="1143000" indent="-228600">
+              <a:defRPr>
+                <a:solidFill>
+                  <a:schemeClr val="tx1"/>
+                </a:solidFill>
+                <a:latin typeface="Arial" charset="0"/>
+                <a:ea typeface="ＭＳ Ｐゴシック" charset="0"/>
+              </a:defRPr>
+            </a:lvl3pPr>
+            <a:lvl4pPr marL="1600200" indent="-228600">
+              <a:defRPr>
+                <a:solidFill>
+                  <a:schemeClr val="tx1"/>
+                </a:solidFill>
+                <a:latin typeface="Arial" charset="0"/>
+                <a:ea typeface="ＭＳ Ｐゴシック" charset="0"/>
+              </a:defRPr>
+            </a:lvl4pPr>
+            <a:lvl5pPr marL="2057400" indent="-228600">
+              <a:defRPr>
+                <a:solidFill>
+                  <a:schemeClr val="tx1"/>
+                </a:solidFill>
+                <a:latin typeface="Arial" charset="0"/>
+                <a:ea typeface="ＭＳ Ｐゴシック" charset="0"/>
+              </a:defRPr>
+            </a:lvl5pPr>
+            <a:lvl6pPr marL="2514600" indent="-228600" fontAlgn="base">
+              <a:spcBef>
+                <a:spcPct val="0"/>
+              </a:spcBef>
+              <a:spcAft>
+                <a:spcPct val="0"/>
+              </a:spcAft>
+              <a:defRPr>
+                <a:solidFill>
+                  <a:schemeClr val="tx1"/>
+                </a:solidFill>
+                <a:latin typeface="Arial" charset="0"/>
+                <a:ea typeface="ＭＳ Ｐゴシック" charset="0"/>
+              </a:defRPr>
+            </a:lvl6pPr>
+            <a:lvl7pPr marL="2971800" indent="-228600" fontAlgn="base">
+              <a:spcBef>
+                <a:spcPct val="0"/>
+              </a:spcBef>
+              <a:spcAft>
+                <a:spcPct val="0"/>
+              </a:spcAft>
+              <a:defRPr>
+                <a:solidFill>
+                  <a:schemeClr val="tx1"/>
+                </a:solidFill>
+                <a:latin typeface="Arial" charset="0"/>
+                <a:ea typeface="ＭＳ Ｐゴシック" charset="0"/>
+              </a:defRPr>
+            </a:lvl7pPr>
+            <a:lvl8pPr marL="3429000" indent="-228600" fontAlgn="base">
+              <a:spcBef>
+                <a:spcPct val="0"/>
+              </a:spcBef>
+              <a:spcAft>
+                <a:spcPct val="0"/>
+              </a:spcAft>
+              <a:defRPr>
+                <a:solidFill>
+                  <a:schemeClr val="tx1"/>
+                </a:solidFill>
+                <a:latin typeface="Arial" charset="0"/>
+                <a:ea typeface="ＭＳ Ｐゴシック" charset="0"/>
+              </a:defRPr>
+            </a:lvl8pPr>
+            <a:lvl9pPr marL="3886200" indent="-228600" fontAlgn="base">
+              <a:spcBef>
+                <a:spcPct val="0"/>
+              </a:spcBef>
+              <a:spcAft>
+                <a:spcPct val="0"/>
+              </a:spcAft>
+              <a:defRPr>
+                <a:solidFill>
+                  <a:schemeClr val="tx1"/>
+                </a:solidFill>
+                <a:latin typeface="Arial" charset="0"/>
+                <a:ea typeface="ＭＳ Ｐゴシック" charset="0"/>
+              </a:defRPr>
+            </a:lvl9pPr>
+          </a:lstStyle>
+          <a:p>
+            <a:pPr fontAlgn="base">
+              <a:spcBef>
+                <a:spcPct val="0"/>
+              </a:spcBef>
+              <a:spcAft>
+                <a:spcPct val="0"/>
+              </a:spcAft>
+            </a:pPr>
+            <a:fld id="{74EA3117-22B1-7D45-B001-6E26FEF4EDE1}" type="slidenum">
+              <a:rPr lang="en-US">
+                <a:latin typeface="Calibri" charset="0"/>
+              </a:rPr>
+              <a:pPr fontAlgn="base">
+                <a:spcBef>
+                  <a:spcPct val="0"/>
+                </a:spcBef>
+                <a:spcAft>
+                  <a:spcPct val="0"/>
+                </a:spcAft>
+              </a:pPr>
+              <a:t>5</a:t>
+            </a:fld>
+            <a:endParaRPr lang="en-US">
+              <a:latin typeface="Calibri" charset="0"/>
+            </a:endParaRPr>
+          </a:p>
+        </p:txBody>
+      </p:sp>
+    </p:spTree>
+  </p:cSld>
+  <p:clrMapOvr>
+    <a:masterClrMapping/>
+  </p:clrMapOvr>
+</p:notes>
+</file>
+
+<file path=ppt/notesSlides/notesSlide6.xml><?xml version="1.0" encoding="utf-8"?>
+<p:notes xmlns:a="http://schemas.openxmlformats.org/drawingml/2006/main" xmlns:r="http://schemas.openxmlformats.org/officeDocument/2006/relationships" xmlns:p="http://schemas.openxmlformats.org/presentationml/2006/main">
+  <p:cSld>
+    <p:spTree>
+      <p:nvGrpSpPr>
+        <p:cNvPr id="1" name=""/>
+        <p:cNvGrpSpPr/>
+        <p:nvPr/>
+      </p:nvGrpSpPr>
+      <p:grpSpPr>
+        <a:xfrm>
+          <a:off x="0" y="0"/>
+          <a:ext cx="0" cy="0"/>
+          <a:chOff x="0" y="0"/>
+          <a:chExt cx="0" cy="0"/>
+        </a:xfrm>
+      </p:grpSpPr>
+      <p:sp>
+        <p:nvSpPr>
+          <p:cNvPr id="19457" name="Slide Image Placeholder 1"/>
+          <p:cNvSpPr>
+            <a:spLocks noGrp="1" noRot="1" noChangeAspect="1"/>
+          </p:cNvSpPr>
+          <p:nvPr>
+            <p:ph type="sldImg"/>
+          </p:nvPr>
+        </p:nvSpPr>
+        <p:spPr bwMode="auto">
+          <a:noFill/>
+          <a:ln>
+            <a:solidFill>
+              <a:srgbClr val="000000"/>
+            </a:solidFill>
+            <a:miter lim="800000"/>
+            <a:headEnd/>
+            <a:tailEnd/>
+          </a:ln>
+          <a:extLst>
+            <a:ext uri="{909E8E84-426E-40dd-AFC4-6F175D3DCCD1}">
+              <a14:hiddenFill xmlns:a14="http://schemas.microsoft.com/office/drawing/2010/main">
+                <a:solidFill>
+                  <a:srgbClr val="FFFFFF"/>
+                </a:solidFill>
+              </a14:hiddenFill>
+            </a:ext>
+            <a:ext uri="{FAA26D3D-D897-4be2-8F04-BA451C77F1D7}">
+              <ma14:placeholderFlag xmlns:ma14="http://schemas.microsoft.com/office/mac/drawingml/2011/main" val="1"/>
+            </a:ext>
+          </a:extLst>
+        </p:spPr>
+      </p:sp>
+      <p:sp>
+        <p:nvSpPr>
+          <p:cNvPr id="19458" name="Notes Placeholder 2"/>
+          <p:cNvSpPr>
+            <a:spLocks noGrp="1"/>
+          </p:cNvSpPr>
+          <p:nvPr>
+            <p:ph type="body" idx="1"/>
+          </p:nvPr>
+        </p:nvSpPr>
+        <p:spPr bwMode="auto">
+          <a:noFill/>
+          <a:extLst>
+            <a:ext uri="{909E8E84-426E-40dd-AFC4-6F175D3DCCD1}">
+              <a14:hiddenFill xmlns:a14="http://schemas.microsoft.com/office/drawing/2010/main">
+                <a:solidFill>
+                  <a:srgbClr val="FFFFFF"/>
+                </a:solidFill>
+              </a14:hiddenFill>
+            </a:ext>
+            <a:ext uri="{91240B29-F687-4f45-9708-019B960494DF}">
+              <a14:hiddenLine xmlns:a14="http://schemas.microsoft.com/office/drawing/2010/main" w="9525">
+                <a:solidFill>
+                  <a:srgbClr val="000000"/>
+                </a:solidFill>
+                <a:miter lim="800000"/>
+                <a:headEnd/>
+                <a:tailEnd/>
+              </a14:hiddenLine>
+            </a:ext>
+          </a:extLst>
+        </p:spPr>
+        <p:txBody>
+          <a:bodyPr wrap="square" numCol="1" anchor="t" anchorCtr="0" compatLnSpc="1">
+            <a:prstTxWarp prst="textNoShape">
+              <a:avLst/>
+            </a:prstTxWarp>
+          </a:bodyPr>
+          <a:lstStyle/>
+          <a:p>
+            <a:pPr>
+              <a:spcBef>
+                <a:spcPct val="0"/>
+              </a:spcBef>
+            </a:pPr>
+            <a:r>
+              <a:rPr lang="en-US">
+                <a:latin typeface="Calibri" charset="0"/>
+              </a:rPr>
+              <a:t>Compare videos.</a:t>
+            </a:r>
+          </a:p>
+          <a:p>
+            <a:pPr>
+              <a:spcBef>
+                <a:spcPct val="0"/>
+              </a:spcBef>
+            </a:pPr>
+            <a:r>
+              <a:rPr lang="en-US">
+                <a:latin typeface="Calibri" charset="0"/>
+              </a:rPr>
+              <a:t>Contrast/color between background and object in optical flow.</a:t>
+            </a:r>
+          </a:p>
+          <a:p>
+            <a:pPr>
+              <a:spcBef>
+                <a:spcPct val="0"/>
+              </a:spcBef>
+            </a:pPr>
+            <a:r>
+              <a:rPr lang="en-US">
+                <a:latin typeface="Calibri" charset="0"/>
+              </a:rPr>
+              <a:t>Trail behind object (fps).</a:t>
+            </a:r>
+          </a:p>
+        </p:txBody>
+      </p:sp>
+      <p:sp>
+        <p:nvSpPr>
+          <p:cNvPr id="19459" name="Slide Number Placeholder 3"/>
+          <p:cNvSpPr>
+            <a:spLocks noGrp="1"/>
+          </p:cNvSpPr>
+          <p:nvPr>
+            <p:ph type="sldNum" sz="quarter" idx="5"/>
+          </p:nvPr>
+        </p:nvSpPr>
+        <p:spPr bwMode="auto">
+          <a:noFill/>
+          <a:extLst>
+            <a:ext uri="{909E8E84-426E-40dd-AFC4-6F175D3DCCD1}">
+              <a14:hiddenFill xmlns:a14="http://schemas.microsoft.com/office/drawing/2010/main">
+                <a:solidFill>
+                  <a:srgbClr val="FFFFFF"/>
+                </a:solidFill>
+              </a14:hiddenFill>
+            </a:ext>
+            <a:ext uri="{91240B29-F687-4f45-9708-019B960494DF}">
+              <a14:hiddenLine xmlns:a14="http://schemas.microsoft.com/office/drawing/2010/main" w="9525">
+                <a:solidFill>
+                  <a:srgbClr val="000000"/>
+                </a:solidFill>
+                <a:miter lim="800000"/>
+                <a:headEnd/>
+                <a:tailEnd/>
+              </a14:hiddenLine>
+            </a:ext>
+          </a:extLst>
+        </p:spPr>
+        <p:txBody>
+          <a:bodyPr wrap="square" numCol="1" anchorCtr="0" compatLnSpc="1">
+            <a:prstTxWarp prst="textNoShape">
+              <a:avLst/>
+            </a:prstTxWarp>
+          </a:bodyPr>
+          <a:lstStyle>
+            <a:lvl1pPr>
+              <a:defRPr>
+                <a:solidFill>
+                  <a:schemeClr val="tx1"/>
+                </a:solidFill>
+                <a:latin typeface="Arial" charset="0"/>
+                <a:ea typeface="ＭＳ Ｐゴシック" charset="0"/>
+                <a:cs typeface="ＭＳ Ｐゴシック" charset="0"/>
+              </a:defRPr>
+            </a:lvl1pPr>
+            <a:lvl2pPr marL="742950" indent="-285750">
+              <a:defRPr>
+                <a:solidFill>
+                  <a:schemeClr val="tx1"/>
+                </a:solidFill>
+                <a:latin typeface="Arial" charset="0"/>
+                <a:ea typeface="ＭＳ Ｐゴシック" charset="0"/>
+              </a:defRPr>
+            </a:lvl2pPr>
+            <a:lvl3pPr marL="1143000" indent="-228600">
+              <a:defRPr>
+                <a:solidFill>
+                  <a:schemeClr val="tx1"/>
+                </a:solidFill>
+                <a:latin typeface="Arial" charset="0"/>
+                <a:ea typeface="ＭＳ Ｐゴシック" charset="0"/>
+              </a:defRPr>
+            </a:lvl3pPr>
+            <a:lvl4pPr marL="1600200" indent="-228600">
+              <a:defRPr>
+                <a:solidFill>
+                  <a:schemeClr val="tx1"/>
+                </a:solidFill>
+                <a:latin typeface="Arial" charset="0"/>
+                <a:ea typeface="ＭＳ Ｐゴシック" charset="0"/>
+              </a:defRPr>
+            </a:lvl4pPr>
+            <a:lvl5pPr marL="2057400" indent="-228600">
+              <a:defRPr>
+                <a:solidFill>
+                  <a:schemeClr val="tx1"/>
+                </a:solidFill>
+                <a:latin typeface="Arial" charset="0"/>
+                <a:ea typeface="ＭＳ Ｐゴシック" charset="0"/>
+              </a:defRPr>
+            </a:lvl5pPr>
+            <a:lvl6pPr marL="2514600" indent="-228600" fontAlgn="base">
+              <a:spcBef>
+                <a:spcPct val="0"/>
+              </a:spcBef>
+              <a:spcAft>
+                <a:spcPct val="0"/>
+              </a:spcAft>
+              <a:defRPr>
+                <a:solidFill>
+                  <a:schemeClr val="tx1"/>
+                </a:solidFill>
+                <a:latin typeface="Arial" charset="0"/>
+                <a:ea typeface="ＭＳ Ｐゴシック" charset="0"/>
+              </a:defRPr>
+            </a:lvl6pPr>
+            <a:lvl7pPr marL="2971800" indent="-228600" fontAlgn="base">
+              <a:spcBef>
+                <a:spcPct val="0"/>
+              </a:spcBef>
+              <a:spcAft>
+                <a:spcPct val="0"/>
+              </a:spcAft>
+              <a:defRPr>
+                <a:solidFill>
+                  <a:schemeClr val="tx1"/>
+                </a:solidFill>
+                <a:latin typeface="Arial" charset="0"/>
+                <a:ea typeface="ＭＳ Ｐゴシック" charset="0"/>
+              </a:defRPr>
+            </a:lvl7pPr>
+            <a:lvl8pPr marL="3429000" indent="-228600" fontAlgn="base">
+              <a:spcBef>
+                <a:spcPct val="0"/>
+              </a:spcBef>
+              <a:spcAft>
+                <a:spcPct val="0"/>
+              </a:spcAft>
+              <a:defRPr>
+                <a:solidFill>
+                  <a:schemeClr val="tx1"/>
+                </a:solidFill>
+                <a:latin typeface="Arial" charset="0"/>
+                <a:ea typeface="ＭＳ Ｐゴシック" charset="0"/>
+              </a:defRPr>
+            </a:lvl8pPr>
+            <a:lvl9pPr marL="3886200" indent="-228600" fontAlgn="base">
+              <a:spcBef>
+                <a:spcPct val="0"/>
+              </a:spcBef>
+              <a:spcAft>
+                <a:spcPct val="0"/>
+              </a:spcAft>
+              <a:defRPr>
+                <a:solidFill>
+                  <a:schemeClr val="tx1"/>
+                </a:solidFill>
+                <a:latin typeface="Arial" charset="0"/>
+                <a:ea typeface="ＭＳ Ｐゴシック" charset="0"/>
+              </a:defRPr>
+            </a:lvl9pPr>
+          </a:lstStyle>
+          <a:p>
+            <a:pPr fontAlgn="base">
+              <a:spcBef>
+                <a:spcPct val="0"/>
+              </a:spcBef>
+              <a:spcAft>
+                <a:spcPct val="0"/>
+              </a:spcAft>
+            </a:pPr>
+            <a:fld id="{441AA001-2938-CE49-BB1C-848E246AC94B}" type="slidenum">
+              <a:rPr lang="en-US">
+                <a:latin typeface="Calibri" charset="0"/>
+              </a:rPr>
+              <a:pPr fontAlgn="base">
+                <a:spcBef>
+                  <a:spcPct val="0"/>
+                </a:spcBef>
+                <a:spcAft>
+                  <a:spcPct val="0"/>
+                </a:spcAft>
+              </a:pPr>
+              <a:t>6</a:t>
+            </a:fld>
+            <a:endParaRPr lang="en-US">
+              <a:latin typeface="Calibri" charset="0"/>
+            </a:endParaRPr>
+          </a:p>
+        </p:txBody>
+      </p:sp>
+    </p:spTree>
+  </p:cSld>
+  <p:clrMapOvr>
+    <a:masterClrMapping/>
+  </p:clrMapOvr>
+</p:notes>
+</file>
+
+<file path=ppt/notesSlides/notesSlide7.xml><?xml version="1.0" encoding="utf-8"?>
+<p:notes xmlns:a="http://schemas.openxmlformats.org/drawingml/2006/main" xmlns:r="http://schemas.openxmlformats.org/officeDocument/2006/relationships" xmlns:p="http://schemas.openxmlformats.org/presentationml/2006/main">
+  <p:cSld>
+    <p:spTree>
+      <p:nvGrpSpPr>
+        <p:cNvPr id="1" name=""/>
+        <p:cNvGrpSpPr/>
+        <p:nvPr/>
+      </p:nvGrpSpPr>
+      <p:grpSpPr>
+        <a:xfrm>
+          <a:off x="0" y="0"/>
+          <a:ext cx="0" cy="0"/>
+          <a:chOff x="0" y="0"/>
+          <a:chExt cx="0" cy="0"/>
+        </a:xfrm>
+      </p:grpSpPr>
+      <p:sp>
+        <p:nvSpPr>
+          <p:cNvPr id="20481" name="Slide Image Placeholder 1"/>
+          <p:cNvSpPr>
+            <a:spLocks noGrp="1" noRot="1" noChangeAspect="1"/>
+          </p:cNvSpPr>
+          <p:nvPr>
+            <p:ph type="sldImg"/>
+          </p:nvPr>
+        </p:nvSpPr>
+        <p:spPr bwMode="auto">
+          <a:noFill/>
+          <a:ln>
+            <a:solidFill>
+              <a:srgbClr val="000000"/>
+            </a:solidFill>
+            <a:miter lim="800000"/>
+            <a:headEnd/>
+            <a:tailEnd/>
+          </a:ln>
+          <a:extLst>
+            <a:ext uri="{909E8E84-426E-40dd-AFC4-6F175D3DCCD1}">
+              <a14:hiddenFill xmlns:a14="http://schemas.microsoft.com/office/drawing/2010/main">
+                <a:solidFill>
+                  <a:srgbClr val="FFFFFF"/>
+                </a:solidFill>
+              </a14:hiddenFill>
+            </a:ext>
+            <a:ext uri="{FAA26D3D-D897-4be2-8F04-BA451C77F1D7}">
+              <ma14:placeholderFlag xmlns:ma14="http://schemas.microsoft.com/office/mac/drawingml/2011/main" val="1"/>
+            </a:ext>
+          </a:extLst>
+        </p:spPr>
+      </p:sp>
+      <p:sp>
+        <p:nvSpPr>
+          <p:cNvPr id="20482" name="Notes Placeholder 2"/>
+          <p:cNvSpPr>
+            <a:spLocks noGrp="1"/>
+          </p:cNvSpPr>
+          <p:nvPr>
+            <p:ph type="body" idx="1"/>
+          </p:nvPr>
+        </p:nvSpPr>
+        <p:spPr bwMode="auto">
+          <a:noFill/>
+          <a:extLst>
+            <a:ext uri="{909E8E84-426E-40dd-AFC4-6F175D3DCCD1}">
+              <a14:hiddenFill xmlns:a14="http://schemas.microsoft.com/office/drawing/2010/main">
+                <a:solidFill>
+                  <a:srgbClr val="FFFFFF"/>
+                </a:solidFill>
+              </a14:hiddenFill>
+            </a:ext>
+            <a:ext uri="{91240B29-F687-4f45-9708-019B960494DF}">
+              <a14:hiddenLine xmlns:a14="http://schemas.microsoft.com/office/drawing/2010/main" w="9525">
+                <a:solidFill>
+                  <a:srgbClr val="000000"/>
+                </a:solidFill>
+                <a:miter lim="800000"/>
+                <a:headEnd/>
+                <a:tailEnd/>
+              </a14:hiddenLine>
+            </a:ext>
+            <a:ext uri="{FAA26D3D-D897-4be2-8F04-BA451C77F1D7}">
+              <ma14:placeholderFlag xmlns:ma14="http://schemas.microsoft.com/office/mac/drawingml/2011/main" val="1"/>
+            </a:ext>
+          </a:extLst>
+        </p:spPr>
+        <p:txBody>
+          <a:bodyPr wrap="square" numCol="1" anchor="t" anchorCtr="0" compatLnSpc="1">
+            <a:prstTxWarp prst="textNoShape">
+              <a:avLst/>
+            </a:prstTxWarp>
+          </a:bodyPr>
+          <a:lstStyle/>
+          <a:p>
+            <a:pPr>
+              <a:spcBef>
+                <a:spcPct val="0"/>
+              </a:spcBef>
+            </a:pPr>
+            <a:endParaRPr lang="en-US">
+              <a:latin typeface="Calibri" charset="0"/>
+            </a:endParaRPr>
+          </a:p>
+        </p:txBody>
+      </p:sp>
+      <p:sp>
+        <p:nvSpPr>
+          <p:cNvPr id="20483" name="Slide Number Placeholder 3"/>
+          <p:cNvSpPr>
+            <a:spLocks noGrp="1"/>
+          </p:cNvSpPr>
+          <p:nvPr>
+            <p:ph type="sldNum" sz="quarter" idx="5"/>
+          </p:nvPr>
+        </p:nvSpPr>
+        <p:spPr bwMode="auto">
+          <a:noFill/>
+          <a:extLst>
+            <a:ext uri="{909E8E84-426E-40dd-AFC4-6F175D3DCCD1}">
+              <a14:hiddenFill xmlns:a14="http://schemas.microsoft.com/office/drawing/2010/main">
+                <a:solidFill>
+                  <a:srgbClr val="FFFFFF"/>
+                </a:solidFill>
+              </a14:hiddenFill>
+            </a:ext>
+            <a:ext uri="{91240B29-F687-4f45-9708-019B960494DF}">
+              <a14:hiddenLine xmlns:a14="http://schemas.microsoft.com/office/drawing/2010/main" w="9525">
+                <a:solidFill>
+                  <a:srgbClr val="000000"/>
+                </a:solidFill>
+                <a:miter lim="800000"/>
+                <a:headEnd/>
+                <a:tailEnd/>
+              </a14:hiddenLine>
+            </a:ext>
+          </a:extLst>
+        </p:spPr>
+        <p:txBody>
+          <a:bodyPr wrap="square" numCol="1" anchorCtr="0" compatLnSpc="1">
+            <a:prstTxWarp prst="textNoShape">
+              <a:avLst/>
+            </a:prstTxWarp>
+          </a:bodyPr>
+          <a:lstStyle>
+            <a:lvl1pPr>
+              <a:defRPr>
+                <a:solidFill>
+                  <a:schemeClr val="tx1"/>
+                </a:solidFill>
+                <a:latin typeface="Arial" charset="0"/>
+                <a:ea typeface="ＭＳ Ｐゴシック" charset="0"/>
+                <a:cs typeface="ＭＳ Ｐゴシック" charset="0"/>
+              </a:defRPr>
+            </a:lvl1pPr>
+            <a:lvl2pPr marL="742950" indent="-285750">
+              <a:defRPr>
+                <a:solidFill>
+                  <a:schemeClr val="tx1"/>
+                </a:solidFill>
+                <a:latin typeface="Arial" charset="0"/>
+                <a:ea typeface="ＭＳ Ｐゴシック" charset="0"/>
+              </a:defRPr>
+            </a:lvl2pPr>
+            <a:lvl3pPr marL="1143000" indent="-228600">
+              <a:defRPr>
+                <a:solidFill>
+                  <a:schemeClr val="tx1"/>
+                </a:solidFill>
+                <a:latin typeface="Arial" charset="0"/>
+                <a:ea typeface="ＭＳ Ｐゴシック" charset="0"/>
+              </a:defRPr>
+            </a:lvl3pPr>
+            <a:lvl4pPr marL="1600200" indent="-228600">
+              <a:defRPr>
+                <a:solidFill>
+                  <a:schemeClr val="tx1"/>
+                </a:solidFill>
+                <a:latin typeface="Arial" charset="0"/>
+                <a:ea typeface="ＭＳ Ｐゴシック" charset="0"/>
+              </a:defRPr>
+            </a:lvl4pPr>
+            <a:lvl5pPr marL="2057400" indent="-228600">
+              <a:defRPr>
+                <a:solidFill>
+                  <a:schemeClr val="tx1"/>
+                </a:solidFill>
+                <a:latin typeface="Arial" charset="0"/>
+                <a:ea typeface="ＭＳ Ｐゴシック" charset="0"/>
+              </a:defRPr>
+            </a:lvl5pPr>
+            <a:lvl6pPr marL="2514600" indent="-228600" fontAlgn="base">
+              <a:spcBef>
+                <a:spcPct val="0"/>
+              </a:spcBef>
+              <a:spcAft>
+                <a:spcPct val="0"/>
+              </a:spcAft>
+              <a:defRPr>
+                <a:solidFill>
+                  <a:schemeClr val="tx1"/>
+                </a:solidFill>
+                <a:latin typeface="Arial" charset="0"/>
+                <a:ea typeface="ＭＳ Ｐゴシック" charset="0"/>
+              </a:defRPr>
+            </a:lvl6pPr>
+            <a:lvl7pPr marL="2971800" indent="-228600" fontAlgn="base">
+              <a:spcBef>
+                <a:spcPct val="0"/>
+              </a:spcBef>
+              <a:spcAft>
+                <a:spcPct val="0"/>
+              </a:spcAft>
+              <a:defRPr>
+                <a:solidFill>
+                  <a:schemeClr val="tx1"/>
+                </a:solidFill>
+                <a:latin typeface="Arial" charset="0"/>
+                <a:ea typeface="ＭＳ Ｐゴシック" charset="0"/>
+              </a:defRPr>
+            </a:lvl7pPr>
+            <a:lvl8pPr marL="3429000" indent="-228600" fontAlgn="base">
+              <a:spcBef>
+                <a:spcPct val="0"/>
+              </a:spcBef>
+              <a:spcAft>
+                <a:spcPct val="0"/>
+              </a:spcAft>
+              <a:defRPr>
+                <a:solidFill>
+                  <a:schemeClr val="tx1"/>
+                </a:solidFill>
+                <a:latin typeface="Arial" charset="0"/>
+                <a:ea typeface="ＭＳ Ｐゴシック" charset="0"/>
+              </a:defRPr>
+            </a:lvl8pPr>
+            <a:lvl9pPr marL="3886200" indent="-228600" fontAlgn="base">
+              <a:spcBef>
+                <a:spcPct val="0"/>
+              </a:spcBef>
+              <a:spcAft>
+                <a:spcPct val="0"/>
+              </a:spcAft>
+              <a:defRPr>
+                <a:solidFill>
+                  <a:schemeClr val="tx1"/>
+                </a:solidFill>
+                <a:latin typeface="Arial" charset="0"/>
+                <a:ea typeface="ＭＳ Ｐゴシック" charset="0"/>
+              </a:defRPr>
+            </a:lvl9pPr>
+          </a:lstStyle>
+          <a:p>
+            <a:pPr fontAlgn="base">
+              <a:spcBef>
+                <a:spcPct val="0"/>
+              </a:spcBef>
+              <a:spcAft>
+                <a:spcPct val="0"/>
+              </a:spcAft>
+            </a:pPr>
+            <a:fld id="{EB0F9220-CAA4-8748-BCDB-A589C1FB5ABC}" type="slidenum">
+              <a:rPr lang="en-US">
+                <a:latin typeface="Calibri" charset="0"/>
+              </a:rPr>
+              <a:pPr fontAlgn="base">
+                <a:spcBef>
+                  <a:spcPct val="0"/>
+                </a:spcBef>
+                <a:spcAft>
+                  <a:spcPct val="0"/>
+                </a:spcAft>
+              </a:pPr>
+              <a:t>7</a:t>
+            </a:fld>
+            <a:endParaRPr lang="en-US">
+              <a:latin typeface="Calibri" charset="0"/>
+            </a:endParaRPr>
+          </a:p>
+        </p:txBody>
+      </p:sp>
+    </p:spTree>
+  </p:cSld>
+  <p:clrMapOvr>
+    <a:masterClrMapping/>
+  </p:clrMapOvr>
+</p:notes>
 </file>
 
 <file path=ppt/slideLayouts/slideLayout1.xml><?xml version="1.0" encoding="utf-8"?>
@@ -130,237 +3357,16 @@
           <a:chExt cx="0" cy="0"/>
         </a:xfrm>
       </p:grpSpPr>
-      <p:sp>
-        <p:nvSpPr>
-          <p:cNvPr id="2" name="Title 1"/>
-          <p:cNvSpPr>
-            <a:spLocks noGrp="1"/>
-          </p:cNvSpPr>
-          <p:nvPr>
-            <p:ph type="ctrTitle"/>
-          </p:nvPr>
-        </p:nvSpPr>
-        <p:spPr>
-          <a:xfrm>
-            <a:off x="685800" y="1371600"/>
-            <a:ext cx="7848600" cy="1927225"/>
-          </a:xfrm>
-        </p:spPr>
-        <p:txBody>
-          <a:bodyPr anchor="b">
-            <a:noAutofit/>
-          </a:bodyPr>
-          <a:lstStyle>
-            <a:lvl1pPr>
-              <a:defRPr sz="5400" cap="all" baseline="0"/>
-            </a:lvl1pPr>
-          </a:lstStyle>
-          <a:p>
-            <a:r>
-              <a:rPr lang="en-US" smtClean="0"/>
-              <a:t>Click to edit Master title style</a:t>
-            </a:r>
-            <a:endParaRPr lang="en-US" dirty="0"/>
-          </a:p>
-        </p:txBody>
-      </p:sp>
-      <p:sp>
-        <p:nvSpPr>
-          <p:cNvPr id="3" name="Subtitle 2"/>
-          <p:cNvSpPr>
-            <a:spLocks noGrp="1"/>
-          </p:cNvSpPr>
-          <p:nvPr>
-            <p:ph type="subTitle" idx="1"/>
-          </p:nvPr>
-        </p:nvSpPr>
-        <p:spPr>
-          <a:xfrm>
-            <a:off x="685800" y="3505200"/>
-            <a:ext cx="6400800" cy="1752600"/>
-          </a:xfrm>
-        </p:spPr>
-        <p:txBody>
-          <a:bodyPr/>
-          <a:lstStyle>
-            <a:lvl1pPr marL="0" indent="0" algn="l">
-              <a:buNone/>
-              <a:defRPr>
-                <a:solidFill>
-                  <a:schemeClr val="tx1">
-                    <a:lumMod val="75000"/>
-                    <a:lumOff val="25000"/>
-                  </a:schemeClr>
-                </a:solidFill>
-              </a:defRPr>
-            </a:lvl1pPr>
-            <a:lvl2pPr marL="457200" indent="0" algn="ctr">
-              <a:buNone/>
-              <a:defRPr>
-                <a:solidFill>
-                  <a:schemeClr val="tx1">
-                    <a:tint val="75000"/>
-                  </a:schemeClr>
-                </a:solidFill>
-              </a:defRPr>
-            </a:lvl2pPr>
-            <a:lvl3pPr marL="914400" indent="0" algn="ctr">
-              <a:buNone/>
-              <a:defRPr>
-                <a:solidFill>
-                  <a:schemeClr val="tx1">
-                    <a:tint val="75000"/>
-                  </a:schemeClr>
-                </a:solidFill>
-              </a:defRPr>
-            </a:lvl3pPr>
-            <a:lvl4pPr marL="1371600" indent="0" algn="ctr">
-              <a:buNone/>
-              <a:defRPr>
-                <a:solidFill>
-                  <a:schemeClr val="tx1">
-                    <a:tint val="75000"/>
-                  </a:schemeClr>
-                </a:solidFill>
-              </a:defRPr>
-            </a:lvl4pPr>
-            <a:lvl5pPr marL="1828800" indent="0" algn="ctr">
-              <a:buNone/>
-              <a:defRPr>
-                <a:solidFill>
-                  <a:schemeClr val="tx1">
-                    <a:tint val="75000"/>
-                  </a:schemeClr>
-                </a:solidFill>
-              </a:defRPr>
-            </a:lvl5pPr>
-            <a:lvl6pPr marL="2286000" indent="0" algn="ctr">
-              <a:buNone/>
-              <a:defRPr>
-                <a:solidFill>
-                  <a:schemeClr val="tx1">
-                    <a:tint val="75000"/>
-                  </a:schemeClr>
-                </a:solidFill>
-              </a:defRPr>
-            </a:lvl6pPr>
-            <a:lvl7pPr marL="2743200" indent="0" algn="ctr">
-              <a:buNone/>
-              <a:defRPr>
-                <a:solidFill>
-                  <a:schemeClr val="tx1">
-                    <a:tint val="75000"/>
-                  </a:schemeClr>
-                </a:solidFill>
-              </a:defRPr>
-            </a:lvl7pPr>
-            <a:lvl8pPr marL="3200400" indent="0" algn="ctr">
-              <a:buNone/>
-              <a:defRPr>
-                <a:solidFill>
-                  <a:schemeClr val="tx1">
-                    <a:tint val="75000"/>
-                  </a:schemeClr>
-                </a:solidFill>
-              </a:defRPr>
-            </a:lvl8pPr>
-            <a:lvl9pPr marL="3657600" indent="0" algn="ctr">
-              <a:buNone/>
-              <a:defRPr>
-                <a:solidFill>
-                  <a:schemeClr val="tx1">
-                    <a:tint val="75000"/>
-                  </a:schemeClr>
-                </a:solidFill>
-              </a:defRPr>
-            </a:lvl9pPr>
-          </a:lstStyle>
-          <a:p>
-            <a:r>
-              <a:rPr lang="en-US" smtClean="0"/>
-              <a:t>Click to edit Master subtitle style</a:t>
-            </a:r>
-            <a:endParaRPr lang="en-US" dirty="0"/>
-          </a:p>
-        </p:txBody>
-      </p:sp>
-      <p:sp>
-        <p:nvSpPr>
-          <p:cNvPr id="4" name="Date Placeholder 3"/>
-          <p:cNvSpPr>
-            <a:spLocks noGrp="1"/>
-          </p:cNvSpPr>
-          <p:nvPr>
-            <p:ph type="dt" sz="half" idx="10"/>
-          </p:nvPr>
-        </p:nvSpPr>
-        <p:spPr/>
-        <p:txBody>
-          <a:bodyPr/>
-          <a:lstStyle/>
-          <a:p>
-            <a:fld id="{8ACDB3CC-F982-40F9-8DD6-BCC9AFBF44BD}" type="datetime1">
-              <a:rPr lang="en-US" smtClean="0"/>
-              <a:pPr/>
-              <a:t>2/5/15</a:t>
-            </a:fld>
-            <a:endParaRPr lang="en-US" dirty="0"/>
-          </a:p>
-        </p:txBody>
-      </p:sp>
-      <p:sp>
-        <p:nvSpPr>
-          <p:cNvPr id="5" name="Footer Placeholder 4"/>
-          <p:cNvSpPr>
-            <a:spLocks noGrp="1"/>
-          </p:cNvSpPr>
-          <p:nvPr>
-            <p:ph type="ftr" sz="quarter" idx="11"/>
-          </p:nvPr>
-        </p:nvSpPr>
-        <p:spPr/>
-        <p:txBody>
-          <a:bodyPr/>
-          <a:lstStyle/>
-          <a:p>
-            <a:endParaRPr lang="en-US" dirty="0"/>
-          </a:p>
-        </p:txBody>
-      </p:sp>
-      <p:sp>
-        <p:nvSpPr>
-          <p:cNvPr id="6" name="Slide Number Placeholder 5"/>
-          <p:cNvSpPr>
-            <a:spLocks noGrp="1"/>
-          </p:cNvSpPr>
-          <p:nvPr>
-            <p:ph type="sldNum" sz="quarter" idx="12"/>
-          </p:nvPr>
-        </p:nvSpPr>
-        <p:spPr/>
-        <p:txBody>
-          <a:bodyPr/>
-          <a:lstStyle/>
-          <a:p>
-            <a:fld id="{AC5B1FEA-406A-7749-A5C3-DDCB5F67A4CE}" type="slidenum">
-              <a:rPr lang="en-US" smtClean="0"/>
-              <a:pPr/>
-              <a:t>‹#›</a:t>
-            </a:fld>
-            <a:endParaRPr lang="en-US" dirty="0"/>
-          </a:p>
-        </p:txBody>
-      </p:sp>
       <p:cxnSp>
         <p:nvCxnSpPr>
-          <p:cNvPr id="8" name="Straight Connector 7"/>
+          <p:cNvPr id="4" name="Straight Connector 3"/>
           <p:cNvCxnSpPr/>
           <p:nvPr/>
         </p:nvCxnSpPr>
         <p:spPr>
           <a:xfrm>
-            <a:off x="685800" y="3398520"/>
-            <a:ext cx="7848600" cy="1588"/>
+            <a:off x="685800" y="3398838"/>
+            <a:ext cx="7848600" cy="1587"/>
           </a:xfrm>
           <a:prstGeom prst="line">
             <a:avLst/>
@@ -386,7 +3392,258 @@
           </a:fontRef>
         </p:style>
       </p:cxnSp>
+      <p:sp>
+        <p:nvSpPr>
+          <p:cNvPr id="2" name="Title 1"/>
+          <p:cNvSpPr>
+            <a:spLocks noGrp="1"/>
+          </p:cNvSpPr>
+          <p:nvPr>
+            <p:ph type="ctrTitle"/>
+          </p:nvPr>
+        </p:nvSpPr>
+        <p:spPr>
+          <a:xfrm>
+            <a:off x="685800" y="1371600"/>
+            <a:ext cx="7848600" cy="1927225"/>
+          </a:xfrm>
+        </p:spPr>
+        <p:txBody>
+          <a:bodyPr anchor="b">
+            <a:noAutofit/>
+          </a:bodyPr>
+          <a:lstStyle>
+            <a:lvl1pPr>
+              <a:defRPr sz="5400" cap="all" baseline="0"/>
+            </a:lvl1pPr>
+          </a:lstStyle>
+          <a:p>
+            <a:r>
+              <a:rPr lang="en-US" smtClean="0"/>
+              <a:t>Click to edit Master title style</a:t>
+            </a:r>
+            <a:endParaRPr lang="en-US" dirty="0"/>
+          </a:p>
+        </p:txBody>
+      </p:sp>
+      <p:sp>
+        <p:nvSpPr>
+          <p:cNvPr id="3" name="Subtitle 2"/>
+          <p:cNvSpPr>
+            <a:spLocks noGrp="1"/>
+          </p:cNvSpPr>
+          <p:nvPr>
+            <p:ph type="subTitle" idx="1"/>
+          </p:nvPr>
+        </p:nvSpPr>
+        <p:spPr>
+          <a:xfrm>
+            <a:off x="685800" y="3505200"/>
+            <a:ext cx="6400800" cy="1752600"/>
+          </a:xfrm>
+        </p:spPr>
+        <p:txBody>
+          <a:bodyPr/>
+          <a:lstStyle>
+            <a:lvl1pPr marL="0" indent="0" algn="l">
+              <a:buNone/>
+              <a:defRPr>
+                <a:solidFill>
+                  <a:schemeClr val="tx1">
+                    <a:lumMod val="75000"/>
+                    <a:lumOff val="25000"/>
+                  </a:schemeClr>
+                </a:solidFill>
+              </a:defRPr>
+            </a:lvl1pPr>
+            <a:lvl2pPr marL="457200" indent="0" algn="ctr">
+              <a:buNone/>
+              <a:defRPr>
+                <a:solidFill>
+                  <a:schemeClr val="tx1">
+                    <a:tint val="75000"/>
+                  </a:schemeClr>
+                </a:solidFill>
+              </a:defRPr>
+            </a:lvl2pPr>
+            <a:lvl3pPr marL="914400" indent="0" algn="ctr">
+              <a:buNone/>
+              <a:defRPr>
+                <a:solidFill>
+                  <a:schemeClr val="tx1">
+                    <a:tint val="75000"/>
+                  </a:schemeClr>
+                </a:solidFill>
+              </a:defRPr>
+            </a:lvl3pPr>
+            <a:lvl4pPr marL="1371600" indent="0" algn="ctr">
+              <a:buNone/>
+              <a:defRPr>
+                <a:solidFill>
+                  <a:schemeClr val="tx1">
+                    <a:tint val="75000"/>
+                  </a:schemeClr>
+                </a:solidFill>
+              </a:defRPr>
+            </a:lvl4pPr>
+            <a:lvl5pPr marL="1828800" indent="0" algn="ctr">
+              <a:buNone/>
+              <a:defRPr>
+                <a:solidFill>
+                  <a:schemeClr val="tx1">
+                    <a:tint val="75000"/>
+                  </a:schemeClr>
+                </a:solidFill>
+              </a:defRPr>
+            </a:lvl5pPr>
+            <a:lvl6pPr marL="2286000" indent="0" algn="ctr">
+              <a:buNone/>
+              <a:defRPr>
+                <a:solidFill>
+                  <a:schemeClr val="tx1">
+                    <a:tint val="75000"/>
+                  </a:schemeClr>
+                </a:solidFill>
+              </a:defRPr>
+            </a:lvl6pPr>
+            <a:lvl7pPr marL="2743200" indent="0" algn="ctr">
+              <a:buNone/>
+              <a:defRPr>
+                <a:solidFill>
+                  <a:schemeClr val="tx1">
+                    <a:tint val="75000"/>
+                  </a:schemeClr>
+                </a:solidFill>
+              </a:defRPr>
+            </a:lvl7pPr>
+            <a:lvl8pPr marL="3200400" indent="0" algn="ctr">
+              <a:buNone/>
+              <a:defRPr>
+                <a:solidFill>
+                  <a:schemeClr val="tx1">
+                    <a:tint val="75000"/>
+                  </a:schemeClr>
+                </a:solidFill>
+              </a:defRPr>
+            </a:lvl8pPr>
+            <a:lvl9pPr marL="3657600" indent="0" algn="ctr">
+              <a:buNone/>
+              <a:defRPr>
+                <a:solidFill>
+                  <a:schemeClr val="tx1">
+                    <a:tint val="75000"/>
+                  </a:schemeClr>
+                </a:solidFill>
+              </a:defRPr>
+            </a:lvl9pPr>
+          </a:lstStyle>
+          <a:p>
+            <a:r>
+              <a:rPr lang="en-US" smtClean="0"/>
+              <a:t>Click to edit Master subtitle style</a:t>
+            </a:r>
+            <a:endParaRPr lang="en-US" dirty="0"/>
+          </a:p>
+        </p:txBody>
+      </p:sp>
+      <p:sp>
+        <p:nvSpPr>
+          <p:cNvPr id="5" name="Date Placeholder 3"/>
+          <p:cNvSpPr>
+            <a:spLocks noGrp="1"/>
+          </p:cNvSpPr>
+          <p:nvPr>
+            <p:ph type="dt" sz="half" idx="10"/>
+          </p:nvPr>
+        </p:nvSpPr>
+        <p:spPr/>
+        <p:txBody>
+          <a:bodyPr/>
+          <a:lstStyle>
+            <a:lvl1pPr>
+              <a:defRPr/>
+            </a:lvl1pPr>
+          </a:lstStyle>
+          <a:p>
+            <a:pPr>
+              <a:defRPr/>
+            </a:pPr>
+            <a:fld id="{8ACDB3CC-F982-40F9-8DD6-BCC9AFBF44BD}" type="datetime1">
+              <a:rPr lang="en-US"/>
+              <a:pPr>
+                <a:defRPr/>
+              </a:pPr>
+              <a:t>2/19/15</a:t>
+            </a:fld>
+            <a:endParaRPr lang="en-US" dirty="0"/>
+          </a:p>
+        </p:txBody>
+      </p:sp>
+      <p:sp>
+        <p:nvSpPr>
+          <p:cNvPr id="6" name="Footer Placeholder 4"/>
+          <p:cNvSpPr>
+            <a:spLocks noGrp="1"/>
+          </p:cNvSpPr>
+          <p:nvPr>
+            <p:ph type="ftr" sz="quarter" idx="11"/>
+          </p:nvPr>
+        </p:nvSpPr>
+        <p:spPr/>
+        <p:txBody>
+          <a:bodyPr/>
+          <a:lstStyle>
+            <a:lvl1pPr>
+              <a:defRPr dirty="0"/>
+            </a:lvl1pPr>
+          </a:lstStyle>
+          <a:p>
+            <a:pPr>
+              <a:defRPr/>
+            </a:pPr>
+            <a:endParaRPr lang="en-US"/>
+          </a:p>
+        </p:txBody>
+      </p:sp>
+      <p:sp>
+        <p:nvSpPr>
+          <p:cNvPr id="7" name="Slide Number Placeholder 5"/>
+          <p:cNvSpPr>
+            <a:spLocks noGrp="1"/>
+          </p:cNvSpPr>
+          <p:nvPr>
+            <p:ph type="sldNum" sz="quarter" idx="12"/>
+          </p:nvPr>
+        </p:nvSpPr>
+        <p:spPr/>
+        <p:txBody>
+          <a:bodyPr/>
+          <a:lstStyle>
+            <a:lvl1pPr>
+              <a:defRPr/>
+            </a:lvl1pPr>
+          </a:lstStyle>
+          <a:p>
+            <a:pPr>
+              <a:defRPr/>
+            </a:pPr>
+            <a:fld id="{A728B37D-8DAB-CF49-A7FE-B316B9EEE63F}" type="slidenum">
+              <a:rPr lang="en-US"/>
+              <a:pPr>
+                <a:defRPr/>
+              </a:pPr>
+              <a:t>‹#›</a:t>
+            </a:fld>
+            <a:endParaRPr lang="en-US" dirty="0"/>
+          </a:p>
+        </p:txBody>
+      </p:sp>
     </p:spTree>
+    <p:extLst>
+      <p:ext uri="{BB962C8B-B14F-4D97-AF65-F5344CB8AC3E}">
+        <p14:creationId xmlns:p14="http://schemas.microsoft.com/office/powerpoint/2010/main" val="3708556108"/>
+      </p:ext>
+    </p:extLst>
   </p:cSld>
   <p:clrMapOvr>
     <a:masterClrMapping/>
@@ -499,11 +3756,21 @@
         <p:spPr/>
         <p:txBody>
           <a:bodyPr/>
-          <a:lstStyle/>
-          <a:p>
-            <a:fld id="{D2EA1B8A-F765-41C6-AECF-D6768B2D240E}" type="datetimeFigureOut">
-              <a:rPr lang="en-US" smtClean="0"/>
-              <a:t>2/5/15</a:t>
+          <a:lstStyle>
+            <a:lvl1pPr>
+              <a:defRPr/>
+            </a:lvl1pPr>
+          </a:lstStyle>
+          <a:p>
+            <a:pPr>
+              <a:defRPr/>
+            </a:pPr>
+            <a:fld id="{27C04931-F546-B840-92AA-3D6671466C4A}" type="datetimeFigureOut">
+              <a:rPr lang="en-US"/>
+              <a:pPr>
+                <a:defRPr/>
+              </a:pPr>
+              <a:t>2/19/15</a:t>
             </a:fld>
             <a:endParaRPr lang="en-US"/>
           </a:p>
@@ -522,8 +3789,15 @@
         <p:spPr/>
         <p:txBody>
           <a:bodyPr/>
-          <a:lstStyle/>
-          <a:p>
+          <a:lstStyle>
+            <a:lvl1pPr>
+              <a:defRPr/>
+            </a:lvl1pPr>
+          </a:lstStyle>
+          <a:p>
+            <a:pPr>
+              <a:defRPr/>
+            </a:pPr>
             <a:endParaRPr lang="en-US"/>
           </a:p>
         </p:txBody>
@@ -541,10 +3815,20 @@
         <p:spPr/>
         <p:txBody>
           <a:bodyPr/>
-          <a:lstStyle/>
-          <a:p>
-            <a:fld id="{3316C05E-8571-4D47-91A2-95FC418F336E}" type="slidenum">
-              <a:rPr lang="en-US" smtClean="0"/>
+          <a:lstStyle>
+            <a:lvl1pPr>
+              <a:defRPr/>
+            </a:lvl1pPr>
+          </a:lstStyle>
+          <a:p>
+            <a:pPr>
+              <a:defRPr/>
+            </a:pPr>
+            <a:fld id="{688FBC7D-2694-184A-9BA4-C5556B4770B0}" type="slidenum">
+              <a:rPr lang="en-US"/>
+              <a:pPr>
+                <a:defRPr/>
+              </a:pPr>
               <a:t>‹#›</a:t>
             </a:fld>
             <a:endParaRPr lang="en-US"/>
@@ -552,6 +3836,11 @@
         </p:txBody>
       </p:sp>
     </p:spTree>
+    <p:extLst>
+      <p:ext uri="{BB962C8B-B14F-4D97-AF65-F5344CB8AC3E}">
+        <p14:creationId xmlns:p14="http://schemas.microsoft.com/office/powerpoint/2010/main" val="1391666884"/>
+      </p:ext>
+    </p:extLst>
   </p:cSld>
   <p:clrMapOvr>
     <a:masterClrMapping/>
@@ -674,11 +3963,21 @@
         <p:spPr/>
         <p:txBody>
           <a:bodyPr/>
-          <a:lstStyle/>
-          <a:p>
-            <a:fld id="{D2EA1B8A-F765-41C6-AECF-D6768B2D240E}" type="datetimeFigureOut">
-              <a:rPr lang="en-US" smtClean="0"/>
-              <a:t>2/5/15</a:t>
+          <a:lstStyle>
+            <a:lvl1pPr>
+              <a:defRPr/>
+            </a:lvl1pPr>
+          </a:lstStyle>
+          <a:p>
+            <a:pPr>
+              <a:defRPr/>
+            </a:pPr>
+            <a:fld id="{0B31F788-10F5-0440-B6BD-95C1C1198BFB}" type="datetimeFigureOut">
+              <a:rPr lang="en-US"/>
+              <a:pPr>
+                <a:defRPr/>
+              </a:pPr>
+              <a:t>2/19/15</a:t>
             </a:fld>
             <a:endParaRPr lang="en-US"/>
           </a:p>
@@ -697,8 +3996,15 @@
         <p:spPr/>
         <p:txBody>
           <a:bodyPr/>
-          <a:lstStyle/>
-          <a:p>
+          <a:lstStyle>
+            <a:lvl1pPr>
+              <a:defRPr/>
+            </a:lvl1pPr>
+          </a:lstStyle>
+          <a:p>
+            <a:pPr>
+              <a:defRPr/>
+            </a:pPr>
             <a:endParaRPr lang="en-US"/>
           </a:p>
         </p:txBody>
@@ -716,10 +4022,20 @@
         <p:spPr/>
         <p:txBody>
           <a:bodyPr/>
-          <a:lstStyle/>
-          <a:p>
-            <a:fld id="{3316C05E-8571-4D47-91A2-95FC418F336E}" type="slidenum">
-              <a:rPr lang="en-US" smtClean="0"/>
+          <a:lstStyle>
+            <a:lvl1pPr>
+              <a:defRPr/>
+            </a:lvl1pPr>
+          </a:lstStyle>
+          <a:p>
+            <a:pPr>
+              <a:defRPr/>
+            </a:pPr>
+            <a:fld id="{6B0F6A7A-340B-FC49-9DC8-7570ABA0D8EE}" type="slidenum">
+              <a:rPr lang="en-US"/>
+              <a:pPr>
+                <a:defRPr/>
+              </a:pPr>
               <a:t>‹#›</a:t>
             </a:fld>
             <a:endParaRPr lang="en-US"/>
@@ -727,6 +4043,11 @@
         </p:txBody>
       </p:sp>
     </p:spTree>
+    <p:extLst>
+      <p:ext uri="{BB962C8B-B14F-4D97-AF65-F5344CB8AC3E}">
+        <p14:creationId xmlns:p14="http://schemas.microsoft.com/office/powerpoint/2010/main" val="3187349407"/>
+      </p:ext>
+    </p:extLst>
   </p:cSld>
   <p:clrMapOvr>
     <a:masterClrMapping/>
@@ -839,11 +4160,21 @@
         <p:spPr/>
         <p:txBody>
           <a:bodyPr/>
-          <a:lstStyle/>
-          <a:p>
-            <a:fld id="{D2EA1B8A-F765-41C6-AECF-D6768B2D240E}" type="datetimeFigureOut">
-              <a:rPr lang="en-US" smtClean="0"/>
-              <a:t>2/5/15</a:t>
+          <a:lstStyle>
+            <a:lvl1pPr>
+              <a:defRPr/>
+            </a:lvl1pPr>
+          </a:lstStyle>
+          <a:p>
+            <a:pPr>
+              <a:defRPr/>
+            </a:pPr>
+            <a:fld id="{B9B05EC7-95EE-D447-B993-9D5EF9C63130}" type="datetimeFigureOut">
+              <a:rPr lang="en-US"/>
+              <a:pPr>
+                <a:defRPr/>
+              </a:pPr>
+              <a:t>2/19/15</a:t>
             </a:fld>
             <a:endParaRPr lang="en-US"/>
           </a:p>
@@ -862,8 +4193,15 @@
         <p:spPr/>
         <p:txBody>
           <a:bodyPr/>
-          <a:lstStyle/>
-          <a:p>
+          <a:lstStyle>
+            <a:lvl1pPr>
+              <a:defRPr/>
+            </a:lvl1pPr>
+          </a:lstStyle>
+          <a:p>
+            <a:pPr>
+              <a:defRPr/>
+            </a:pPr>
             <a:endParaRPr lang="en-US"/>
           </a:p>
         </p:txBody>
@@ -881,10 +4219,20 @@
         <p:spPr/>
         <p:txBody>
           <a:bodyPr/>
-          <a:lstStyle/>
-          <a:p>
-            <a:fld id="{3316C05E-8571-4D47-91A2-95FC418F336E}" type="slidenum">
-              <a:rPr lang="en-US" smtClean="0"/>
+          <a:lstStyle>
+            <a:lvl1pPr>
+              <a:defRPr/>
+            </a:lvl1pPr>
+          </a:lstStyle>
+          <a:p>
+            <a:pPr>
+              <a:defRPr/>
+            </a:pPr>
+            <a:fld id="{36AA379C-4CE7-8543-9C60-1A88F8CABA33}" type="slidenum">
+              <a:rPr lang="en-US"/>
+              <a:pPr>
+                <a:defRPr/>
+              </a:pPr>
               <a:t>‹#›</a:t>
             </a:fld>
             <a:endParaRPr lang="en-US"/>
@@ -892,6 +4240,11 @@
         </p:txBody>
       </p:sp>
     </p:spTree>
+    <p:extLst>
+      <p:ext uri="{BB962C8B-B14F-4D97-AF65-F5344CB8AC3E}">
+        <p14:creationId xmlns:p14="http://schemas.microsoft.com/office/powerpoint/2010/main" val="2348067143"/>
+      </p:ext>
+    </p:extLst>
   </p:cSld>
   <p:clrMapOvr>
     <a:masterClrMapping/>
@@ -921,236 +4274,16 @@
           <a:chExt cx="0" cy="0"/>
         </a:xfrm>
       </p:grpSpPr>
-      <p:sp>
-        <p:nvSpPr>
-          <p:cNvPr id="2" name="Title 1"/>
-          <p:cNvSpPr>
-            <a:spLocks noGrp="1"/>
-          </p:cNvSpPr>
-          <p:nvPr>
-            <p:ph type="title"/>
-          </p:nvPr>
-        </p:nvSpPr>
-        <p:spPr>
-          <a:xfrm>
-            <a:off x="722313" y="2362200"/>
-            <a:ext cx="7772400" cy="2200275"/>
-          </a:xfrm>
-        </p:spPr>
-        <p:txBody>
-          <a:bodyPr anchor="b">
-            <a:normAutofit/>
-          </a:bodyPr>
-          <a:lstStyle>
-            <a:lvl1pPr algn="l">
-              <a:defRPr sz="4800" b="0" cap="all"/>
-            </a:lvl1pPr>
-          </a:lstStyle>
-          <a:p>
-            <a:r>
-              <a:rPr lang="en-US" smtClean="0"/>
-              <a:t>Click to edit Master title style</a:t>
-            </a:r>
-            <a:endParaRPr lang="en-US" dirty="0"/>
-          </a:p>
-        </p:txBody>
-      </p:sp>
-      <p:sp>
-        <p:nvSpPr>
-          <p:cNvPr id="3" name="Text Placeholder 2"/>
-          <p:cNvSpPr>
-            <a:spLocks noGrp="1"/>
-          </p:cNvSpPr>
-          <p:nvPr>
-            <p:ph type="body" idx="1"/>
-          </p:nvPr>
-        </p:nvSpPr>
-        <p:spPr>
-          <a:xfrm>
-            <a:off x="722313" y="4626864"/>
-            <a:ext cx="7772400" cy="1500187"/>
-          </a:xfrm>
-        </p:spPr>
-        <p:txBody>
-          <a:bodyPr anchor="t">
-            <a:normAutofit/>
-          </a:bodyPr>
-          <a:lstStyle>
-            <a:lvl1pPr marL="0" indent="0">
-              <a:buNone/>
-              <a:defRPr sz="2400">
-                <a:solidFill>
-                  <a:schemeClr val="tx2"/>
-                </a:solidFill>
-              </a:defRPr>
-            </a:lvl1pPr>
-            <a:lvl2pPr marL="457200" indent="0">
-              <a:buNone/>
-              <a:defRPr sz="1800">
-                <a:solidFill>
-                  <a:schemeClr val="tx1">
-                    <a:tint val="75000"/>
-                  </a:schemeClr>
-                </a:solidFill>
-              </a:defRPr>
-            </a:lvl2pPr>
-            <a:lvl3pPr marL="914400" indent="0">
-              <a:buNone/>
-              <a:defRPr sz="1600">
-                <a:solidFill>
-                  <a:schemeClr val="tx1">
-                    <a:tint val="75000"/>
-                  </a:schemeClr>
-                </a:solidFill>
-              </a:defRPr>
-            </a:lvl3pPr>
-            <a:lvl4pPr marL="1371600" indent="0">
-              <a:buNone/>
-              <a:defRPr sz="1400">
-                <a:solidFill>
-                  <a:schemeClr val="tx1">
-                    <a:tint val="75000"/>
-                  </a:schemeClr>
-                </a:solidFill>
-              </a:defRPr>
-            </a:lvl4pPr>
-            <a:lvl5pPr marL="1828800" indent="0">
-              <a:buNone/>
-              <a:defRPr sz="1400">
-                <a:solidFill>
-                  <a:schemeClr val="tx1">
-                    <a:tint val="75000"/>
-                  </a:schemeClr>
-                </a:solidFill>
-              </a:defRPr>
-            </a:lvl5pPr>
-            <a:lvl6pPr marL="2286000" indent="0">
-              <a:buNone/>
-              <a:defRPr sz="1400">
-                <a:solidFill>
-                  <a:schemeClr val="tx1">
-                    <a:tint val="75000"/>
-                  </a:schemeClr>
-                </a:solidFill>
-              </a:defRPr>
-            </a:lvl6pPr>
-            <a:lvl7pPr marL="2743200" indent="0">
-              <a:buNone/>
-              <a:defRPr sz="1400">
-                <a:solidFill>
-                  <a:schemeClr val="tx1">
-                    <a:tint val="75000"/>
-                  </a:schemeClr>
-                </a:solidFill>
-              </a:defRPr>
-            </a:lvl7pPr>
-            <a:lvl8pPr marL="3200400" indent="0">
-              <a:buNone/>
-              <a:defRPr sz="1400">
-                <a:solidFill>
-                  <a:schemeClr val="tx1">
-                    <a:tint val="75000"/>
-                  </a:schemeClr>
-                </a:solidFill>
-              </a:defRPr>
-            </a:lvl8pPr>
-            <a:lvl9pPr marL="3657600" indent="0">
-              <a:buNone/>
-              <a:defRPr sz="1400">
-                <a:solidFill>
-                  <a:schemeClr val="tx1">
-                    <a:tint val="75000"/>
-                  </a:schemeClr>
-                </a:solidFill>
-              </a:defRPr>
-            </a:lvl9pPr>
-          </a:lstStyle>
-          <a:p>
-            <a:pPr lvl="0"/>
-            <a:r>
-              <a:rPr lang="en-US" smtClean="0"/>
-              <a:t>Click to edit Master text styles</a:t>
-            </a:r>
-          </a:p>
-        </p:txBody>
-      </p:sp>
-      <p:sp>
-        <p:nvSpPr>
-          <p:cNvPr id="4" name="Date Placeholder 3"/>
-          <p:cNvSpPr>
-            <a:spLocks noGrp="1"/>
-          </p:cNvSpPr>
-          <p:nvPr>
-            <p:ph type="dt" sz="half" idx="10"/>
-          </p:nvPr>
-        </p:nvSpPr>
-        <p:spPr/>
-        <p:txBody>
-          <a:bodyPr/>
-          <a:lstStyle/>
-          <a:p>
-            <a:fld id="{64DDAE5B-B07C-441A-8026-C23A427A74DC}" type="datetime1">
-              <a:rPr lang="en-US" smtClean="0"/>
-              <a:pPr/>
-              <a:t>2/5/15</a:t>
-            </a:fld>
-            <a:endParaRPr lang="en-US"/>
-          </a:p>
-        </p:txBody>
-      </p:sp>
-      <p:sp>
-        <p:nvSpPr>
-          <p:cNvPr id="5" name="Footer Placeholder 4"/>
-          <p:cNvSpPr>
-            <a:spLocks noGrp="1"/>
-          </p:cNvSpPr>
-          <p:nvPr>
-            <p:ph type="ftr" sz="quarter" idx="11"/>
-          </p:nvPr>
-        </p:nvSpPr>
-        <p:spPr/>
-        <p:txBody>
-          <a:bodyPr/>
-          <a:lstStyle/>
-          <a:p>
-            <a:endParaRPr lang="en-US"/>
-          </a:p>
-        </p:txBody>
-      </p:sp>
-      <p:sp>
-        <p:nvSpPr>
-          <p:cNvPr id="6" name="Slide Number Placeholder 5"/>
-          <p:cNvSpPr>
-            <a:spLocks noGrp="1"/>
-          </p:cNvSpPr>
-          <p:nvPr>
-            <p:ph type="sldNum" sz="quarter" idx="12"/>
-          </p:nvPr>
-        </p:nvSpPr>
-        <p:spPr/>
-        <p:txBody>
-          <a:bodyPr/>
-          <a:lstStyle/>
-          <a:p>
-            <a:fld id="{AC5B1FEA-406A-7749-A5C3-DDCB5F67A4CE}" type="slidenum">
-              <a:rPr lang="en-US" smtClean="0"/>
-              <a:pPr/>
-              <a:t>‹#›</a:t>
-            </a:fld>
-            <a:endParaRPr lang="en-US"/>
-          </a:p>
-        </p:txBody>
-      </p:sp>
       <p:cxnSp>
         <p:nvCxnSpPr>
-          <p:cNvPr id="7" name="Straight Connector 6"/>
+          <p:cNvPr id="4" name="Straight Connector 3"/>
           <p:cNvCxnSpPr/>
           <p:nvPr/>
         </p:nvCxnSpPr>
         <p:spPr>
           <a:xfrm>
-            <a:off x="731520" y="4599432"/>
-            <a:ext cx="7848600" cy="1588"/>
+            <a:off x="731838" y="4598988"/>
+            <a:ext cx="7848600" cy="1587"/>
           </a:xfrm>
           <a:prstGeom prst="line">
             <a:avLst/>
@@ -1176,7 +4309,255 @@
           </a:fontRef>
         </p:style>
       </p:cxnSp>
+      <p:sp>
+        <p:nvSpPr>
+          <p:cNvPr id="2" name="Title 1"/>
+          <p:cNvSpPr>
+            <a:spLocks noGrp="1"/>
+          </p:cNvSpPr>
+          <p:nvPr>
+            <p:ph type="title"/>
+          </p:nvPr>
+        </p:nvSpPr>
+        <p:spPr>
+          <a:xfrm>
+            <a:off x="722313" y="2362200"/>
+            <a:ext cx="7772400" cy="2200275"/>
+          </a:xfrm>
+        </p:spPr>
+        <p:txBody>
+          <a:bodyPr anchor="b"/>
+          <a:lstStyle>
+            <a:lvl1pPr algn="l">
+              <a:defRPr sz="4800" b="0" cap="all"/>
+            </a:lvl1pPr>
+          </a:lstStyle>
+          <a:p>
+            <a:r>
+              <a:rPr lang="en-US" smtClean="0"/>
+              <a:t>Click to edit Master title style</a:t>
+            </a:r>
+            <a:endParaRPr lang="en-US" dirty="0"/>
+          </a:p>
+        </p:txBody>
+      </p:sp>
+      <p:sp>
+        <p:nvSpPr>
+          <p:cNvPr id="3" name="Text Placeholder 2"/>
+          <p:cNvSpPr>
+            <a:spLocks noGrp="1"/>
+          </p:cNvSpPr>
+          <p:nvPr>
+            <p:ph type="body" idx="1"/>
+          </p:nvPr>
+        </p:nvSpPr>
+        <p:spPr>
+          <a:xfrm>
+            <a:off x="722313" y="4626864"/>
+            <a:ext cx="7772400" cy="1500187"/>
+          </a:xfrm>
+        </p:spPr>
+        <p:txBody>
+          <a:bodyPr>
+            <a:normAutofit/>
+          </a:bodyPr>
+          <a:lstStyle>
+            <a:lvl1pPr marL="0" indent="0">
+              <a:buNone/>
+              <a:defRPr sz="2400">
+                <a:solidFill>
+                  <a:schemeClr val="tx2"/>
+                </a:solidFill>
+              </a:defRPr>
+            </a:lvl1pPr>
+            <a:lvl2pPr marL="457200" indent="0">
+              <a:buNone/>
+              <a:defRPr sz="1800">
+                <a:solidFill>
+                  <a:schemeClr val="tx1">
+                    <a:tint val="75000"/>
+                  </a:schemeClr>
+                </a:solidFill>
+              </a:defRPr>
+            </a:lvl2pPr>
+            <a:lvl3pPr marL="914400" indent="0">
+              <a:buNone/>
+              <a:defRPr sz="1600">
+                <a:solidFill>
+                  <a:schemeClr val="tx1">
+                    <a:tint val="75000"/>
+                  </a:schemeClr>
+                </a:solidFill>
+              </a:defRPr>
+            </a:lvl3pPr>
+            <a:lvl4pPr marL="1371600" indent="0">
+              <a:buNone/>
+              <a:defRPr sz="1400">
+                <a:solidFill>
+                  <a:schemeClr val="tx1">
+                    <a:tint val="75000"/>
+                  </a:schemeClr>
+                </a:solidFill>
+              </a:defRPr>
+            </a:lvl4pPr>
+            <a:lvl5pPr marL="1828800" indent="0">
+              <a:buNone/>
+              <a:defRPr sz="1400">
+                <a:solidFill>
+                  <a:schemeClr val="tx1">
+                    <a:tint val="75000"/>
+                  </a:schemeClr>
+                </a:solidFill>
+              </a:defRPr>
+            </a:lvl5pPr>
+            <a:lvl6pPr marL="2286000" indent="0">
+              <a:buNone/>
+              <a:defRPr sz="1400">
+                <a:solidFill>
+                  <a:schemeClr val="tx1">
+                    <a:tint val="75000"/>
+                  </a:schemeClr>
+                </a:solidFill>
+              </a:defRPr>
+            </a:lvl6pPr>
+            <a:lvl7pPr marL="2743200" indent="0">
+              <a:buNone/>
+              <a:defRPr sz="1400">
+                <a:solidFill>
+                  <a:schemeClr val="tx1">
+                    <a:tint val="75000"/>
+                  </a:schemeClr>
+                </a:solidFill>
+              </a:defRPr>
+            </a:lvl7pPr>
+            <a:lvl8pPr marL="3200400" indent="0">
+              <a:buNone/>
+              <a:defRPr sz="1400">
+                <a:solidFill>
+                  <a:schemeClr val="tx1">
+                    <a:tint val="75000"/>
+                  </a:schemeClr>
+                </a:solidFill>
+              </a:defRPr>
+            </a:lvl8pPr>
+            <a:lvl9pPr marL="3657600" indent="0">
+              <a:buNone/>
+              <a:defRPr sz="1400">
+                <a:solidFill>
+                  <a:schemeClr val="tx1">
+                    <a:tint val="75000"/>
+                  </a:schemeClr>
+                </a:solidFill>
+              </a:defRPr>
+            </a:lvl9pPr>
+          </a:lstStyle>
+          <a:p>
+            <a:pPr lvl="0"/>
+            <a:r>
+              <a:rPr lang="en-US" smtClean="0"/>
+              <a:t>Click to edit Master text styles</a:t>
+            </a:r>
+          </a:p>
+        </p:txBody>
+      </p:sp>
+      <p:sp>
+        <p:nvSpPr>
+          <p:cNvPr id="5" name="Date Placeholder 3"/>
+          <p:cNvSpPr>
+            <a:spLocks noGrp="1"/>
+          </p:cNvSpPr>
+          <p:nvPr>
+            <p:ph type="dt" sz="half" idx="10"/>
+          </p:nvPr>
+        </p:nvSpPr>
+        <p:spPr/>
+        <p:txBody>
+          <a:bodyPr/>
+          <a:lstStyle>
+            <a:lvl1pPr>
+              <a:defRPr/>
+            </a:lvl1pPr>
+          </a:lstStyle>
+          <a:p>
+            <a:pPr>
+              <a:defRPr/>
+            </a:pPr>
+            <a:fld id="{64DDAE5B-B07C-441A-8026-C23A427A74DC}" type="datetime1">
+              <a:rPr lang="en-US"/>
+              <a:pPr>
+                <a:defRPr/>
+              </a:pPr>
+              <a:t>2/19/15</a:t>
+            </a:fld>
+            <a:endParaRPr lang="en-US"/>
+          </a:p>
+        </p:txBody>
+      </p:sp>
+      <p:sp>
+        <p:nvSpPr>
+          <p:cNvPr id="6" name="Footer Placeholder 4"/>
+          <p:cNvSpPr>
+            <a:spLocks noGrp="1"/>
+          </p:cNvSpPr>
+          <p:nvPr>
+            <p:ph type="ftr" sz="quarter" idx="11"/>
+          </p:nvPr>
+        </p:nvSpPr>
+        <p:spPr/>
+        <p:txBody>
+          <a:bodyPr/>
+          <a:lstStyle>
+            <a:lvl1pPr>
+              <a:defRPr/>
+            </a:lvl1pPr>
+          </a:lstStyle>
+          <a:p>
+            <a:pPr>
+              <a:defRPr/>
+            </a:pPr>
+            <a:endParaRPr lang="en-US"/>
+          </a:p>
+        </p:txBody>
+      </p:sp>
+      <p:sp>
+        <p:nvSpPr>
+          <p:cNvPr id="7" name="Slide Number Placeholder 5"/>
+          <p:cNvSpPr>
+            <a:spLocks noGrp="1"/>
+          </p:cNvSpPr>
+          <p:nvPr>
+            <p:ph type="sldNum" sz="quarter" idx="12"/>
+          </p:nvPr>
+        </p:nvSpPr>
+        <p:spPr/>
+        <p:txBody>
+          <a:bodyPr/>
+          <a:lstStyle>
+            <a:lvl1pPr>
+              <a:defRPr/>
+            </a:lvl1pPr>
+          </a:lstStyle>
+          <a:p>
+            <a:pPr>
+              <a:defRPr/>
+            </a:pPr>
+            <a:fld id="{539667C7-B6B3-2E4F-8D5B-A2CFCA9CAE11}" type="slidenum">
+              <a:rPr lang="en-US"/>
+              <a:pPr>
+                <a:defRPr/>
+              </a:pPr>
+              <a:t>‹#›</a:t>
+            </a:fld>
+            <a:endParaRPr lang="en-US"/>
+          </a:p>
+        </p:txBody>
+      </p:sp>
     </p:spTree>
+    <p:extLst>
+      <p:ext uri="{BB962C8B-B14F-4D97-AF65-F5344CB8AC3E}">
+        <p14:creationId xmlns:p14="http://schemas.microsoft.com/office/powerpoint/2010/main" val="1019289555"/>
+      </p:ext>
+    </p:extLst>
   </p:cSld>
   <p:clrMapOvr>
     <a:overrideClrMapping bg1="dk1" tx1="lt1" bg2="dk2" tx2="lt2" accent1="accent1" accent2="accent2" accent3="accent3" accent4="accent4" accent5="accent5" accent6="accent6" hlink="hlink" folHlink="folHlink"/>
@@ -1396,7 +4777,7 @@
       </p:sp>
       <p:sp>
         <p:nvSpPr>
-          <p:cNvPr id="5" name="Date Placeholder 4"/>
+          <p:cNvPr id="5" name="Date Placeholder 3"/>
           <p:cNvSpPr>
             <a:spLocks noGrp="1"/>
           </p:cNvSpPr>
@@ -1407,11 +4788,21 @@
         <p:spPr/>
         <p:txBody>
           <a:bodyPr/>
-          <a:lstStyle/>
-          <a:p>
-            <a:fld id="{D2EA1B8A-F765-41C6-AECF-D6768B2D240E}" type="datetimeFigureOut">
-              <a:rPr lang="en-US" smtClean="0"/>
-              <a:t>2/5/15</a:t>
+          <a:lstStyle>
+            <a:lvl1pPr>
+              <a:defRPr/>
+            </a:lvl1pPr>
+          </a:lstStyle>
+          <a:p>
+            <a:pPr>
+              <a:defRPr/>
+            </a:pPr>
+            <a:fld id="{54702C27-DF2C-D749-ADCF-6DE3C8010870}" type="datetimeFigureOut">
+              <a:rPr lang="en-US"/>
+              <a:pPr>
+                <a:defRPr/>
+              </a:pPr>
+              <a:t>2/19/15</a:t>
             </a:fld>
             <a:endParaRPr lang="en-US"/>
           </a:p>
@@ -1419,7 +4810,7 @@
       </p:sp>
       <p:sp>
         <p:nvSpPr>
-          <p:cNvPr id="6" name="Footer Placeholder 5"/>
+          <p:cNvPr id="6" name="Footer Placeholder 4"/>
           <p:cNvSpPr>
             <a:spLocks noGrp="1"/>
           </p:cNvSpPr>
@@ -1430,15 +4821,22 @@
         <p:spPr/>
         <p:txBody>
           <a:bodyPr/>
-          <a:lstStyle/>
-          <a:p>
+          <a:lstStyle>
+            <a:lvl1pPr>
+              <a:defRPr/>
+            </a:lvl1pPr>
+          </a:lstStyle>
+          <a:p>
+            <a:pPr>
+              <a:defRPr/>
+            </a:pPr>
             <a:endParaRPr lang="en-US"/>
           </a:p>
         </p:txBody>
       </p:sp>
       <p:sp>
         <p:nvSpPr>
-          <p:cNvPr id="7" name="Slide Number Placeholder 6"/>
+          <p:cNvPr id="7" name="Slide Number Placeholder 5"/>
           <p:cNvSpPr>
             <a:spLocks noGrp="1"/>
           </p:cNvSpPr>
@@ -1449,10 +4847,20 @@
         <p:spPr/>
         <p:txBody>
           <a:bodyPr/>
-          <a:lstStyle/>
-          <a:p>
-            <a:fld id="{3316C05E-8571-4D47-91A2-95FC418F336E}" type="slidenum">
-              <a:rPr lang="en-US" smtClean="0"/>
+          <a:lstStyle>
+            <a:lvl1pPr>
+              <a:defRPr/>
+            </a:lvl1pPr>
+          </a:lstStyle>
+          <a:p>
+            <a:pPr>
+              <a:defRPr/>
+            </a:pPr>
+            <a:fld id="{00D19F57-8716-294D-9ADC-B0BB8367523C}" type="slidenum">
+              <a:rPr lang="en-US"/>
+              <a:pPr>
+                <a:defRPr/>
+              </a:pPr>
               <a:t>‹#›</a:t>
             </a:fld>
             <a:endParaRPr lang="en-US"/>
@@ -1460,6 +4868,11 @@
         </p:txBody>
       </p:sp>
     </p:spTree>
+    <p:extLst>
+      <p:ext uri="{BB962C8B-B14F-4D97-AF65-F5344CB8AC3E}">
+        <p14:creationId xmlns:p14="http://schemas.microsoft.com/office/powerpoint/2010/main" val="1989698825"/>
+      </p:ext>
+    </p:extLst>
   </p:cSld>
   <p:clrMapOvr>
     <a:masterClrMapping/>
@@ -1484,6 +4897,41 @@
           <a:chExt cx="0" cy="0"/>
         </a:xfrm>
       </p:grpSpPr>
+      <p:cxnSp>
+        <p:nvCxnSpPr>
+          <p:cNvPr id="7" name="Straight Connector 6"/>
+          <p:cNvCxnSpPr/>
+          <p:nvPr/>
+        </p:nvCxnSpPr>
+        <p:spPr>
+          <a:xfrm rot="5400000">
+            <a:off x="2218531" y="4045744"/>
+            <a:ext cx="4708525" cy="1588"/>
+          </a:xfrm>
+          <a:prstGeom prst="line">
+            <a:avLst/>
+          </a:prstGeom>
+          <a:ln w="19050">
+            <a:solidFill>
+              <a:schemeClr val="tx2"/>
+            </a:solidFill>
+          </a:ln>
+        </p:spPr>
+        <p:style>
+          <a:lnRef idx="1">
+            <a:schemeClr val="accent1"/>
+          </a:lnRef>
+          <a:fillRef idx="0">
+            <a:schemeClr val="accent1"/>
+          </a:fillRef>
+          <a:effectRef idx="0">
+            <a:schemeClr val="accent1"/>
+          </a:effectRef>
+          <a:fontRef idx="minor">
+            <a:schemeClr val="tx1"/>
+          </a:fontRef>
+        </p:style>
+      </p:cxnSp>
       <p:sp>
         <p:nvSpPr>
           <p:cNvPr id="2" name="Title 1"/>
@@ -1862,7 +5310,7 @@
       </p:sp>
       <p:sp>
         <p:nvSpPr>
-          <p:cNvPr id="7" name="Date Placeholder 6"/>
+          <p:cNvPr id="8" name="Date Placeholder 6"/>
           <p:cNvSpPr>
             <a:spLocks noGrp="1"/>
           </p:cNvSpPr>
@@ -1873,11 +5321,21 @@
         <p:spPr/>
         <p:txBody>
           <a:bodyPr/>
-          <a:lstStyle/>
-          <a:p>
-            <a:fld id="{D2EA1B8A-F765-41C6-AECF-D6768B2D240E}" type="datetimeFigureOut">
-              <a:rPr lang="en-US" smtClean="0"/>
-              <a:t>2/5/15</a:t>
+          <a:lstStyle>
+            <a:lvl1pPr>
+              <a:defRPr/>
+            </a:lvl1pPr>
+          </a:lstStyle>
+          <a:p>
+            <a:pPr>
+              <a:defRPr/>
+            </a:pPr>
+            <a:fld id="{5802FF47-3D08-2442-A801-BED9BF7B1095}" type="datetimeFigureOut">
+              <a:rPr lang="en-US"/>
+              <a:pPr>
+                <a:defRPr/>
+              </a:pPr>
+              <a:t>2/19/15</a:t>
             </a:fld>
             <a:endParaRPr lang="en-US"/>
           </a:p>
@@ -1885,7 +5343,7 @@
       </p:sp>
       <p:sp>
         <p:nvSpPr>
-          <p:cNvPr id="8" name="Footer Placeholder 7"/>
+          <p:cNvPr id="9" name="Footer Placeholder 7"/>
           <p:cNvSpPr>
             <a:spLocks noGrp="1"/>
           </p:cNvSpPr>
@@ -1896,15 +5354,22 @@
         <p:spPr/>
         <p:txBody>
           <a:bodyPr/>
-          <a:lstStyle/>
-          <a:p>
+          <a:lstStyle>
+            <a:lvl1pPr>
+              <a:defRPr/>
+            </a:lvl1pPr>
+          </a:lstStyle>
+          <a:p>
+            <a:pPr>
+              <a:defRPr/>
+            </a:pPr>
             <a:endParaRPr lang="en-US"/>
           </a:p>
         </p:txBody>
       </p:sp>
       <p:sp>
         <p:nvSpPr>
-          <p:cNvPr id="9" name="Slide Number Placeholder 8"/>
+          <p:cNvPr id="10" name="Slide Number Placeholder 8"/>
           <p:cNvSpPr>
             <a:spLocks noGrp="1"/>
           </p:cNvSpPr>
@@ -1915,26 +5380,333 @@
         <p:spPr/>
         <p:txBody>
           <a:bodyPr/>
-          <a:lstStyle/>
-          <a:p>
-            <a:fld id="{3316C05E-8571-4D47-91A2-95FC418F336E}" type="slidenum">
-              <a:rPr lang="en-US" smtClean="0"/>
+          <a:lstStyle>
+            <a:lvl1pPr>
+              <a:defRPr/>
+            </a:lvl1pPr>
+          </a:lstStyle>
+          <a:p>
+            <a:pPr>
+              <a:defRPr/>
+            </a:pPr>
+            <a:fld id="{2CACB044-E1E6-3E4F-9DAE-7D63F92CD966}" type="slidenum">
+              <a:rPr lang="en-US"/>
+              <a:pPr>
+                <a:defRPr/>
+              </a:pPr>
               <a:t>‹#›</a:t>
             </a:fld>
             <a:endParaRPr lang="en-US"/>
           </a:p>
         </p:txBody>
       </p:sp>
+    </p:spTree>
+    <p:extLst>
+      <p:ext uri="{BB962C8B-B14F-4D97-AF65-F5344CB8AC3E}">
+        <p14:creationId xmlns:p14="http://schemas.microsoft.com/office/powerpoint/2010/main" val="1142977821"/>
+      </p:ext>
+    </p:extLst>
+  </p:cSld>
+  <p:clrMapOvr>
+    <a:masterClrMapping/>
+  </p:clrMapOvr>
+</p:sldLayout>
+</file>
+
+<file path=ppt/slideLayouts/slideLayout6.xml><?xml version="1.0" encoding="utf-8"?>
+<p:sldLayout xmlns:a="http://schemas.openxmlformats.org/drawingml/2006/main" xmlns:r="http://schemas.openxmlformats.org/officeDocument/2006/relationships" xmlns:p="http://schemas.openxmlformats.org/presentationml/2006/main" type="titleOnly" preserve="1">
+  <p:cSld name="Title Only">
+    <p:spTree>
+      <p:nvGrpSpPr>
+        <p:cNvPr id="1" name=""/>
+        <p:cNvGrpSpPr/>
+        <p:nvPr/>
+      </p:nvGrpSpPr>
+      <p:grpSpPr>
+        <a:xfrm>
+          <a:off x="0" y="0"/>
+          <a:ext cx="0" cy="0"/>
+          <a:chOff x="0" y="0"/>
+          <a:chExt cx="0" cy="0"/>
+        </a:xfrm>
+      </p:grpSpPr>
+      <p:sp>
+        <p:nvSpPr>
+          <p:cNvPr id="2" name="Title 1"/>
+          <p:cNvSpPr>
+            <a:spLocks noGrp="1"/>
+          </p:cNvSpPr>
+          <p:nvPr>
+            <p:ph type="title"/>
+          </p:nvPr>
+        </p:nvSpPr>
+        <p:spPr/>
+        <p:txBody>
+          <a:bodyPr/>
+          <a:lstStyle/>
+          <a:p>
+            <a:r>
+              <a:rPr lang="en-US" smtClean="0"/>
+              <a:t>Click to edit Master title style</a:t>
+            </a:r>
+            <a:endParaRPr lang="en-US"/>
+          </a:p>
+        </p:txBody>
+      </p:sp>
+      <p:sp>
+        <p:nvSpPr>
+          <p:cNvPr id="3" name="Date Placeholder 3"/>
+          <p:cNvSpPr>
+            <a:spLocks noGrp="1"/>
+          </p:cNvSpPr>
+          <p:nvPr>
+            <p:ph type="dt" sz="half" idx="10"/>
+          </p:nvPr>
+        </p:nvSpPr>
+        <p:spPr/>
+        <p:txBody>
+          <a:bodyPr/>
+          <a:lstStyle>
+            <a:lvl1pPr>
+              <a:defRPr/>
+            </a:lvl1pPr>
+          </a:lstStyle>
+          <a:p>
+            <a:pPr>
+              <a:defRPr/>
+            </a:pPr>
+            <a:fld id="{8F47046F-7033-174D-AC7A-691A1E290D51}" type="datetimeFigureOut">
+              <a:rPr lang="en-US"/>
+              <a:pPr>
+                <a:defRPr/>
+              </a:pPr>
+              <a:t>2/19/15</a:t>
+            </a:fld>
+            <a:endParaRPr lang="en-US"/>
+          </a:p>
+        </p:txBody>
+      </p:sp>
+      <p:sp>
+        <p:nvSpPr>
+          <p:cNvPr id="4" name="Footer Placeholder 4"/>
+          <p:cNvSpPr>
+            <a:spLocks noGrp="1"/>
+          </p:cNvSpPr>
+          <p:nvPr>
+            <p:ph type="ftr" sz="quarter" idx="11"/>
+          </p:nvPr>
+        </p:nvSpPr>
+        <p:spPr/>
+        <p:txBody>
+          <a:bodyPr/>
+          <a:lstStyle>
+            <a:lvl1pPr>
+              <a:defRPr/>
+            </a:lvl1pPr>
+          </a:lstStyle>
+          <a:p>
+            <a:pPr>
+              <a:defRPr/>
+            </a:pPr>
+            <a:endParaRPr lang="en-US"/>
+          </a:p>
+        </p:txBody>
+      </p:sp>
+      <p:sp>
+        <p:nvSpPr>
+          <p:cNvPr id="5" name="Slide Number Placeholder 5"/>
+          <p:cNvSpPr>
+            <a:spLocks noGrp="1"/>
+          </p:cNvSpPr>
+          <p:nvPr>
+            <p:ph type="sldNum" sz="quarter" idx="12"/>
+          </p:nvPr>
+        </p:nvSpPr>
+        <p:spPr/>
+        <p:txBody>
+          <a:bodyPr/>
+          <a:lstStyle>
+            <a:lvl1pPr>
+              <a:defRPr/>
+            </a:lvl1pPr>
+          </a:lstStyle>
+          <a:p>
+            <a:pPr>
+              <a:defRPr/>
+            </a:pPr>
+            <a:fld id="{F3390524-2B49-E74B-A80F-3F94BB796AF7}" type="slidenum">
+              <a:rPr lang="en-US"/>
+              <a:pPr>
+                <a:defRPr/>
+              </a:pPr>
+              <a:t>‹#›</a:t>
+            </a:fld>
+            <a:endParaRPr lang="en-US"/>
+          </a:p>
+        </p:txBody>
+      </p:sp>
+    </p:spTree>
+    <p:extLst>
+      <p:ext uri="{BB962C8B-B14F-4D97-AF65-F5344CB8AC3E}">
+        <p14:creationId xmlns:p14="http://schemas.microsoft.com/office/powerpoint/2010/main" val="278102872"/>
+      </p:ext>
+    </p:extLst>
+  </p:cSld>
+  <p:clrMapOvr>
+    <a:masterClrMapping/>
+  </p:clrMapOvr>
+</p:sldLayout>
+</file>
+
+<file path=ppt/slideLayouts/slideLayout7.xml><?xml version="1.0" encoding="utf-8"?>
+<p:sldLayout xmlns:a="http://schemas.openxmlformats.org/drawingml/2006/main" xmlns:r="http://schemas.openxmlformats.org/officeDocument/2006/relationships" xmlns:p="http://schemas.openxmlformats.org/presentationml/2006/main" type="blank" preserve="1">
+  <p:cSld name="Blank">
+    <p:spTree>
+      <p:nvGrpSpPr>
+        <p:cNvPr id="1" name=""/>
+        <p:cNvGrpSpPr/>
+        <p:nvPr/>
+      </p:nvGrpSpPr>
+      <p:grpSpPr>
+        <a:xfrm>
+          <a:off x="0" y="0"/>
+          <a:ext cx="0" cy="0"/>
+          <a:chOff x="0" y="0"/>
+          <a:chExt cx="0" cy="0"/>
+        </a:xfrm>
+      </p:grpSpPr>
+      <p:sp>
+        <p:nvSpPr>
+          <p:cNvPr id="2" name="Date Placeholder 3"/>
+          <p:cNvSpPr>
+            <a:spLocks noGrp="1"/>
+          </p:cNvSpPr>
+          <p:nvPr>
+            <p:ph type="dt" sz="half" idx="10"/>
+          </p:nvPr>
+        </p:nvSpPr>
+        <p:spPr/>
+        <p:txBody>
+          <a:bodyPr/>
+          <a:lstStyle>
+            <a:lvl1pPr>
+              <a:defRPr/>
+            </a:lvl1pPr>
+          </a:lstStyle>
+          <a:p>
+            <a:pPr>
+              <a:defRPr/>
+            </a:pPr>
+            <a:fld id="{C84F2A21-937D-1C49-826F-6EF5A2F6101A}" type="datetimeFigureOut">
+              <a:rPr lang="en-US"/>
+              <a:pPr>
+                <a:defRPr/>
+              </a:pPr>
+              <a:t>2/19/15</a:t>
+            </a:fld>
+            <a:endParaRPr lang="en-US"/>
+          </a:p>
+        </p:txBody>
+      </p:sp>
+      <p:sp>
+        <p:nvSpPr>
+          <p:cNvPr id="3" name="Footer Placeholder 4"/>
+          <p:cNvSpPr>
+            <a:spLocks noGrp="1"/>
+          </p:cNvSpPr>
+          <p:nvPr>
+            <p:ph type="ftr" sz="quarter" idx="11"/>
+          </p:nvPr>
+        </p:nvSpPr>
+        <p:spPr/>
+        <p:txBody>
+          <a:bodyPr/>
+          <a:lstStyle>
+            <a:lvl1pPr>
+              <a:defRPr/>
+            </a:lvl1pPr>
+          </a:lstStyle>
+          <a:p>
+            <a:pPr>
+              <a:defRPr/>
+            </a:pPr>
+            <a:endParaRPr lang="en-US"/>
+          </a:p>
+        </p:txBody>
+      </p:sp>
+      <p:sp>
+        <p:nvSpPr>
+          <p:cNvPr id="4" name="Slide Number Placeholder 5"/>
+          <p:cNvSpPr>
+            <a:spLocks noGrp="1"/>
+          </p:cNvSpPr>
+          <p:nvPr>
+            <p:ph type="sldNum" sz="quarter" idx="12"/>
+          </p:nvPr>
+        </p:nvSpPr>
+        <p:spPr/>
+        <p:txBody>
+          <a:bodyPr/>
+          <a:lstStyle>
+            <a:lvl1pPr>
+              <a:defRPr/>
+            </a:lvl1pPr>
+          </a:lstStyle>
+          <a:p>
+            <a:pPr>
+              <a:defRPr/>
+            </a:pPr>
+            <a:fld id="{D924908A-1F52-2047-83D9-E57913156AC1}" type="slidenum">
+              <a:rPr lang="en-US"/>
+              <a:pPr>
+                <a:defRPr/>
+              </a:pPr>
+              <a:t>‹#›</a:t>
+            </a:fld>
+            <a:endParaRPr lang="en-US"/>
+          </a:p>
+        </p:txBody>
+      </p:sp>
+    </p:spTree>
+    <p:extLst>
+      <p:ext uri="{BB962C8B-B14F-4D97-AF65-F5344CB8AC3E}">
+        <p14:creationId xmlns:p14="http://schemas.microsoft.com/office/powerpoint/2010/main" val="3161630324"/>
+      </p:ext>
+    </p:extLst>
+  </p:cSld>
+  <p:clrMapOvr>
+    <a:masterClrMapping/>
+  </p:clrMapOvr>
+</p:sldLayout>
+</file>
+
+<file path=ppt/slideLayouts/slideLayout8.xml><?xml version="1.0" encoding="utf-8"?>
+<p:sldLayout xmlns:a="http://schemas.openxmlformats.org/drawingml/2006/main" xmlns:r="http://schemas.openxmlformats.org/officeDocument/2006/relationships" xmlns:p="http://schemas.openxmlformats.org/presentationml/2006/main" type="objTx" preserve="1">
+  <p:cSld name="Content with Caption">
+    <p:spTree>
+      <p:nvGrpSpPr>
+        <p:cNvPr id="1" name=""/>
+        <p:cNvGrpSpPr/>
+        <p:nvPr/>
+      </p:nvGrpSpPr>
+      <p:grpSpPr>
+        <a:xfrm>
+          <a:off x="0" y="0"/>
+          <a:ext cx="0" cy="0"/>
+          <a:chOff x="0" y="0"/>
+          <a:chExt cx="0" cy="0"/>
+        </a:xfrm>
+      </p:grpSpPr>
       <p:cxnSp>
         <p:nvCxnSpPr>
-          <p:cNvPr id="11" name="Straight Connector 10"/>
+          <p:cNvPr id="5" name="Straight Connector 4"/>
           <p:cNvCxnSpPr/>
           <p:nvPr/>
         </p:nvCxnSpPr>
         <p:spPr>
           <a:xfrm rot="5400000">
-            <a:off x="2217817" y="4045823"/>
-            <a:ext cx="4709160" cy="794"/>
+            <a:off x="-13494" y="3580607"/>
+            <a:ext cx="5578475" cy="1588"/>
           </a:xfrm>
           <a:prstGeom prst="line">
             <a:avLst/>
@@ -1960,234 +5732,6 @@
           </a:fontRef>
         </p:style>
       </p:cxnSp>
-    </p:spTree>
-  </p:cSld>
-  <p:clrMapOvr>
-    <a:masterClrMapping/>
-  </p:clrMapOvr>
-</p:sldLayout>
-</file>
-
-<file path=ppt/slideLayouts/slideLayout6.xml><?xml version="1.0" encoding="utf-8"?>
-<p:sldLayout xmlns:a="http://schemas.openxmlformats.org/drawingml/2006/main" xmlns:r="http://schemas.openxmlformats.org/officeDocument/2006/relationships" xmlns:p="http://schemas.openxmlformats.org/presentationml/2006/main" type="titleOnly" preserve="1">
-  <p:cSld name="Title Only">
-    <p:spTree>
-      <p:nvGrpSpPr>
-        <p:cNvPr id="1" name=""/>
-        <p:cNvGrpSpPr/>
-        <p:nvPr/>
-      </p:nvGrpSpPr>
-      <p:grpSpPr>
-        <a:xfrm>
-          <a:off x="0" y="0"/>
-          <a:ext cx="0" cy="0"/>
-          <a:chOff x="0" y="0"/>
-          <a:chExt cx="0" cy="0"/>
-        </a:xfrm>
-      </p:grpSpPr>
-      <p:sp>
-        <p:nvSpPr>
-          <p:cNvPr id="2" name="Title 1"/>
-          <p:cNvSpPr>
-            <a:spLocks noGrp="1"/>
-          </p:cNvSpPr>
-          <p:nvPr>
-            <p:ph type="title"/>
-          </p:nvPr>
-        </p:nvSpPr>
-        <p:spPr/>
-        <p:txBody>
-          <a:bodyPr/>
-          <a:lstStyle/>
-          <a:p>
-            <a:r>
-              <a:rPr lang="en-US" smtClean="0"/>
-              <a:t>Click to edit Master title style</a:t>
-            </a:r>
-            <a:endParaRPr lang="en-US"/>
-          </a:p>
-        </p:txBody>
-      </p:sp>
-      <p:sp>
-        <p:nvSpPr>
-          <p:cNvPr id="3" name="Date Placeholder 2"/>
-          <p:cNvSpPr>
-            <a:spLocks noGrp="1"/>
-          </p:cNvSpPr>
-          <p:nvPr>
-            <p:ph type="dt" sz="half" idx="10"/>
-          </p:nvPr>
-        </p:nvSpPr>
-        <p:spPr/>
-        <p:txBody>
-          <a:bodyPr/>
-          <a:lstStyle/>
-          <a:p>
-            <a:fld id="{D2EA1B8A-F765-41C6-AECF-D6768B2D240E}" type="datetimeFigureOut">
-              <a:rPr lang="en-US" smtClean="0"/>
-              <a:t>2/5/15</a:t>
-            </a:fld>
-            <a:endParaRPr lang="en-US"/>
-          </a:p>
-        </p:txBody>
-      </p:sp>
-      <p:sp>
-        <p:nvSpPr>
-          <p:cNvPr id="4" name="Footer Placeholder 3"/>
-          <p:cNvSpPr>
-            <a:spLocks noGrp="1"/>
-          </p:cNvSpPr>
-          <p:nvPr>
-            <p:ph type="ftr" sz="quarter" idx="11"/>
-          </p:nvPr>
-        </p:nvSpPr>
-        <p:spPr/>
-        <p:txBody>
-          <a:bodyPr/>
-          <a:lstStyle/>
-          <a:p>
-            <a:endParaRPr lang="en-US"/>
-          </a:p>
-        </p:txBody>
-      </p:sp>
-      <p:sp>
-        <p:nvSpPr>
-          <p:cNvPr id="5" name="Slide Number Placeholder 4"/>
-          <p:cNvSpPr>
-            <a:spLocks noGrp="1"/>
-          </p:cNvSpPr>
-          <p:nvPr>
-            <p:ph type="sldNum" sz="quarter" idx="12"/>
-          </p:nvPr>
-        </p:nvSpPr>
-        <p:spPr/>
-        <p:txBody>
-          <a:bodyPr/>
-          <a:lstStyle/>
-          <a:p>
-            <a:fld id="{3316C05E-8571-4D47-91A2-95FC418F336E}" type="slidenum">
-              <a:rPr lang="en-US" smtClean="0"/>
-              <a:t>‹#›</a:t>
-            </a:fld>
-            <a:endParaRPr lang="en-US"/>
-          </a:p>
-        </p:txBody>
-      </p:sp>
-    </p:spTree>
-  </p:cSld>
-  <p:clrMapOvr>
-    <a:masterClrMapping/>
-  </p:clrMapOvr>
-</p:sldLayout>
-</file>
-
-<file path=ppt/slideLayouts/slideLayout7.xml><?xml version="1.0" encoding="utf-8"?>
-<p:sldLayout xmlns:a="http://schemas.openxmlformats.org/drawingml/2006/main" xmlns:r="http://schemas.openxmlformats.org/officeDocument/2006/relationships" xmlns:p="http://schemas.openxmlformats.org/presentationml/2006/main" type="blank" preserve="1">
-  <p:cSld name="Blank">
-    <p:spTree>
-      <p:nvGrpSpPr>
-        <p:cNvPr id="1" name=""/>
-        <p:cNvGrpSpPr/>
-        <p:nvPr/>
-      </p:nvGrpSpPr>
-      <p:grpSpPr>
-        <a:xfrm>
-          <a:off x="0" y="0"/>
-          <a:ext cx="0" cy="0"/>
-          <a:chOff x="0" y="0"/>
-          <a:chExt cx="0" cy="0"/>
-        </a:xfrm>
-      </p:grpSpPr>
-      <p:sp>
-        <p:nvSpPr>
-          <p:cNvPr id="2" name="Date Placeholder 1"/>
-          <p:cNvSpPr>
-            <a:spLocks noGrp="1"/>
-          </p:cNvSpPr>
-          <p:nvPr>
-            <p:ph type="dt" sz="half" idx="10"/>
-          </p:nvPr>
-        </p:nvSpPr>
-        <p:spPr/>
-        <p:txBody>
-          <a:bodyPr/>
-          <a:lstStyle/>
-          <a:p>
-            <a:fld id="{D2EA1B8A-F765-41C6-AECF-D6768B2D240E}" type="datetimeFigureOut">
-              <a:rPr lang="en-US" smtClean="0"/>
-              <a:t>2/5/15</a:t>
-            </a:fld>
-            <a:endParaRPr lang="en-US"/>
-          </a:p>
-        </p:txBody>
-      </p:sp>
-      <p:sp>
-        <p:nvSpPr>
-          <p:cNvPr id="3" name="Footer Placeholder 2"/>
-          <p:cNvSpPr>
-            <a:spLocks noGrp="1"/>
-          </p:cNvSpPr>
-          <p:nvPr>
-            <p:ph type="ftr" sz="quarter" idx="11"/>
-          </p:nvPr>
-        </p:nvSpPr>
-        <p:spPr/>
-        <p:txBody>
-          <a:bodyPr/>
-          <a:lstStyle/>
-          <a:p>
-            <a:endParaRPr lang="en-US"/>
-          </a:p>
-        </p:txBody>
-      </p:sp>
-      <p:sp>
-        <p:nvSpPr>
-          <p:cNvPr id="4" name="Slide Number Placeholder 3"/>
-          <p:cNvSpPr>
-            <a:spLocks noGrp="1"/>
-          </p:cNvSpPr>
-          <p:nvPr>
-            <p:ph type="sldNum" sz="quarter" idx="12"/>
-          </p:nvPr>
-        </p:nvSpPr>
-        <p:spPr/>
-        <p:txBody>
-          <a:bodyPr/>
-          <a:lstStyle/>
-          <a:p>
-            <a:fld id="{3316C05E-8571-4D47-91A2-95FC418F336E}" type="slidenum">
-              <a:rPr lang="en-US" smtClean="0"/>
-              <a:t>‹#›</a:t>
-            </a:fld>
-            <a:endParaRPr lang="en-US"/>
-          </a:p>
-        </p:txBody>
-      </p:sp>
-    </p:spTree>
-  </p:cSld>
-  <p:clrMapOvr>
-    <a:masterClrMapping/>
-  </p:clrMapOvr>
-</p:sldLayout>
-</file>
-
-<file path=ppt/slideLayouts/slideLayout8.xml><?xml version="1.0" encoding="utf-8"?>
-<p:sldLayout xmlns:a="http://schemas.openxmlformats.org/drawingml/2006/main" xmlns:r="http://schemas.openxmlformats.org/officeDocument/2006/relationships" xmlns:p="http://schemas.openxmlformats.org/presentationml/2006/main" type="objTx" preserve="1">
-  <p:cSld name="Content with Caption">
-    <p:spTree>
-      <p:nvGrpSpPr>
-        <p:cNvPr id="1" name=""/>
-        <p:cNvGrpSpPr/>
-        <p:nvPr/>
-      </p:nvGrpSpPr>
-      <p:grpSpPr>
-        <a:xfrm>
-          <a:off x="0" y="0"/>
-          <a:ext cx="0" cy="0"/>
-          <a:chOff x="0" y="0"/>
-          <a:chExt cx="0" cy="0"/>
-        </a:xfrm>
-      </p:grpSpPr>
       <p:sp>
         <p:nvSpPr>
           <p:cNvPr id="2" name="Title 1"/>
@@ -2374,7 +5918,7 @@
       </p:sp>
       <p:sp>
         <p:nvSpPr>
-          <p:cNvPr id="5" name="Date Placeholder 4"/>
+          <p:cNvPr id="6" name="Date Placeholder 4"/>
           <p:cNvSpPr>
             <a:spLocks noGrp="1"/>
           </p:cNvSpPr>
@@ -2385,11 +5929,21 @@
         <p:spPr/>
         <p:txBody>
           <a:bodyPr/>
-          <a:lstStyle/>
-          <a:p>
-            <a:fld id="{D2EA1B8A-F765-41C6-AECF-D6768B2D240E}" type="datetimeFigureOut">
-              <a:rPr lang="en-US" smtClean="0"/>
-              <a:t>2/5/15</a:t>
+          <a:lstStyle>
+            <a:lvl1pPr>
+              <a:defRPr/>
+            </a:lvl1pPr>
+          </a:lstStyle>
+          <a:p>
+            <a:pPr>
+              <a:defRPr/>
+            </a:pPr>
+            <a:fld id="{93E9590E-5CEA-9A49-871A-9855B9DCBFA0}" type="datetimeFigureOut">
+              <a:rPr lang="en-US"/>
+              <a:pPr>
+                <a:defRPr/>
+              </a:pPr>
+              <a:t>2/19/15</a:t>
             </a:fld>
             <a:endParaRPr lang="en-US"/>
           </a:p>
@@ -2397,7 +5951,7 @@
       </p:sp>
       <p:sp>
         <p:nvSpPr>
-          <p:cNvPr id="6" name="Footer Placeholder 5"/>
+          <p:cNvPr id="7" name="Footer Placeholder 5"/>
           <p:cNvSpPr>
             <a:spLocks noGrp="1"/>
           </p:cNvSpPr>
@@ -2408,15 +5962,22 @@
         <p:spPr/>
         <p:txBody>
           <a:bodyPr/>
-          <a:lstStyle/>
-          <a:p>
+          <a:lstStyle>
+            <a:lvl1pPr>
+              <a:defRPr/>
+            </a:lvl1pPr>
+          </a:lstStyle>
+          <a:p>
+            <a:pPr>
+              <a:defRPr/>
+            </a:pPr>
             <a:endParaRPr lang="en-US"/>
           </a:p>
         </p:txBody>
       </p:sp>
       <p:sp>
         <p:nvSpPr>
-          <p:cNvPr id="7" name="Slide Number Placeholder 6"/>
+          <p:cNvPr id="8" name="Slide Number Placeholder 6"/>
           <p:cNvSpPr>
             <a:spLocks noGrp="1"/>
           </p:cNvSpPr>
@@ -2427,52 +5988,32 @@
         <p:spPr/>
         <p:txBody>
           <a:bodyPr/>
-          <a:lstStyle/>
-          <a:p>
-            <a:fld id="{3316C05E-8571-4D47-91A2-95FC418F336E}" type="slidenum">
-              <a:rPr lang="en-US" smtClean="0"/>
+          <a:lstStyle>
+            <a:lvl1pPr>
+              <a:defRPr/>
+            </a:lvl1pPr>
+          </a:lstStyle>
+          <a:p>
+            <a:pPr>
+              <a:defRPr/>
+            </a:pPr>
+            <a:fld id="{050A61A3-95FD-AD4D-8F98-0BBF5EFF0D41}" type="slidenum">
+              <a:rPr lang="en-US"/>
+              <a:pPr>
+                <a:defRPr/>
+              </a:pPr>
               <a:t>‹#›</a:t>
             </a:fld>
             <a:endParaRPr lang="en-US"/>
           </a:p>
         </p:txBody>
       </p:sp>
-      <p:cxnSp>
-        <p:nvCxnSpPr>
-          <p:cNvPr id="9" name="Straight Connector 8"/>
-          <p:cNvCxnSpPr/>
-          <p:nvPr/>
-        </p:nvCxnSpPr>
-        <p:spPr>
-          <a:xfrm rot="5400000">
-            <a:off x="-13116" y="3580206"/>
-            <a:ext cx="5577840" cy="1588"/>
-          </a:xfrm>
-          <a:prstGeom prst="line">
-            <a:avLst/>
-          </a:prstGeom>
-          <a:ln w="19050">
-            <a:solidFill>
-              <a:schemeClr val="tx2"/>
-            </a:solidFill>
-          </a:ln>
-        </p:spPr>
-        <p:style>
-          <a:lnRef idx="1">
-            <a:schemeClr val="accent1"/>
-          </a:lnRef>
-          <a:fillRef idx="0">
-            <a:schemeClr val="accent1"/>
-          </a:fillRef>
-          <a:effectRef idx="0">
-            <a:schemeClr val="accent1"/>
-          </a:effectRef>
-          <a:fontRef idx="minor">
-            <a:schemeClr val="tx1"/>
-          </a:fontRef>
-        </p:style>
-      </p:cxnSp>
     </p:spTree>
+    <p:extLst>
+      <p:ext uri="{BB962C8B-B14F-4D97-AF65-F5344CB8AC3E}">
+        <p14:creationId xmlns:p14="http://schemas.microsoft.com/office/powerpoint/2010/main" val="746998418"/>
+      </p:ext>
+    </p:extLst>
   </p:cSld>
   <p:clrMapOvr>
     <a:masterClrMapping/>
@@ -2514,9 +6055,7 @@
           </a:xfrm>
         </p:spPr>
         <p:txBody>
-          <a:bodyPr anchor="b">
-            <a:normAutofit/>
-          </a:bodyPr>
+          <a:bodyPr anchor="b"/>
           <a:lstStyle>
             <a:lvl1pPr algn="l">
               <a:defRPr sz="2400" b="0"/>
@@ -2564,7 +6103,9 @@
           </a:effectLst>
         </p:spPr>
         <p:txBody>
-          <a:bodyPr/>
+          <a:bodyPr rtlCol="0">
+            <a:normAutofit/>
+          </a:bodyPr>
           <a:lstStyle>
             <a:lvl1pPr marL="0" indent="0">
               <a:buNone/>
@@ -2604,11 +6145,12 @@
             </a:lvl9pPr>
           </a:lstStyle>
           <a:p>
-            <a:r>
-              <a:rPr lang="en-US" smtClean="0"/>
+            <a:pPr lvl="0"/>
+            <a:r>
+              <a:rPr lang="en-US" noProof="0" smtClean="0"/>
               <a:t>Drag picture to placeholder or click icon to add</a:t>
             </a:r>
-            <a:endParaRPr lang="en-US" dirty="0"/>
+            <a:endParaRPr lang="en-US" noProof="0" dirty="0"/>
           </a:p>
         </p:txBody>
       </p:sp>
@@ -2679,7 +6221,7 @@
       </p:sp>
       <p:sp>
         <p:nvSpPr>
-          <p:cNvPr id="5" name="Date Placeholder 4"/>
+          <p:cNvPr id="5" name="Date Placeholder 3"/>
           <p:cNvSpPr>
             <a:spLocks noGrp="1"/>
           </p:cNvSpPr>
@@ -2690,11 +6232,21 @@
         <p:spPr/>
         <p:txBody>
           <a:bodyPr/>
-          <a:lstStyle/>
-          <a:p>
-            <a:fld id="{D2EA1B8A-F765-41C6-AECF-D6768B2D240E}" type="datetimeFigureOut">
-              <a:rPr lang="en-US" smtClean="0"/>
-              <a:t>2/5/15</a:t>
+          <a:lstStyle>
+            <a:lvl1pPr>
+              <a:defRPr/>
+            </a:lvl1pPr>
+          </a:lstStyle>
+          <a:p>
+            <a:pPr>
+              <a:defRPr/>
+            </a:pPr>
+            <a:fld id="{C2FCD1DD-D2AE-3C4A-A098-FB405097455E}" type="datetimeFigureOut">
+              <a:rPr lang="en-US"/>
+              <a:pPr>
+                <a:defRPr/>
+              </a:pPr>
+              <a:t>2/19/15</a:t>
             </a:fld>
             <a:endParaRPr lang="en-US"/>
           </a:p>
@@ -2702,7 +6254,7 @@
       </p:sp>
       <p:sp>
         <p:nvSpPr>
-          <p:cNvPr id="6" name="Footer Placeholder 5"/>
+          <p:cNvPr id="6" name="Footer Placeholder 4"/>
           <p:cNvSpPr>
             <a:spLocks noGrp="1"/>
           </p:cNvSpPr>
@@ -2713,15 +6265,22 @@
         <p:spPr/>
         <p:txBody>
           <a:bodyPr/>
-          <a:lstStyle/>
-          <a:p>
+          <a:lstStyle>
+            <a:lvl1pPr>
+              <a:defRPr/>
+            </a:lvl1pPr>
+          </a:lstStyle>
+          <a:p>
+            <a:pPr>
+              <a:defRPr/>
+            </a:pPr>
             <a:endParaRPr lang="en-US"/>
           </a:p>
         </p:txBody>
       </p:sp>
       <p:sp>
         <p:nvSpPr>
-          <p:cNvPr id="7" name="Slide Number Placeholder 6"/>
+          <p:cNvPr id="7" name="Slide Number Placeholder 5"/>
           <p:cNvSpPr>
             <a:spLocks noGrp="1"/>
           </p:cNvSpPr>
@@ -2732,10 +6291,20 @@
         <p:spPr/>
         <p:txBody>
           <a:bodyPr/>
-          <a:lstStyle/>
-          <a:p>
-            <a:fld id="{3316C05E-8571-4D47-91A2-95FC418F336E}" type="slidenum">
-              <a:rPr lang="en-US" smtClean="0"/>
+          <a:lstStyle>
+            <a:lvl1pPr>
+              <a:defRPr/>
+            </a:lvl1pPr>
+          </a:lstStyle>
+          <a:p>
+            <a:pPr>
+              <a:defRPr/>
+            </a:pPr>
+            <a:fld id="{FC1FA5EF-87D0-8A4E-9A30-CD8E9ACCDC44}" type="slidenum">
+              <a:rPr lang="en-US"/>
+              <a:pPr>
+                <a:defRPr/>
+              </a:pPr>
               <a:t>‹#›</a:t>
             </a:fld>
             <a:endParaRPr lang="en-US"/>
@@ -2743,6 +6312,11 @@
         </p:txBody>
       </p:sp>
     </p:spTree>
+    <p:extLst>
+      <p:ext uri="{BB962C8B-B14F-4D97-AF65-F5344CB8AC3E}">
+        <p14:creationId xmlns:p14="http://schemas.microsoft.com/office/powerpoint/2010/main" val="3174299538"/>
+      </p:ext>
+    </p:extLst>
   </p:cSld>
   <p:clrMapOvr>
     <a:masterClrMapping/>
@@ -2780,7 +6354,7 @@
         </p:nvSpPr>
         <p:spPr>
           <a:xfrm>
-            <a:off x="0" y="220786"/>
+            <a:off x="0" y="220663"/>
             <a:ext cx="9144000" cy="228600"/>
           </a:xfrm>
           <a:prstGeom prst="rect">
@@ -2810,10 +6384,18 @@
           </a:fontRef>
         </p:style>
         <p:txBody>
-          <a:bodyPr rtlCol="0" anchor="ctr"/>
+          <a:bodyPr anchor="ctr"/>
           <a:lstStyle/>
           <a:p>
-            <a:pPr algn="ctr"/>
+            <a:pPr algn="ctr" fontAlgn="auto">
+              <a:spcBef>
+                <a:spcPts val="0"/>
+              </a:spcBef>
+              <a:spcAft>
+                <a:spcPts val="0"/>
+              </a:spcAft>
+              <a:defRPr/>
+            </a:pPr>
             <a:endParaRPr lang="en-US"/>
           </a:p>
         </p:txBody>
@@ -2853,7 +6435,7 @@
       </p:sp>
       <p:sp>
         <p:nvSpPr>
-          <p:cNvPr id="3" name="Text Placeholder 2"/>
+          <p:cNvPr id="1028" name="Text Placeholder 2"/>
           <p:cNvSpPr>
             <a:spLocks noGrp="1"/>
           </p:cNvSpPr>
@@ -2861,7 +6443,7 @@
             <p:ph type="body" idx="1"/>
           </p:nvPr>
         </p:nvSpPr>
-        <p:spPr>
+        <p:spPr bwMode="auto">
           <a:xfrm>
             <a:off x="457200" y="1600200"/>
             <a:ext cx="8229600" cy="4876800"/>
@@ -2869,47 +6451,74 @@
           <a:prstGeom prst="rect">
             <a:avLst/>
           </a:prstGeom>
+          <a:noFill/>
+          <a:ln>
+            <a:noFill/>
+          </a:ln>
+          <a:extLst>
+            <a:ext uri="{909E8E84-426E-40dd-AFC4-6F175D3DCCD1}">
+              <a14:hiddenFill xmlns:a14="http://schemas.microsoft.com/office/drawing/2010/main">
+                <a:solidFill>
+                  <a:srgbClr val="FFFFFF"/>
+                </a:solidFill>
+              </a14:hiddenFill>
+            </a:ext>
+            <a:ext uri="{91240B29-F687-4f45-9708-019B960494DF}">
+              <a14:hiddenLine xmlns:a14="http://schemas.microsoft.com/office/drawing/2010/main" w="9525">
+                <a:solidFill>
+                  <a:srgbClr val="000000"/>
+                </a:solidFill>
+                <a:miter lim="800000"/>
+                <a:headEnd/>
+                <a:tailEnd/>
+              </a14:hiddenLine>
+            </a:ext>
+            <a:ext uri="{FAA26D3D-D897-4be2-8F04-BA451C77F1D7}">
+              <ma14:placeholderFlag xmlns:ma14="http://schemas.microsoft.com/office/mac/drawingml/2011/main" val="1"/>
+            </a:ext>
+          </a:extLst>
         </p:spPr>
         <p:txBody>
-          <a:bodyPr vert="horz" lIns="91440" tIns="45720" rIns="91440" bIns="45720" rtlCol="0">
-            <a:normAutofit/>
+          <a:bodyPr vert="horz" wrap="square" lIns="91440" tIns="45720" rIns="91440" bIns="45720" numCol="1" anchor="t" anchorCtr="0" compatLnSpc="1">
+            <a:prstTxWarp prst="textNoShape">
+              <a:avLst/>
+            </a:prstTxWarp>
           </a:bodyPr>
           <a:lstStyle/>
           <a:p>
             <a:pPr lvl="0"/>
             <a:r>
-              <a:rPr lang="en-US" smtClean="0"/>
+              <a:rPr lang="en-US"/>
               <a:t>Click to edit Master text styles</a:t>
             </a:r>
           </a:p>
           <a:p>
             <a:pPr lvl="1"/>
             <a:r>
-              <a:rPr lang="en-US" smtClean="0"/>
+              <a:rPr lang="en-US"/>
               <a:t>Second level</a:t>
             </a:r>
           </a:p>
           <a:p>
             <a:pPr lvl="2"/>
             <a:r>
-              <a:rPr lang="en-US" smtClean="0"/>
+              <a:rPr lang="en-US"/>
               <a:t>Third level</a:t>
             </a:r>
           </a:p>
           <a:p>
             <a:pPr lvl="3"/>
             <a:r>
-              <a:rPr lang="en-US" smtClean="0"/>
+              <a:rPr lang="en-US"/>
               <a:t>Fourth level</a:t>
             </a:r>
           </a:p>
           <a:p>
             <a:pPr lvl="4"/>
             <a:r>
-              <a:rPr lang="en-US" smtClean="0"/>
+              <a:rPr lang="en-US"/>
               <a:t>Fifth level</a:t>
             </a:r>
-            <a:endParaRPr lang="en-US" dirty="0"/>
           </a:p>
         </p:txBody>
       </p:sp>
@@ -2922,7 +6531,7 @@
         <p:spPr>
           <a:xfrm>
             <a:off x="0" y="0"/>
-            <a:ext cx="9144000" cy="365760"/>
+            <a:ext cx="9144000" cy="365125"/>
           </a:xfrm>
           <a:prstGeom prst="rect">
             <a:avLst/>
@@ -2951,10 +6560,18 @@
           </a:fontRef>
         </p:style>
         <p:txBody>
-          <a:bodyPr rtlCol="0" anchor="ctr"/>
+          <a:bodyPr anchor="ctr"/>
           <a:lstStyle/>
           <a:p>
-            <a:pPr algn="ctr"/>
+            <a:pPr algn="ctr" fontAlgn="auto">
+              <a:spcBef>
+                <a:spcPts val="0"/>
+              </a:spcBef>
+              <a:spcAft>
+                <a:spcPts val="0"/>
+              </a:spcAft>
+              <a:defRPr/>
+            </a:pPr>
             <a:endParaRPr lang="en-US"/>
           </a:p>
         </p:txBody>
@@ -2971,8 +6588,8 @@
         </p:nvSpPr>
         <p:spPr>
           <a:xfrm>
-            <a:off x="457200" y="18288"/>
-            <a:ext cx="2895600" cy="329184"/>
+            <a:off x="457200" y="19050"/>
+            <a:ext cx="2895600" cy="328613"/>
           </a:xfrm>
           <a:prstGeom prst="rect">
             <a:avLst/>
@@ -2981,18 +6598,33 @@
         <p:txBody>
           <a:bodyPr vert="horz" lIns="91440" tIns="45720" rIns="91440" bIns="45720" rtlCol="0" anchor="ctr"/>
           <a:lstStyle>
-            <a:lvl1pPr algn="l">
-              <a:defRPr sz="1200">
+            <a:lvl1pPr algn="l" fontAlgn="auto">
+              <a:spcBef>
+                <a:spcPts val="0"/>
+              </a:spcBef>
+              <a:spcAft>
+                <a:spcPts val="0"/>
+              </a:spcAft>
+              <a:defRPr sz="1200" smtClean="0">
                 <a:solidFill>
                   <a:srgbClr val="FFFFFF"/>
                 </a:solidFill>
+                <a:latin typeface="+mn-lt"/>
+                <a:ea typeface="+mn-ea"/>
+                <a:cs typeface="+mn-cs"/>
               </a:defRPr>
             </a:lvl1pPr>
           </a:lstStyle>
           <a:p>
-            <a:fld id="{D2EA1B8A-F765-41C6-AECF-D6768B2D240E}" type="datetimeFigureOut">
-              <a:rPr lang="en-US" smtClean="0"/>
-              <a:t>2/5/15</a:t>
+            <a:pPr>
+              <a:defRPr/>
+            </a:pPr>
+            <a:fld id="{73B7E56E-CBC8-F84C-B9E5-5A82306CFE24}" type="datetimeFigureOut">
+              <a:rPr lang="en-US"/>
+              <a:pPr>
+                <a:defRPr/>
+              </a:pPr>
+              <a:t>2/19/15</a:t>
             </a:fld>
             <a:endParaRPr lang="en-US"/>
           </a:p>
@@ -3010,8 +6642,8 @@
         </p:nvSpPr>
         <p:spPr>
           <a:xfrm>
-            <a:off x="3429000" y="18288"/>
-            <a:ext cx="4114800" cy="329184"/>
+            <a:off x="3429000" y="19050"/>
+            <a:ext cx="4114800" cy="328613"/>
           </a:xfrm>
           <a:prstGeom prst="rect">
             <a:avLst/>
@@ -3020,15 +6652,27 @@
         <p:txBody>
           <a:bodyPr vert="horz" lIns="91440" tIns="45720" rIns="91440" bIns="45720" rtlCol="0" anchor="ctr"/>
           <a:lstStyle>
-            <a:lvl1pPr algn="ctr">
+            <a:lvl1pPr algn="ctr" fontAlgn="auto">
+              <a:spcBef>
+                <a:spcPts val="0"/>
+              </a:spcBef>
+              <a:spcAft>
+                <a:spcPts val="0"/>
+              </a:spcAft>
               <a:defRPr sz="1200">
                 <a:solidFill>
                   <a:srgbClr val="FFFFFF"/>
                 </a:solidFill>
+                <a:latin typeface="+mn-lt"/>
+                <a:ea typeface="+mn-ea"/>
+                <a:cs typeface="+mn-cs"/>
               </a:defRPr>
             </a:lvl1pPr>
           </a:lstStyle>
           <a:p>
+            <a:pPr>
+              <a:defRPr/>
+            </a:pPr>
             <a:endParaRPr lang="en-US"/>
           </a:p>
         </p:txBody>
@@ -3045,8 +6689,8 @@
         </p:nvSpPr>
         <p:spPr>
           <a:xfrm>
-            <a:off x="7620000" y="18288"/>
-            <a:ext cx="1066800" cy="329184"/>
+            <a:off x="7620000" y="19050"/>
+            <a:ext cx="1066800" cy="328613"/>
           </a:xfrm>
           <a:prstGeom prst="rect">
             <a:avLst/>
@@ -3055,17 +6699,32 @@
         <p:txBody>
           <a:bodyPr vert="horz" lIns="91440" tIns="45720" rIns="91440" bIns="45720" rtlCol="0" anchor="ctr"/>
           <a:lstStyle>
-            <a:lvl1pPr algn="l">
-              <a:defRPr sz="1400" b="1">
+            <a:lvl1pPr algn="l" fontAlgn="auto">
+              <a:spcBef>
+                <a:spcPts val="0"/>
+              </a:spcBef>
+              <a:spcAft>
+                <a:spcPts val="0"/>
+              </a:spcAft>
+              <a:defRPr sz="1400" b="1" smtClean="0">
                 <a:solidFill>
                   <a:srgbClr val="FFFFFF"/>
                 </a:solidFill>
+                <a:latin typeface="+mn-lt"/>
+                <a:ea typeface="+mn-ea"/>
+                <a:cs typeface="+mn-cs"/>
               </a:defRPr>
             </a:lvl1pPr>
           </a:lstStyle>
           <a:p>
-            <a:fld id="{3316C05E-8571-4D47-91A2-95FC418F336E}" type="slidenum">
-              <a:rPr lang="en-US" smtClean="0"/>
+            <a:pPr>
+              <a:defRPr/>
+            </a:pPr>
+            <a:fld id="{4F92C559-61C4-F444-91E9-AA04C3A4D2DF}" type="slidenum">
+              <a:rPr lang="en-US"/>
+              <a:pPr>
+                <a:defRPr/>
+              </a:pPr>
               <a:t>‹#›</a:t>
             </a:fld>
             <a:endParaRPr lang="en-US"/>
@@ -3076,127 +6735,272 @@
   </p:cSld>
   <p:clrMap bg1="lt1" tx1="dk1" bg2="lt2" tx2="dk2" accent1="accent1" accent2="accent2" accent3="accent3" accent4="accent4" accent5="accent5" accent6="accent6" hlink="hlink" folHlink="folHlink"/>
   <p:sldLayoutIdLst>
-    <p:sldLayoutId id="2147483828" r:id="rId1"/>
-    <p:sldLayoutId id="2147483829" r:id="rId2"/>
-    <p:sldLayoutId id="2147483830" r:id="rId3"/>
-    <p:sldLayoutId id="2147483831" r:id="rId4"/>
-    <p:sldLayoutId id="2147483832" r:id="rId5"/>
-    <p:sldLayoutId id="2147483833" r:id="rId6"/>
-    <p:sldLayoutId id="2147483834" r:id="rId7"/>
-    <p:sldLayoutId id="2147483835" r:id="rId8"/>
-    <p:sldLayoutId id="2147483836" r:id="rId9"/>
-    <p:sldLayoutId id="2147483837" r:id="rId10"/>
-    <p:sldLayoutId id="2147483838" r:id="rId11"/>
+    <p:sldLayoutId id="2147483850" r:id="rId1"/>
+    <p:sldLayoutId id="2147483843" r:id="rId2"/>
+    <p:sldLayoutId id="2147483851" r:id="rId3"/>
+    <p:sldLayoutId id="2147483844" r:id="rId4"/>
+    <p:sldLayoutId id="2147483852" r:id="rId5"/>
+    <p:sldLayoutId id="2147483845" r:id="rId6"/>
+    <p:sldLayoutId id="2147483846" r:id="rId7"/>
+    <p:sldLayoutId id="2147483853" r:id="rId8"/>
+    <p:sldLayoutId id="2147483847" r:id="rId9"/>
+    <p:sldLayoutId id="2147483848" r:id="rId10"/>
+    <p:sldLayoutId id="2147483849" r:id="rId11"/>
   </p:sldLayoutIdLst>
   <p:txStyles>
     <p:titleStyle>
-      <a:lvl1pPr algn="l" defTabSz="914400" rtl="0" eaLnBrk="1" latinLnBrk="0" hangingPunct="1">
+      <a:lvl1pPr algn="l" rtl="0" fontAlgn="base">
         <a:spcBef>
           <a:spcPct val="0"/>
         </a:spcBef>
-        <a:buNone/>
-        <a:defRPr sz="4000" kern="1200" spc="-100" baseline="0">
+        <a:spcAft>
+          <a:spcPct val="0"/>
+        </a:spcAft>
+        <a:defRPr sz="4000" kern="1200" spc="-100">
           <a:solidFill>
             <a:schemeClr val="tx2"/>
           </a:solidFill>
           <a:latin typeface="+mj-lt"/>
-          <a:ea typeface="+mj-ea"/>
-          <a:cs typeface="+mj-cs"/>
+          <a:ea typeface="ＭＳ Ｐゴシック" charset="0"/>
+          <a:cs typeface="ＭＳ Ｐゴシック" charset="0"/>
         </a:defRPr>
       </a:lvl1pPr>
+      <a:lvl2pPr algn="l" rtl="0" fontAlgn="base">
+        <a:spcBef>
+          <a:spcPct val="0"/>
+        </a:spcBef>
+        <a:spcAft>
+          <a:spcPct val="0"/>
+        </a:spcAft>
+        <a:defRPr sz="4000">
+          <a:solidFill>
+            <a:schemeClr val="tx2"/>
+          </a:solidFill>
+          <a:latin typeface="Arial" charset="0"/>
+          <a:ea typeface="ＭＳ Ｐゴシック" charset="0"/>
+          <a:cs typeface="ＭＳ Ｐゴシック" charset="0"/>
+        </a:defRPr>
+      </a:lvl2pPr>
+      <a:lvl3pPr algn="l" rtl="0" fontAlgn="base">
+        <a:spcBef>
+          <a:spcPct val="0"/>
+        </a:spcBef>
+        <a:spcAft>
+          <a:spcPct val="0"/>
+        </a:spcAft>
+        <a:defRPr sz="4000">
+          <a:solidFill>
+            <a:schemeClr val="tx2"/>
+          </a:solidFill>
+          <a:latin typeface="Arial" charset="0"/>
+          <a:ea typeface="ＭＳ Ｐゴシック" charset="0"/>
+          <a:cs typeface="ＭＳ Ｐゴシック" charset="0"/>
+        </a:defRPr>
+      </a:lvl3pPr>
+      <a:lvl4pPr algn="l" rtl="0" fontAlgn="base">
+        <a:spcBef>
+          <a:spcPct val="0"/>
+        </a:spcBef>
+        <a:spcAft>
+          <a:spcPct val="0"/>
+        </a:spcAft>
+        <a:defRPr sz="4000">
+          <a:solidFill>
+            <a:schemeClr val="tx2"/>
+          </a:solidFill>
+          <a:latin typeface="Arial" charset="0"/>
+          <a:ea typeface="ＭＳ Ｐゴシック" charset="0"/>
+          <a:cs typeface="ＭＳ Ｐゴシック" charset="0"/>
+        </a:defRPr>
+      </a:lvl4pPr>
+      <a:lvl5pPr algn="l" rtl="0" fontAlgn="base">
+        <a:spcBef>
+          <a:spcPct val="0"/>
+        </a:spcBef>
+        <a:spcAft>
+          <a:spcPct val="0"/>
+        </a:spcAft>
+        <a:defRPr sz="4000">
+          <a:solidFill>
+            <a:schemeClr val="tx2"/>
+          </a:solidFill>
+          <a:latin typeface="Arial" charset="0"/>
+          <a:ea typeface="ＭＳ Ｐゴシック" charset="0"/>
+          <a:cs typeface="ＭＳ Ｐゴシック" charset="0"/>
+        </a:defRPr>
+      </a:lvl5pPr>
+      <a:lvl6pPr marL="457200" algn="l" rtl="0" fontAlgn="base">
+        <a:spcBef>
+          <a:spcPct val="0"/>
+        </a:spcBef>
+        <a:spcAft>
+          <a:spcPct val="0"/>
+        </a:spcAft>
+        <a:defRPr sz="4000">
+          <a:solidFill>
+            <a:schemeClr val="tx2"/>
+          </a:solidFill>
+          <a:latin typeface="Arial" charset="0"/>
+          <a:ea typeface="ＭＳ Ｐゴシック" charset="0"/>
+          <a:cs typeface="ＭＳ Ｐゴシック" charset="0"/>
+        </a:defRPr>
+      </a:lvl6pPr>
+      <a:lvl7pPr marL="914400" algn="l" rtl="0" fontAlgn="base">
+        <a:spcBef>
+          <a:spcPct val="0"/>
+        </a:spcBef>
+        <a:spcAft>
+          <a:spcPct val="0"/>
+        </a:spcAft>
+        <a:defRPr sz="4000">
+          <a:solidFill>
+            <a:schemeClr val="tx2"/>
+          </a:solidFill>
+          <a:latin typeface="Arial" charset="0"/>
+          <a:ea typeface="ＭＳ Ｐゴシック" charset="0"/>
+          <a:cs typeface="ＭＳ Ｐゴシック" charset="0"/>
+        </a:defRPr>
+      </a:lvl7pPr>
+      <a:lvl8pPr marL="1371600" algn="l" rtl="0" fontAlgn="base">
+        <a:spcBef>
+          <a:spcPct val="0"/>
+        </a:spcBef>
+        <a:spcAft>
+          <a:spcPct val="0"/>
+        </a:spcAft>
+        <a:defRPr sz="4000">
+          <a:solidFill>
+            <a:schemeClr val="tx2"/>
+          </a:solidFill>
+          <a:latin typeface="Arial" charset="0"/>
+          <a:ea typeface="ＭＳ Ｐゴシック" charset="0"/>
+          <a:cs typeface="ＭＳ Ｐゴシック" charset="0"/>
+        </a:defRPr>
+      </a:lvl8pPr>
+      <a:lvl9pPr marL="1828800" algn="l" rtl="0" fontAlgn="base">
+        <a:spcBef>
+          <a:spcPct val="0"/>
+        </a:spcBef>
+        <a:spcAft>
+          <a:spcPct val="0"/>
+        </a:spcAft>
+        <a:defRPr sz="4000">
+          <a:solidFill>
+            <a:schemeClr val="tx2"/>
+          </a:solidFill>
+          <a:latin typeface="Arial" charset="0"/>
+          <a:ea typeface="ＭＳ Ｐゴシック" charset="0"/>
+          <a:cs typeface="ＭＳ Ｐゴシック" charset="0"/>
+        </a:defRPr>
+      </a:lvl9pPr>
     </p:titleStyle>
     <p:bodyStyle>
-      <a:lvl1pPr marL="182880" indent="-182880" algn="l" defTabSz="914400" rtl="0" eaLnBrk="1" latinLnBrk="0" hangingPunct="1">
+      <a:lvl1pPr marL="182563" indent="-182563" algn="l" rtl="0" fontAlgn="base">
         <a:spcBef>
           <a:spcPct val="20000"/>
         </a:spcBef>
+        <a:spcAft>
+          <a:spcPct val="0"/>
+        </a:spcAft>
         <a:buClr>
           <a:schemeClr val="accent1"/>
         </a:buClr>
         <a:buSzPct val="85000"/>
-        <a:buFont typeface="Arial" pitchFamily="34" charset="0"/>
+        <a:buFont typeface="Arial" charset="0"/>
         <a:buChar char="•"/>
         <a:defRPr sz="2400" kern="1200">
           <a:solidFill>
             <a:schemeClr val="tx1"/>
           </a:solidFill>
           <a:latin typeface="+mn-lt"/>
-          <a:ea typeface="+mn-ea"/>
-          <a:cs typeface="+mn-cs"/>
+          <a:ea typeface="ＭＳ Ｐゴシック" charset="0"/>
+          <a:cs typeface="ＭＳ Ｐゴシック" charset="0"/>
         </a:defRPr>
       </a:lvl1pPr>
-      <a:lvl2pPr marL="457200" indent="-182880" algn="l" defTabSz="914400" rtl="0" eaLnBrk="1" latinLnBrk="0" hangingPunct="1">
+      <a:lvl2pPr marL="457200" indent="-182563" algn="l" rtl="0" fontAlgn="base">
         <a:spcBef>
           <a:spcPct val="20000"/>
         </a:spcBef>
+        <a:spcAft>
+          <a:spcPct val="0"/>
+        </a:spcAft>
         <a:buClr>
           <a:schemeClr val="accent1"/>
         </a:buClr>
         <a:buSzPct val="85000"/>
-        <a:buFont typeface="Arial" pitchFamily="34" charset="0"/>
+        <a:buFont typeface="Arial" charset="0"/>
         <a:buChar char="•"/>
         <a:defRPr sz="2000" kern="1200">
           <a:solidFill>
             <a:schemeClr val="tx1"/>
           </a:solidFill>
           <a:latin typeface="+mn-lt"/>
-          <a:ea typeface="+mn-ea"/>
+          <a:ea typeface="ＭＳ Ｐゴシック" charset="0"/>
           <a:cs typeface="+mn-cs"/>
         </a:defRPr>
       </a:lvl2pPr>
-      <a:lvl3pPr marL="731520" indent="-182880" algn="l" defTabSz="914400" rtl="0" eaLnBrk="1" latinLnBrk="0" hangingPunct="1">
+      <a:lvl3pPr marL="730250" indent="-182563" algn="l" rtl="0" fontAlgn="base">
         <a:spcBef>
           <a:spcPct val="20000"/>
         </a:spcBef>
+        <a:spcAft>
+          <a:spcPct val="0"/>
+        </a:spcAft>
         <a:buClr>
           <a:schemeClr val="accent1"/>
         </a:buClr>
         <a:buSzPct val="90000"/>
-        <a:buFont typeface="Arial" pitchFamily="34" charset="0"/>
+        <a:buFont typeface="Arial" charset="0"/>
         <a:buChar char="•"/>
-        <a:defRPr sz="1800" kern="1200">
+        <a:defRPr kern="1200">
           <a:solidFill>
             <a:schemeClr val="tx1"/>
           </a:solidFill>
           <a:latin typeface="+mn-lt"/>
-          <a:ea typeface="+mn-ea"/>
+          <a:ea typeface="ＭＳ Ｐゴシック" charset="0"/>
           <a:cs typeface="+mn-cs"/>
         </a:defRPr>
       </a:lvl3pPr>
-      <a:lvl4pPr marL="1005840" indent="-182880" algn="l" defTabSz="914400" rtl="0" eaLnBrk="1" latinLnBrk="0" hangingPunct="1">
+      <a:lvl4pPr marL="1004888" indent="-182563" algn="l" rtl="0" fontAlgn="base">
         <a:spcBef>
           <a:spcPct val="20000"/>
         </a:spcBef>
+        <a:spcAft>
+          <a:spcPct val="0"/>
+        </a:spcAft>
         <a:buClr>
           <a:schemeClr val="accent1"/>
         </a:buClr>
-        <a:buFont typeface="Arial" pitchFamily="34" charset="0"/>
+        <a:buFont typeface="Arial" charset="0"/>
         <a:buChar char="•"/>
         <a:defRPr sz="1600" kern="1200">
           <a:solidFill>
             <a:schemeClr val="tx1"/>
           </a:solidFill>
           <a:latin typeface="+mn-lt"/>
-          <a:ea typeface="+mn-ea"/>
+          <a:ea typeface="ＭＳ Ｐゴシック" charset="0"/>
           <a:cs typeface="+mn-cs"/>
         </a:defRPr>
       </a:lvl4pPr>
-      <a:lvl5pPr marL="1188720" indent="-137160" algn="l" defTabSz="914400" rtl="0" eaLnBrk="1" latinLnBrk="0" hangingPunct="1">
+      <a:lvl5pPr marL="1187450" indent="-136525" algn="l" rtl="0" fontAlgn="base">
         <a:spcBef>
           <a:spcPct val="20000"/>
         </a:spcBef>
+        <a:spcAft>
+          <a:spcPct val="0"/>
+        </a:spcAft>
         <a:buClr>
           <a:schemeClr val="accent1"/>
         </a:buClr>
         <a:buSzPct val="100000"/>
-        <a:buFont typeface="Arial" pitchFamily="34" charset="0"/>
+        <a:buFont typeface="Arial" charset="0"/>
         <a:buChar char="•"/>
-        <a:defRPr sz="1400" kern="1200" baseline="0">
+        <a:defRPr sz="1400" kern="1200">
           <a:solidFill>
             <a:schemeClr val="tx1"/>
           </a:solidFill>
           <a:latin typeface="+mn-lt"/>
-          <a:ea typeface="+mn-ea"/>
+          <a:ea typeface="ＭＳ Ｐゴシック" charset="0"/>
           <a:cs typeface="+mn-cs"/>
         </a:defRPr>
       </a:lvl5pPr>
@@ -3406,12 +7210,23 @@
           </a:bodyPr>
           <a:lstStyle/>
           <a:p>
-            <a:pPr algn="ctr"/>
-            <a:r>
-              <a:rPr lang="en-US" cap="none" dirty="0" smtClean="0"/>
+            <a:pPr algn="ctr" fontAlgn="auto">
+              <a:spcAft>
+                <a:spcPts val="0"/>
+              </a:spcAft>
+              <a:defRPr/>
+            </a:pPr>
+            <a:r>
+              <a:rPr lang="en-US" cap="none" dirty="0" smtClean="0">
+                <a:ea typeface="+mj-ea"/>
+                <a:cs typeface="+mj-cs"/>
+              </a:rPr>
               <a:t>Impact Alert System</a:t>
             </a:r>
-            <a:endParaRPr lang="en-US" cap="none" dirty="0"/>
+            <a:endParaRPr lang="en-US" cap="none" dirty="0">
+              <a:ea typeface="+mj-ea"/>
+              <a:cs typeface="+mj-cs"/>
+            </a:endParaRPr>
           </a:p>
         </p:txBody>
       </p:sp>
@@ -3427,32 +7242,71 @@
         </p:nvSpPr>
         <p:spPr/>
         <p:txBody>
-          <a:bodyPr>
+          <a:bodyPr rtlCol="0">
             <a:normAutofit/>
           </a:bodyPr>
           <a:lstStyle/>
           <a:p>
-            <a:r>
-              <a:rPr lang="en-US" b="1" dirty="0" smtClean="0"/>
+            <a:pPr fontAlgn="auto">
+              <a:spcAft>
+                <a:spcPts val="0"/>
+              </a:spcAft>
+              <a:buFont typeface="Arial" pitchFamily="34" charset="0"/>
+              <a:buNone/>
+              <a:defRPr/>
+            </a:pPr>
+            <a:r>
+              <a:rPr lang="en-US" b="1" dirty="0" smtClean="0">
+                <a:ea typeface="+mn-ea"/>
+                <a:cs typeface="+mn-cs"/>
+              </a:rPr>
               <a:t>Team:</a:t>
             </a:r>
           </a:p>
           <a:p>
-            <a:r>
-              <a:rPr lang="en-US" dirty="0" smtClean="0"/>
+            <a:pPr fontAlgn="auto">
+              <a:spcAft>
+                <a:spcPts val="0"/>
+              </a:spcAft>
+              <a:buFont typeface="Arial" pitchFamily="34" charset="0"/>
+              <a:buNone/>
+              <a:defRPr/>
+            </a:pPr>
+            <a:r>
+              <a:rPr lang="en-US" dirty="0" smtClean="0">
+                <a:ea typeface="+mn-ea"/>
+                <a:cs typeface="+mn-cs"/>
+              </a:rPr>
               <a:t>David Goodman</a:t>
             </a:r>
           </a:p>
           <a:p>
-            <a:r>
-              <a:rPr lang="en-US" dirty="0" smtClean="0"/>
+            <a:pPr fontAlgn="auto">
+              <a:spcAft>
+                <a:spcPts val="0"/>
+              </a:spcAft>
+              <a:buFont typeface="Arial" pitchFamily="34" charset="0"/>
+              <a:buNone/>
+              <a:defRPr/>
+            </a:pPr>
+            <a:r>
+              <a:rPr lang="en-US" dirty="0" smtClean="0">
+                <a:ea typeface="+mn-ea"/>
+                <a:cs typeface="+mn-cs"/>
+              </a:rPr>
               <a:t>Sharon </a:t>
             </a:r>
             <a:r>
-              <a:rPr lang="en-US" dirty="0" err="1" smtClean="0"/>
+              <a:rPr lang="en-US" dirty="0" err="1" smtClean="0">
+                <a:ea typeface="+mn-ea"/>
+                <a:cs typeface="+mn-cs"/>
+              </a:rPr>
               <a:t>Rabinovich</a:t>
             </a:r>
-            <a:endParaRPr lang="en-US" dirty="0"/>
+            <a:endParaRPr lang="en-US" dirty="0">
+              <a:ea typeface="+mn-ea"/>
+              <a:cs typeface="+mn-cs"/>
+            </a:endParaRPr>
           </a:p>
         </p:txBody>
       </p:sp>
@@ -3503,11 +7357,23 @@
           <a:bodyPr/>
           <a:lstStyle/>
           <a:p>
-            <a:r>
-              <a:rPr lang="en-US" dirty="0" smtClean="0"/>
+            <a:pPr fontAlgn="auto">
+              <a:spcAft>
+                <a:spcPts val="0"/>
+              </a:spcAft>
+              <a:defRPr/>
+            </a:pPr>
+            <a:r>
+              <a:rPr lang="en-US" dirty="0" smtClean="0">
+                <a:ea typeface="+mj-ea"/>
+                <a:cs typeface="+mj-cs"/>
+              </a:rPr>
               <a:t>Description</a:t>
             </a:r>
-            <a:endParaRPr lang="en-US" dirty="0"/>
+            <a:endParaRPr lang="en-US" dirty="0">
+              <a:ea typeface="+mj-ea"/>
+              <a:cs typeface="+mj-cs"/>
+            </a:endParaRPr>
           </a:p>
         </p:txBody>
       </p:sp>
@@ -3521,152 +7387,289 @@
             <p:ph idx="1"/>
           </p:nvPr>
         </p:nvSpPr>
-        <p:spPr>
-          <a:xfrm>
-            <a:off x="457200" y="1600200"/>
-            <a:ext cx="8229600" cy="4876800"/>
-          </a:xfrm>
-        </p:spPr>
-        <p:txBody>
-          <a:bodyPr>
+        <p:spPr/>
+        <p:txBody>
+          <a:bodyPr rtlCol="0">
             <a:normAutofit/>
           </a:bodyPr>
           <a:lstStyle/>
           <a:p>
-            <a:pPr marL="0" indent="0">
+            <a:pPr marL="0" indent="0" fontAlgn="auto">
+              <a:spcAft>
+                <a:spcPts val="0"/>
+              </a:spcAft>
+              <a:buFont typeface="Arial" pitchFamily="34" charset="0"/>
               <a:buNone/>
-            </a:pPr>
-            <a:endParaRPr lang="en-US" dirty="0" smtClean="0"/>
-          </a:p>
-          <a:p>
-            <a:r>
-              <a:rPr lang="en-US" dirty="0"/>
+              <a:defRPr/>
+            </a:pPr>
+            <a:endParaRPr lang="en-US" dirty="0" smtClean="0">
+              <a:ea typeface="+mn-ea"/>
+              <a:cs typeface="+mn-cs"/>
+            </a:endParaRPr>
+          </a:p>
+          <a:p>
+            <a:pPr marL="182880" indent="-182880" fontAlgn="auto">
+              <a:spcAft>
+                <a:spcPts val="0"/>
+              </a:spcAft>
+              <a:buFont typeface="Arial" pitchFamily="34" charset="0"/>
+              <a:buChar char="•"/>
+              <a:defRPr/>
+            </a:pPr>
+            <a:r>
+              <a:rPr lang="en-US" dirty="0">
+                <a:ea typeface="+mn-ea"/>
+                <a:cs typeface="+mn-cs"/>
+              </a:rPr>
               <a:t>Goal: Detect a ball moving towards the camera, and sound an alarm </a:t>
             </a:r>
             <a:r>
-              <a:rPr lang="en-US" b="1" dirty="0"/>
+              <a:rPr lang="en-US" b="1" dirty="0">
+                <a:ea typeface="+mn-ea"/>
+                <a:cs typeface="+mn-cs"/>
+              </a:rPr>
               <a:t>before</a:t>
             </a:r>
             <a:r>
-              <a:rPr lang="en-US" dirty="0"/>
+              <a:rPr lang="en-US" dirty="0">
+                <a:ea typeface="+mn-ea"/>
+                <a:cs typeface="+mn-cs"/>
+              </a:rPr>
               <a:t> the ball hits the camera.</a:t>
             </a:r>
           </a:p>
           <a:p>
-            <a:endParaRPr lang="en-US" dirty="0" smtClean="0"/>
-          </a:p>
-          <a:p>
-            <a:r>
-              <a:rPr lang="en-US" dirty="0" smtClean="0"/>
+            <a:pPr marL="182880" indent="-182880" fontAlgn="auto">
+              <a:spcAft>
+                <a:spcPts val="0"/>
+              </a:spcAft>
+              <a:buFont typeface="Arial" pitchFamily="34" charset="0"/>
+              <a:buChar char="•"/>
+              <a:defRPr/>
+            </a:pPr>
+            <a:endParaRPr lang="en-US" dirty="0" smtClean="0">
+              <a:ea typeface="+mn-ea"/>
+              <a:cs typeface="+mn-cs"/>
+            </a:endParaRPr>
+          </a:p>
+          <a:p>
+            <a:pPr marL="182880" indent="-182880" fontAlgn="auto">
+              <a:spcAft>
+                <a:spcPts val="0"/>
+              </a:spcAft>
+              <a:buFont typeface="Arial" pitchFamily="34" charset="0"/>
+              <a:buChar char="•"/>
+              <a:defRPr/>
+            </a:pPr>
+            <a:r>
+              <a:rPr lang="en-US" dirty="0" smtClean="0">
+                <a:ea typeface="+mn-ea"/>
+                <a:cs typeface="+mn-cs"/>
+              </a:rPr>
               <a:t>References:</a:t>
             </a:r>
           </a:p>
           <a:p>
-            <a:pPr lvl="1"/>
-            <a:r>
-              <a:rPr lang="en-US" b="1" dirty="0" smtClean="0"/>
+            <a:pPr lvl="1" indent="-182880" fontAlgn="auto">
+              <a:spcAft>
+                <a:spcPts val="0"/>
+              </a:spcAft>
+              <a:buFont typeface="Arial" pitchFamily="34" charset="0"/>
+              <a:buChar char="•"/>
+              <a:defRPr/>
+            </a:pPr>
+            <a:r>
+              <a:rPr lang="en-US" b="1" dirty="0" smtClean="0">
+                <a:ea typeface="+mn-ea"/>
+              </a:rPr>
               <a:t>Computer </a:t>
             </a:r>
             <a:r>
-              <a:rPr lang="en-US" b="1" dirty="0"/>
+              <a:rPr lang="en-US" b="1" dirty="0">
+                <a:ea typeface="+mn-ea"/>
+              </a:rPr>
               <a:t>Vision: Algorithms and Applications</a:t>
             </a:r>
             <a:r>
-              <a:rPr lang="en-US" dirty="0"/>
+              <a:rPr lang="en-US" dirty="0">
+                <a:ea typeface="+mn-ea"/>
+              </a:rPr>
               <a:t>, by R. </a:t>
             </a:r>
             <a:r>
-              <a:rPr lang="en-US" dirty="0" err="1" smtClean="0"/>
+              <a:rPr lang="en-US" dirty="0" err="1" smtClean="0">
+                <a:ea typeface="+mn-ea"/>
+              </a:rPr>
               <a:t>Szeliski</a:t>
             </a:r>
-            <a:endParaRPr lang="en-US" dirty="0" smtClean="0"/>
-          </a:p>
-          <a:p>
-            <a:pPr lvl="2"/>
-            <a:r>
-              <a:rPr lang="en-US" dirty="0" smtClean="0"/>
+            <a:endParaRPr lang="en-US" dirty="0" smtClean="0">
+              <a:ea typeface="+mn-ea"/>
+            </a:endParaRPr>
+          </a:p>
+          <a:p>
+            <a:pPr marL="731520" lvl="2" indent="-182880" fontAlgn="auto">
+              <a:spcAft>
+                <a:spcPts val="0"/>
+              </a:spcAft>
+              <a:buFont typeface="Arial" pitchFamily="34" charset="0"/>
+              <a:buChar char="•"/>
+              <a:defRPr/>
+            </a:pPr>
+            <a:r>
+              <a:rPr lang="en-US" dirty="0" smtClean="0">
+                <a:ea typeface="+mn-ea"/>
+              </a:rPr>
               <a:t>Section [8.4] -  </a:t>
             </a:r>
             <a:r>
-              <a:rPr lang="en-US" dirty="0"/>
+              <a:rPr lang="en-US" dirty="0">
+                <a:ea typeface="+mn-ea"/>
+              </a:rPr>
               <a:t>Optical </a:t>
             </a:r>
             <a:r>
-              <a:rPr lang="en-US" dirty="0" smtClean="0"/>
+              <a:rPr lang="en-US" dirty="0" smtClean="0">
+                <a:ea typeface="+mn-ea"/>
+              </a:rPr>
               <a:t>flow</a:t>
             </a:r>
           </a:p>
           <a:p>
-            <a:pPr lvl="1"/>
-            <a:r>
-              <a:rPr lang="en-US" b="1" i="1" dirty="0"/>
+            <a:pPr lvl="1" indent="-182880" fontAlgn="auto">
+              <a:spcAft>
+                <a:spcPts val="0"/>
+              </a:spcAft>
+              <a:buFont typeface="Arial" pitchFamily="34" charset="0"/>
+              <a:buChar char="•"/>
+              <a:defRPr/>
+            </a:pPr>
+            <a:r>
+              <a:rPr lang="en-US" b="1" i="1" dirty="0">
+                <a:ea typeface="+mn-ea"/>
+              </a:rPr>
               <a:t>Monocular distance estimation from optic flow during active landing </a:t>
             </a:r>
             <a:r>
-              <a:rPr lang="en-US" b="1" i="1" dirty="0" smtClean="0"/>
+              <a:rPr lang="en-US" b="1" i="1" dirty="0" smtClean="0">
+                <a:ea typeface="+mn-ea"/>
+              </a:rPr>
               <a:t>maneuvers</a:t>
             </a:r>
             <a:r>
-              <a:rPr lang="en-US" i="1" dirty="0" smtClean="0"/>
+              <a:rPr lang="en-US" i="1" dirty="0" smtClean="0">
+                <a:ea typeface="+mn-ea"/>
+              </a:rPr>
               <a:t>, by F. </a:t>
             </a:r>
             <a:r>
-              <a:rPr lang="en-US" i="1" dirty="0" err="1" smtClean="0"/>
+              <a:rPr lang="en-US" i="1" dirty="0" err="1" smtClean="0">
+                <a:ea typeface="+mn-ea"/>
+              </a:rPr>
               <a:t>Breugel</a:t>
             </a:r>
             <a:r>
-              <a:rPr lang="en-US" i="1" dirty="0" smtClean="0"/>
+              <a:rPr lang="en-US" i="1" dirty="0" smtClean="0">
+                <a:ea typeface="+mn-ea"/>
+              </a:rPr>
               <a:t> et al.</a:t>
             </a:r>
           </a:p>
           <a:p>
-            <a:pPr lvl="1"/>
-            <a:r>
-              <a:rPr lang="en-US" b="1" i="1" dirty="0" err="1" smtClean="0"/>
+            <a:pPr lvl="1" indent="-182880" fontAlgn="auto">
+              <a:spcAft>
+                <a:spcPts val="0"/>
+              </a:spcAft>
+              <a:buFont typeface="Arial" pitchFamily="34" charset="0"/>
+              <a:buChar char="•"/>
+              <a:defRPr/>
+            </a:pPr>
+            <a:r>
+              <a:rPr lang="en-US" b="1" i="1" dirty="0" err="1" smtClean="0">
+                <a:ea typeface="+mn-ea"/>
+              </a:rPr>
               <a:t>Realtime</a:t>
             </a:r>
             <a:r>
-              <a:rPr lang="en-US" b="1" i="1" dirty="0" smtClean="0"/>
+              <a:rPr lang="en-US" b="1" i="1" dirty="0" smtClean="0">
+                <a:ea typeface="+mn-ea"/>
+              </a:rPr>
               <a:t> Depth Estimation and Obstacle Detection from Monocular Video</a:t>
             </a:r>
             <a:r>
-              <a:rPr lang="en-US" i="1" dirty="0" smtClean="0"/>
+              <a:rPr lang="en-US" i="1" dirty="0" smtClean="0">
+                <a:ea typeface="+mn-ea"/>
+              </a:rPr>
               <a:t>, By A. Wedel et al.</a:t>
             </a:r>
           </a:p>
           <a:p>
-            <a:endParaRPr lang="en-US" b="1" dirty="0"/>
+            <a:pPr marL="182880" indent="-182880" fontAlgn="auto">
+              <a:spcAft>
+                <a:spcPts val="0"/>
+              </a:spcAft>
+              <a:buFont typeface="Arial" pitchFamily="34" charset="0"/>
+              <a:buChar char="•"/>
+              <a:defRPr/>
+            </a:pPr>
+            <a:endParaRPr lang="en-US" b="1" dirty="0">
+              <a:ea typeface="+mn-ea"/>
+              <a:cs typeface="+mn-cs"/>
+            </a:endParaRPr>
           </a:p>
         </p:txBody>
       </p:sp>
       <p:pic>
         <p:nvPicPr>
-          <p:cNvPr id="7" name="Picture 6" descr="ball_traject_impact2.png"/>
+          <p:cNvPr id="7171" name="Picture 6" descr="ball_traject_impact2.png"/>
           <p:cNvPicPr>
             <a:picLocks noChangeAspect="1"/>
           </p:cNvPicPr>
           <p:nvPr/>
         </p:nvPicPr>
         <p:blipFill>
-          <a:blip r:embed="rId2">
+          <a:blip r:embed="rId3">
             <a:extLst>
               <a:ext uri="{28A0092B-C50C-407E-A947-70E740481C1C}">
                 <a14:useLocalDpi xmlns:a14="http://schemas.microsoft.com/office/drawing/2010/main" val="0"/>
               </a:ext>
             </a:extLst>
           </a:blip>
+          <a:srcRect/>
           <a:stretch>
             <a:fillRect/>
           </a:stretch>
         </p:blipFill>
-        <p:spPr>
+        <p:spPr bwMode="auto">
           <a:xfrm>
             <a:off x="4724400" y="381000"/>
-            <a:ext cx="4419600" cy="1682589"/>
+            <a:ext cx="4419600" cy="1682750"/>
           </a:xfrm>
           <a:prstGeom prst="rect">
             <a:avLst/>
           </a:prstGeom>
+          <a:noFill/>
+          <a:ln>
+            <a:noFill/>
+          </a:ln>
+          <a:extLst>
+            <a:ext uri="{909E8E84-426E-40dd-AFC4-6F175D3DCCD1}">
+              <a14:hiddenFill xmlns:a14="http://schemas.microsoft.com/office/drawing/2010/main">
+                <a:solidFill>
+                  <a:srgbClr val="FFFFFF"/>
+                </a:solidFill>
+              </a14:hiddenFill>
+            </a:ext>
+            <a:ext uri="{91240B29-F687-4f45-9708-019B960494DF}">
+              <a14:hiddenLine xmlns:a14="http://schemas.microsoft.com/office/drawing/2010/main" w="9525">
+                <a:solidFill>
+                  <a:srgbClr val="000000"/>
+                </a:solidFill>
+                <a:miter lim="800000"/>
+                <a:headEnd/>
+                <a:tailEnd/>
+              </a14:hiddenLine>
+            </a:ext>
+          </a:extLst>
         </p:spPr>
       </p:pic>
     </p:spTree>
@@ -3716,17 +7719,29 @@
           <a:bodyPr/>
           <a:lstStyle/>
           <a:p>
-            <a:r>
-              <a:rPr lang="en-US" dirty="0" smtClean="0"/>
+            <a:pPr fontAlgn="auto">
+              <a:spcAft>
+                <a:spcPts val="0"/>
+              </a:spcAft>
+              <a:defRPr/>
+            </a:pPr>
+            <a:r>
+              <a:rPr lang="en-US" dirty="0" smtClean="0">
+                <a:ea typeface="+mj-ea"/>
+                <a:cs typeface="+mj-cs"/>
+              </a:rPr>
               <a:t>Detailed Description</a:t>
             </a:r>
-            <a:endParaRPr lang="en-US" dirty="0"/>
-          </a:p>
-        </p:txBody>
-      </p:sp>
-      <p:sp>
-        <p:nvSpPr>
-          <p:cNvPr id="3" name="Content Placeholder 2"/>
+            <a:endParaRPr lang="en-US" dirty="0">
+              <a:ea typeface="+mj-ea"/>
+              <a:cs typeface="+mj-cs"/>
+            </a:endParaRPr>
+          </a:p>
+        </p:txBody>
+      </p:sp>
+      <p:sp>
+        <p:nvSpPr>
+          <p:cNvPr id="8194" name="Content Placeholder 2"/>
           <p:cNvSpPr>
             <a:spLocks noGrp="1"/>
           </p:cNvSpPr>
@@ -3734,107 +7749,490 @@
             <p:ph idx="1"/>
           </p:nvPr>
         </p:nvSpPr>
-        <p:spPr/>
+        <p:spPr>
+          <a:xfrm>
+            <a:off x="457200" y="1600200"/>
+            <a:ext cx="8305800" cy="914400"/>
+          </a:xfrm>
+        </p:spPr>
+        <p:txBody>
+          <a:bodyPr/>
+          <a:lstStyle/>
+          <a:p>
+            <a:r>
+              <a:rPr lang="en-US">
+                <a:latin typeface="Arial" charset="0"/>
+              </a:rPr>
+              <a:t>Algorithm: use optic flow, a dynamical model of the ball, and focus of expansion to detect impact</a:t>
+            </a:r>
+          </a:p>
+          <a:p>
+            <a:endParaRPr lang="en-US">
+              <a:latin typeface="Arial" charset="0"/>
+            </a:endParaRPr>
+          </a:p>
+          <a:p>
+            <a:endParaRPr lang="en-US">
+              <a:latin typeface="Arial" charset="0"/>
+            </a:endParaRPr>
+          </a:p>
+        </p:txBody>
+      </p:sp>
+      <p:pic>
+        <p:nvPicPr>
+          <p:cNvPr id="8195" name="Picture 4" descr="330px-Trajectory_for_changing_launch_angle.gif"/>
+          <p:cNvPicPr>
+            <a:picLocks noChangeAspect="1"/>
+          </p:cNvPicPr>
+          <p:nvPr/>
+        </p:nvPicPr>
+        <p:blipFill>
+          <a:blip r:embed="rId3">
+            <a:extLst>
+              <a:ext uri="{28A0092B-C50C-407E-A947-70E740481C1C}">
+                <a14:useLocalDpi xmlns:a14="http://schemas.microsoft.com/office/drawing/2010/main" val="0"/>
+              </a:ext>
+            </a:extLst>
+          </a:blip>
+          <a:srcRect/>
+          <a:stretch>
+            <a:fillRect/>
+          </a:stretch>
+        </p:blipFill>
+        <p:spPr bwMode="auto">
+          <a:xfrm>
+            <a:off x="4876800" y="3454400"/>
+            <a:ext cx="4191000" cy="3251200"/>
+          </a:xfrm>
+          <a:prstGeom prst="rect">
+            <a:avLst/>
+          </a:prstGeom>
+          <a:noFill/>
+          <a:ln>
+            <a:noFill/>
+          </a:ln>
+          <a:extLst>
+            <a:ext uri="{909E8E84-426E-40dd-AFC4-6F175D3DCCD1}">
+              <a14:hiddenFill xmlns:a14="http://schemas.microsoft.com/office/drawing/2010/main">
+                <a:solidFill>
+                  <a:srgbClr val="FFFFFF"/>
+                </a:solidFill>
+              </a14:hiddenFill>
+            </a:ext>
+            <a:ext uri="{91240B29-F687-4f45-9708-019B960494DF}">
+              <a14:hiddenLine xmlns:a14="http://schemas.microsoft.com/office/drawing/2010/main" w="9525">
+                <a:solidFill>
+                  <a:srgbClr val="000000"/>
+                </a:solidFill>
+                <a:miter lim="800000"/>
+                <a:headEnd/>
+                <a:tailEnd/>
+              </a14:hiddenLine>
+            </a:ext>
+          </a:extLst>
+        </p:spPr>
+      </p:pic>
+      <p:sp>
+        <p:nvSpPr>
+          <p:cNvPr id="8196" name="TextBox 5"/>
+          <p:cNvSpPr txBox="1">
+            <a:spLocks noChangeArrowheads="1"/>
+          </p:cNvSpPr>
+          <p:nvPr/>
+        </p:nvSpPr>
+        <p:spPr bwMode="auto">
+          <a:xfrm>
+            <a:off x="457200" y="2819400"/>
+            <a:ext cx="4572000" cy="3908425"/>
+          </a:xfrm>
+          <a:prstGeom prst="rect">
+            <a:avLst/>
+          </a:prstGeom>
+          <a:noFill/>
+          <a:ln>
+            <a:noFill/>
+          </a:ln>
+          <a:extLst>
+            <a:ext uri="{909E8E84-426E-40dd-AFC4-6F175D3DCCD1}">
+              <a14:hiddenFill xmlns:a14="http://schemas.microsoft.com/office/drawing/2010/main">
+                <a:solidFill>
+                  <a:srgbClr val="FFFFFF"/>
+                </a:solidFill>
+              </a14:hiddenFill>
+            </a:ext>
+            <a:ext uri="{91240B29-F687-4f45-9708-019B960494DF}">
+              <a14:hiddenLine xmlns:a14="http://schemas.microsoft.com/office/drawing/2010/main" w="9525">
+                <a:solidFill>
+                  <a:srgbClr val="000000"/>
+                </a:solidFill>
+                <a:miter lim="800000"/>
+                <a:headEnd/>
+                <a:tailEnd/>
+              </a14:hiddenLine>
+            </a:ext>
+          </a:extLst>
+        </p:spPr>
         <p:txBody>
           <a:bodyPr>
-            <a:normAutofit lnSpcReduction="10000"/>
+            <a:spAutoFit/>
+          </a:bodyPr>
+          <a:lstStyle>
+            <a:lvl1pPr marL="285750" indent="-285750">
+              <a:defRPr>
+                <a:solidFill>
+                  <a:schemeClr val="tx1"/>
+                </a:solidFill>
+                <a:latin typeface="Arial" charset="0"/>
+                <a:ea typeface="ＭＳ Ｐゴシック" charset="0"/>
+                <a:cs typeface="ＭＳ Ｐゴシック" charset="0"/>
+              </a:defRPr>
+            </a:lvl1pPr>
+            <a:lvl2pPr marL="742950" indent="-285750">
+              <a:defRPr>
+                <a:solidFill>
+                  <a:schemeClr val="tx1"/>
+                </a:solidFill>
+                <a:latin typeface="Arial" charset="0"/>
+                <a:ea typeface="ＭＳ Ｐゴシック" charset="0"/>
+              </a:defRPr>
+            </a:lvl2pPr>
+            <a:lvl3pPr marL="1143000" indent="-228600">
+              <a:defRPr>
+                <a:solidFill>
+                  <a:schemeClr val="tx1"/>
+                </a:solidFill>
+                <a:latin typeface="Arial" charset="0"/>
+                <a:ea typeface="ＭＳ Ｐゴシック" charset="0"/>
+              </a:defRPr>
+            </a:lvl3pPr>
+            <a:lvl4pPr marL="1600200" indent="-228600">
+              <a:defRPr>
+                <a:solidFill>
+                  <a:schemeClr val="tx1"/>
+                </a:solidFill>
+                <a:latin typeface="Arial" charset="0"/>
+                <a:ea typeface="ＭＳ Ｐゴシック" charset="0"/>
+              </a:defRPr>
+            </a:lvl4pPr>
+            <a:lvl5pPr marL="2057400" indent="-228600">
+              <a:defRPr>
+                <a:solidFill>
+                  <a:schemeClr val="tx1"/>
+                </a:solidFill>
+                <a:latin typeface="Arial" charset="0"/>
+                <a:ea typeface="ＭＳ Ｐゴシック" charset="0"/>
+              </a:defRPr>
+            </a:lvl5pPr>
+            <a:lvl6pPr marL="2514600" indent="-228600" fontAlgn="base">
+              <a:spcBef>
+                <a:spcPct val="0"/>
+              </a:spcBef>
+              <a:spcAft>
+                <a:spcPct val="0"/>
+              </a:spcAft>
+              <a:defRPr>
+                <a:solidFill>
+                  <a:schemeClr val="tx1"/>
+                </a:solidFill>
+                <a:latin typeface="Arial" charset="0"/>
+                <a:ea typeface="ＭＳ Ｐゴシック" charset="0"/>
+              </a:defRPr>
+            </a:lvl6pPr>
+            <a:lvl7pPr marL="2971800" indent="-228600" fontAlgn="base">
+              <a:spcBef>
+                <a:spcPct val="0"/>
+              </a:spcBef>
+              <a:spcAft>
+                <a:spcPct val="0"/>
+              </a:spcAft>
+              <a:defRPr>
+                <a:solidFill>
+                  <a:schemeClr val="tx1"/>
+                </a:solidFill>
+                <a:latin typeface="Arial" charset="0"/>
+                <a:ea typeface="ＭＳ Ｐゴシック" charset="0"/>
+              </a:defRPr>
+            </a:lvl7pPr>
+            <a:lvl8pPr marL="3429000" indent="-228600" fontAlgn="base">
+              <a:spcBef>
+                <a:spcPct val="0"/>
+              </a:spcBef>
+              <a:spcAft>
+                <a:spcPct val="0"/>
+              </a:spcAft>
+              <a:defRPr>
+                <a:solidFill>
+                  <a:schemeClr val="tx1"/>
+                </a:solidFill>
+                <a:latin typeface="Arial" charset="0"/>
+                <a:ea typeface="ＭＳ Ｐゴシック" charset="0"/>
+              </a:defRPr>
+            </a:lvl8pPr>
+            <a:lvl9pPr marL="3886200" indent="-228600" fontAlgn="base">
+              <a:spcBef>
+                <a:spcPct val="0"/>
+              </a:spcBef>
+              <a:spcAft>
+                <a:spcPct val="0"/>
+              </a:spcAft>
+              <a:defRPr>
+                <a:solidFill>
+                  <a:schemeClr val="tx1"/>
+                </a:solidFill>
+                <a:latin typeface="Arial" charset="0"/>
+                <a:ea typeface="ＭＳ Ｐゴシック" charset="0"/>
+              </a:defRPr>
+            </a:lvl9pPr>
+          </a:lstStyle>
+          <a:p>
+            <a:pPr>
+              <a:buFont typeface="Arial" charset="0"/>
+              <a:buChar char="•"/>
+            </a:pPr>
+            <a:r>
+              <a:rPr lang="en-US" sz="2400"/>
+              <a:t>Real time</a:t>
+            </a:r>
+          </a:p>
+          <a:p>
+            <a:pPr lvl="1">
+              <a:buFont typeface="Arial" charset="0"/>
+              <a:buChar char="•"/>
+            </a:pPr>
+            <a:r>
+              <a:rPr lang="en-US" sz="2200"/>
+              <a:t>Up to 30 frames per second</a:t>
+            </a:r>
+          </a:p>
+          <a:p>
+            <a:pPr>
+              <a:buFont typeface="Arial" charset="0"/>
+              <a:buChar char="•"/>
+            </a:pPr>
+            <a:r>
+              <a:rPr lang="en-US" sz="2400"/>
+              <a:t>Object detection and tracking</a:t>
+            </a:r>
+          </a:p>
+          <a:p>
+            <a:pPr lvl="1">
+              <a:buFont typeface="Arial" charset="0"/>
+              <a:buChar char="•"/>
+            </a:pPr>
+            <a:r>
+              <a:rPr lang="en-US" sz="2200"/>
+              <a:t>Background subtraction with optical flow</a:t>
+            </a:r>
+          </a:p>
+          <a:p>
+            <a:pPr lvl="1">
+              <a:buFont typeface="Arial" charset="0"/>
+              <a:buChar char="•"/>
+            </a:pPr>
+            <a:r>
+              <a:rPr lang="en-US" sz="2200"/>
+              <a:t>Trajectory model</a:t>
+            </a:r>
+          </a:p>
+          <a:p>
+            <a:pPr lvl="1">
+              <a:buFont typeface="Arial" charset="0"/>
+              <a:buChar char="•"/>
+            </a:pPr>
+            <a:r>
+              <a:rPr lang="en-US" sz="2200"/>
+              <a:t>Calibration at known distances</a:t>
+            </a:r>
+          </a:p>
+          <a:p>
+            <a:pPr>
+              <a:buFont typeface="Arial" charset="0"/>
+              <a:buChar char="•"/>
+            </a:pPr>
+            <a:r>
+              <a:rPr lang="en-US" sz="2400"/>
+              <a:t>Impact prediction</a:t>
+            </a:r>
+          </a:p>
+          <a:p>
+            <a:pPr lvl="1">
+              <a:buFont typeface="Arial" charset="0"/>
+              <a:buChar char="•"/>
+            </a:pPr>
+            <a:r>
+              <a:rPr lang="en-US" sz="2200"/>
+              <a:t>Bounding box</a:t>
+            </a:r>
+          </a:p>
+          <a:p>
+            <a:pPr lvl="1">
+              <a:buFont typeface="Arial" charset="0"/>
+              <a:buChar char="•"/>
+            </a:pPr>
+            <a:r>
+              <a:rPr lang="en-US" sz="2200"/>
+              <a:t>Pixel area threshold</a:t>
+            </a:r>
+          </a:p>
+        </p:txBody>
+      </p:sp>
+      <p:pic>
+        <p:nvPicPr>
+          <p:cNvPr id="8197" name="Picture 8" descr="camera_icon.png"/>
+          <p:cNvPicPr>
+            <a:picLocks noChangeAspect="1"/>
+          </p:cNvPicPr>
+          <p:nvPr/>
+        </p:nvPicPr>
+        <p:blipFill>
+          <a:blip r:embed="rId4">
+            <a:extLst>
+              <a:ext uri="{28A0092B-C50C-407E-A947-70E740481C1C}">
+                <a14:useLocalDpi xmlns:a14="http://schemas.microsoft.com/office/drawing/2010/main" val="0"/>
+              </a:ext>
+            </a:extLst>
+          </a:blip>
+          <a:srcRect/>
+          <a:stretch>
+            <a:fillRect/>
+          </a:stretch>
+        </p:blipFill>
+        <p:spPr bwMode="auto">
+          <a:xfrm rot="2338869">
+            <a:off x="7970838" y="5776913"/>
+            <a:ext cx="836612" cy="441325"/>
+          </a:xfrm>
+          <a:prstGeom prst="rect">
+            <a:avLst/>
+          </a:prstGeom>
+          <a:noFill/>
+          <a:ln>
+            <a:noFill/>
+          </a:ln>
+          <a:extLst>
+            <a:ext uri="{909E8E84-426E-40dd-AFC4-6F175D3DCCD1}">
+              <a14:hiddenFill xmlns:a14="http://schemas.microsoft.com/office/drawing/2010/main">
+                <a:solidFill>
+                  <a:srgbClr val="FFFFFF"/>
+                </a:solidFill>
+              </a14:hiddenFill>
+            </a:ext>
+            <a:ext uri="{91240B29-F687-4f45-9708-019B960494DF}">
+              <a14:hiddenLine xmlns:a14="http://schemas.microsoft.com/office/drawing/2010/main" w="9525">
+                <a:solidFill>
+                  <a:srgbClr val="000000"/>
+                </a:solidFill>
+                <a:miter lim="800000"/>
+                <a:headEnd/>
+                <a:tailEnd/>
+              </a14:hiddenLine>
+            </a:ext>
+          </a:extLst>
+        </p:spPr>
+      </p:pic>
+      <p:sp>
+        <p:nvSpPr>
+          <p:cNvPr id="10" name="Rectangle 9"/>
+          <p:cNvSpPr/>
+          <p:nvPr/>
+        </p:nvSpPr>
+        <p:spPr>
+          <a:xfrm rot="18341898">
+            <a:off x="7727919" y="5622746"/>
+            <a:ext cx="381000" cy="76200"/>
+          </a:xfrm>
+          <a:prstGeom prst="rect">
+            <a:avLst/>
+          </a:prstGeom>
+          <a:solidFill>
+            <a:srgbClr val="FF0000"/>
+          </a:solidFill>
+          <a:ln>
+            <a:solidFill>
+              <a:schemeClr val="tx1"/>
+            </a:solidFill>
+          </a:ln>
+          <a:scene3d>
+            <a:camera prst="orthographicFront"/>
+            <a:lightRig rig="threePt" dir="t"/>
+          </a:scene3d>
+        </p:spPr>
+        <p:style>
+          <a:lnRef idx="1">
+            <a:schemeClr val="accent1"/>
+          </a:lnRef>
+          <a:fillRef idx="3">
+            <a:schemeClr val="accent1"/>
+          </a:fillRef>
+          <a:effectRef idx="2">
+            <a:schemeClr val="accent1"/>
+          </a:effectRef>
+          <a:fontRef idx="minor">
+            <a:schemeClr val="lt1"/>
+          </a:fontRef>
+        </p:style>
+        <p:txBody>
+          <a:bodyPr anchor="ctr">
+            <a:scene3d>
+              <a:camera prst="isometricRightUp"/>
+              <a:lightRig rig="threePt" dir="t"/>
+            </a:scene3d>
           </a:bodyPr>
           <a:lstStyle/>
           <a:p>
-            <a:r>
-              <a:rPr lang="en-US" dirty="0" smtClean="0"/>
-              <a:t>Algorithm: track focus of expansion from optical flow</a:t>
-            </a:r>
-          </a:p>
-          <a:p>
-            <a:r>
-              <a:rPr lang="en-US" dirty="0" smtClean="0"/>
-              <a:t>Real time</a:t>
-            </a:r>
-          </a:p>
-          <a:p>
-            <a:pPr lvl="1"/>
-            <a:r>
-              <a:rPr lang="en-US" dirty="0" smtClean="0"/>
-              <a:t>Up to 30 frames per second</a:t>
-            </a:r>
-          </a:p>
-          <a:p>
-            <a:r>
-              <a:rPr lang="en-US" dirty="0" smtClean="0"/>
-              <a:t>Object detection and tracking</a:t>
-            </a:r>
-          </a:p>
-          <a:p>
-            <a:pPr lvl="1"/>
-            <a:r>
-              <a:rPr lang="en-US" dirty="0" smtClean="0"/>
-              <a:t>Background subtraction</a:t>
-            </a:r>
-          </a:p>
-          <a:p>
-            <a:pPr lvl="1"/>
-            <a:r>
-              <a:rPr lang="en-US" dirty="0" smtClean="0"/>
-              <a:t>Optical flow </a:t>
-            </a:r>
-          </a:p>
-          <a:p>
-            <a:pPr lvl="1"/>
-            <a:r>
-              <a:rPr lang="en-US" dirty="0" err="1" smtClean="0"/>
-              <a:t>Kalman</a:t>
-            </a:r>
-            <a:r>
-              <a:rPr lang="en-US" dirty="0" smtClean="0"/>
-              <a:t> filter</a:t>
-            </a:r>
-          </a:p>
-          <a:p>
-            <a:r>
-              <a:rPr lang="en-US" dirty="0" smtClean="0"/>
-              <a:t>Trajectory prediction</a:t>
-            </a:r>
-          </a:p>
-          <a:p>
-            <a:pPr lvl="1"/>
-            <a:r>
-              <a:rPr lang="en-US" dirty="0" smtClean="0"/>
-              <a:t>Markov model</a:t>
-            </a:r>
-          </a:p>
-          <a:p>
-            <a:r>
-              <a:rPr lang="en-US" dirty="0" smtClean="0"/>
-              <a:t>Parameters</a:t>
-            </a:r>
-          </a:p>
-          <a:p>
-            <a:pPr lvl="1"/>
-            <a:r>
-              <a:rPr lang="en-US" dirty="0" smtClean="0"/>
-              <a:t>Object size at known distances</a:t>
-            </a:r>
-          </a:p>
-          <a:p>
-            <a:pPr lvl="1"/>
-            <a:r>
-              <a:rPr lang="en-US" dirty="0" smtClean="0"/>
-              <a:t>Object mass</a:t>
-            </a:r>
-          </a:p>
-          <a:p>
-            <a:pPr lvl="1"/>
-            <a:r>
-              <a:rPr lang="en-US" dirty="0" smtClean="0"/>
-              <a:t>Camera size (for impact prediction)</a:t>
-            </a:r>
-          </a:p>
-          <a:p>
-            <a:endParaRPr lang="en-US" dirty="0" smtClean="0"/>
-          </a:p>
-          <a:p>
-            <a:endParaRPr lang="en-US" dirty="0"/>
+            <a:pPr algn="ctr" fontAlgn="auto">
+              <a:spcBef>
+                <a:spcPts val="0"/>
+              </a:spcBef>
+              <a:spcAft>
+                <a:spcPts val="0"/>
+              </a:spcAft>
+              <a:defRPr/>
+            </a:pPr>
+            <a:endParaRPr lang="en-US">
+              <a:ln>
+                <a:solidFill>
+                  <a:srgbClr val="000000"/>
+                </a:solidFill>
+              </a:ln>
+              <a:solidFill>
+                <a:srgbClr val="FF0000"/>
+              </a:solidFill>
+            </a:endParaRPr>
+          </a:p>
+        </p:txBody>
+      </p:sp>
+      <p:sp>
+        <p:nvSpPr>
+          <p:cNvPr id="3" name="TextBox 2"/>
+          <p:cNvSpPr txBox="1"/>
+          <p:nvPr/>
+        </p:nvSpPr>
+        <p:spPr>
+          <a:xfrm>
+            <a:off x="5867400" y="6629400"/>
+            <a:ext cx="2407931" cy="276999"/>
+          </a:xfrm>
+          <a:prstGeom prst="rect">
+            <a:avLst/>
+          </a:prstGeom>
+          <a:noFill/>
+        </p:spPr>
+        <p:txBody>
+          <a:bodyPr wrap="none" rtlCol="0">
+            <a:spAutoFit/>
+          </a:bodyPr>
+          <a:lstStyle/>
+          <a:p>
+            <a:r>
+              <a:rPr lang="en-US" sz="1200" dirty="0" smtClean="0"/>
+              <a:t>Wikimedia Commons: </a:t>
+            </a:r>
+            <a:r>
+              <a:rPr lang="en-US" sz="1200" dirty="0" err="1" smtClean="0"/>
+              <a:t>Skorkmaz</a:t>
+            </a:r>
+            <a:endParaRPr lang="en-US" sz="1200" dirty="0"/>
           </a:p>
         </p:txBody>
       </p:sp>
@@ -3885,11 +8283,23 @@
           <a:bodyPr/>
           <a:lstStyle/>
           <a:p>
-            <a:r>
-              <a:rPr lang="en-US" dirty="0" smtClean="0"/>
+            <a:pPr fontAlgn="auto">
+              <a:spcAft>
+                <a:spcPts val="0"/>
+              </a:spcAft>
+              <a:defRPr/>
+            </a:pPr>
+            <a:r>
+              <a:rPr lang="en-US" dirty="0" smtClean="0">
+                <a:ea typeface="+mj-ea"/>
+                <a:cs typeface="+mj-cs"/>
+              </a:rPr>
               <a:t>Platform</a:t>
             </a:r>
-            <a:endParaRPr lang="en-US" dirty="0"/>
+            <a:endParaRPr lang="en-US" dirty="0">
+              <a:ea typeface="+mj-ea"/>
+              <a:cs typeface="+mj-cs"/>
+            </a:endParaRPr>
           </a:p>
         </p:txBody>
       </p:sp>
@@ -3905,150 +8315,307 @@
         </p:nvSpPr>
         <p:spPr/>
         <p:txBody>
-          <a:bodyPr>
+          <a:bodyPr rtlCol="0">
             <a:normAutofit/>
           </a:bodyPr>
           <a:lstStyle/>
           <a:p>
-            <a:r>
-              <a:rPr lang="en-US" dirty="0" smtClean="0"/>
+            <a:pPr marL="182880" indent="-182880" fontAlgn="auto">
+              <a:spcAft>
+                <a:spcPts val="0"/>
+              </a:spcAft>
+              <a:buFont typeface="Arial" pitchFamily="34" charset="0"/>
+              <a:buChar char="•"/>
+              <a:defRPr/>
+            </a:pPr>
+            <a:r>
+              <a:rPr lang="en-US" dirty="0" smtClean="0">
+                <a:ea typeface="+mn-ea"/>
+                <a:cs typeface="+mn-cs"/>
+              </a:rPr>
               <a:t>Software</a:t>
             </a:r>
             <a:r>
-              <a:rPr lang="en-US" i="1" dirty="0" smtClean="0"/>
+              <a:rPr lang="en-US" i="1" dirty="0" smtClean="0">
+                <a:ea typeface="+mn-ea"/>
+                <a:cs typeface="+mn-cs"/>
+              </a:rPr>
               <a:t> </a:t>
             </a:r>
           </a:p>
           <a:p>
-            <a:pPr lvl="1"/>
-            <a:r>
-              <a:rPr lang="en-US" dirty="0" err="1" smtClean="0"/>
+            <a:pPr lvl="1" indent="-182880" fontAlgn="auto">
+              <a:spcAft>
+                <a:spcPts val="0"/>
+              </a:spcAft>
+              <a:buFont typeface="Arial" pitchFamily="34" charset="0"/>
+              <a:buChar char="•"/>
+              <a:defRPr/>
+            </a:pPr>
+            <a:r>
+              <a:rPr lang="en-US" dirty="0" err="1" smtClean="0">
+                <a:ea typeface="+mn-ea"/>
+              </a:rPr>
               <a:t>Matlab</a:t>
             </a:r>
             <a:r>
-              <a:rPr lang="en-US" dirty="0" smtClean="0"/>
-              <a:t>/Simulink/</a:t>
-            </a:r>
-            <a:r>
-              <a:rPr lang="en-US" dirty="0" err="1" smtClean="0"/>
+              <a:rPr lang="en-US" dirty="0" smtClean="0">
+                <a:ea typeface="+mn-ea"/>
+              </a:rPr>
+              <a:t>/Simulink or </a:t>
+            </a:r>
+            <a:r>
+              <a:rPr lang="en-US" dirty="0" err="1" smtClean="0">
+                <a:ea typeface="+mn-ea"/>
+              </a:rPr>
               <a:t>OpenCV</a:t>
             </a:r>
-            <a:endParaRPr lang="en-US" dirty="0" smtClean="0"/>
-          </a:p>
-          <a:p>
-            <a:pPr lvl="1"/>
-            <a:r>
-              <a:rPr lang="en-US" dirty="0" smtClean="0"/>
-              <a:t>Generated code to </a:t>
-            </a:r>
-            <a:r>
-              <a:rPr lang="en-US" dirty="0" smtClean="0"/>
-              <a:t>microcontroller, port </a:t>
-            </a:r>
-            <a:r>
-              <a:rPr lang="en-US" dirty="0" smtClean="0"/>
-              <a:t>to </a:t>
-            </a:r>
-            <a:r>
-              <a:rPr lang="en-US" dirty="0" smtClean="0"/>
-              <a:t>mobile, or C#</a:t>
-            </a:r>
-          </a:p>
-          <a:p>
-            <a:pPr lvl="1"/>
-            <a:endParaRPr lang="en-US" dirty="0" smtClean="0"/>
-          </a:p>
-          <a:p>
-            <a:r>
-              <a:rPr lang="en-US" dirty="0" smtClean="0"/>
+            <a:endParaRPr lang="en-US" dirty="0" smtClean="0">
+              <a:ea typeface="+mn-ea"/>
+            </a:endParaRPr>
+          </a:p>
+          <a:p>
+            <a:pPr marL="274320" lvl="1" indent="0" fontAlgn="auto">
+              <a:spcAft>
+                <a:spcPts val="0"/>
+              </a:spcAft>
+              <a:buFont typeface="Arial" pitchFamily="34" charset="0"/>
+              <a:buNone/>
+              <a:defRPr/>
+            </a:pPr>
+            <a:endParaRPr lang="en-US" dirty="0" smtClean="0">
+              <a:ea typeface="+mn-ea"/>
+            </a:endParaRPr>
+          </a:p>
+          <a:p>
+            <a:pPr marL="274320" lvl="1" indent="0" fontAlgn="auto">
+              <a:spcAft>
+                <a:spcPts val="0"/>
+              </a:spcAft>
+              <a:buFont typeface="Arial" pitchFamily="34" charset="0"/>
+              <a:buNone/>
+              <a:defRPr/>
+            </a:pPr>
+            <a:endParaRPr lang="en-US" dirty="0" smtClean="0">
+              <a:ea typeface="+mn-ea"/>
+            </a:endParaRPr>
+          </a:p>
+          <a:p>
+            <a:pPr marL="182880" indent="-182880" fontAlgn="auto">
+              <a:spcAft>
+                <a:spcPts val="0"/>
+              </a:spcAft>
+              <a:buFont typeface="Arial" pitchFamily="34" charset="0"/>
+              <a:buChar char="•"/>
+              <a:defRPr/>
+            </a:pPr>
+            <a:r>
+              <a:rPr lang="en-US" dirty="0" smtClean="0">
+                <a:ea typeface="+mn-ea"/>
+                <a:cs typeface="+mn-cs"/>
+              </a:rPr>
               <a:t>Hardware</a:t>
             </a:r>
             <a:r>
-              <a:rPr lang="en-US" i="1" dirty="0" smtClean="0"/>
+              <a:rPr lang="en-US" i="1" dirty="0" smtClean="0">
+                <a:ea typeface="+mn-ea"/>
+                <a:cs typeface="+mn-cs"/>
+              </a:rPr>
               <a:t> </a:t>
             </a:r>
             <a:r>
-              <a:rPr lang="en-US" dirty="0" smtClean="0"/>
+              <a:rPr lang="en-US" dirty="0" smtClean="0">
+                <a:ea typeface="+mn-ea"/>
+                <a:cs typeface="+mn-cs"/>
+              </a:rPr>
               <a:t>(depends on performance of simulation)</a:t>
             </a:r>
           </a:p>
           <a:p>
-            <a:pPr lvl="1"/>
-            <a:r>
-              <a:rPr lang="en-US" dirty="0" smtClean="0"/>
+            <a:pPr lvl="1" indent="-182880" fontAlgn="auto">
+              <a:spcAft>
+                <a:spcPts val="0"/>
+              </a:spcAft>
+              <a:buFont typeface="Arial" pitchFamily="34" charset="0"/>
+              <a:buChar char="•"/>
+              <a:defRPr/>
+            </a:pPr>
+            <a:r>
+              <a:rPr lang="en-US" dirty="0" smtClean="0">
+                <a:ea typeface="+mn-ea"/>
+              </a:rPr>
               <a:t>Camera </a:t>
             </a:r>
           </a:p>
           <a:p>
-            <a:pPr lvl="1"/>
-            <a:r>
-              <a:rPr lang="en-US" dirty="0" smtClean="0"/>
-              <a:t>PC/</a:t>
-            </a:r>
-            <a:r>
-              <a:rPr lang="en-US" dirty="0" smtClean="0"/>
-              <a:t>Mac, Microcontroller, or Mobile</a:t>
-            </a:r>
-            <a:endParaRPr lang="en-US" dirty="0" smtClean="0"/>
-          </a:p>
-          <a:p>
-            <a:pPr lvl="1"/>
-            <a:r>
-              <a:rPr lang="en-US" dirty="0" smtClean="0"/>
+            <a:pPr lvl="1" indent="-182880" fontAlgn="auto">
+              <a:spcAft>
+                <a:spcPts val="0"/>
+              </a:spcAft>
+              <a:buFont typeface="Arial" pitchFamily="34" charset="0"/>
+              <a:buChar char="•"/>
+              <a:defRPr/>
+            </a:pPr>
+            <a:r>
+              <a:rPr lang="en-US" dirty="0" smtClean="0">
+                <a:ea typeface="+mn-ea"/>
+              </a:rPr>
+              <a:t>PC/Mac</a:t>
+            </a:r>
+          </a:p>
+          <a:p>
+            <a:pPr lvl="1" indent="-182880" fontAlgn="auto">
+              <a:spcAft>
+                <a:spcPts val="0"/>
+              </a:spcAft>
+              <a:buFont typeface="Arial" pitchFamily="34" charset="0"/>
+              <a:buChar char="•"/>
+              <a:defRPr/>
+            </a:pPr>
+            <a:r>
+              <a:rPr lang="en-US" dirty="0" smtClean="0">
+                <a:ea typeface="+mn-ea"/>
+              </a:rPr>
               <a:t>Power Supply</a:t>
             </a:r>
           </a:p>
           <a:p>
-            <a:pPr lvl="1"/>
-            <a:r>
-              <a:rPr lang="en-US" dirty="0" smtClean="0"/>
-              <a:t>Special </a:t>
-            </a:r>
-            <a:r>
-              <a:rPr lang="en-US" dirty="0" smtClean="0"/>
-              <a:t>ball (bright green)</a:t>
-            </a:r>
-            <a:endParaRPr lang="en-US" dirty="0" smtClean="0"/>
-          </a:p>
-          <a:p>
-            <a:pPr lvl="1"/>
-            <a:endParaRPr lang="en-US" dirty="0" smtClean="0"/>
-          </a:p>
-          <a:p>
-            <a:endParaRPr lang="en-US" dirty="0"/>
+            <a:pPr lvl="1" indent="-182880" fontAlgn="auto">
+              <a:spcAft>
+                <a:spcPts val="0"/>
+              </a:spcAft>
+              <a:buFont typeface="Arial" pitchFamily="34" charset="0"/>
+              <a:buChar char="•"/>
+              <a:defRPr/>
+            </a:pPr>
+            <a:r>
+              <a:rPr lang="en-US" dirty="0" smtClean="0">
+                <a:ea typeface="+mn-ea"/>
+              </a:rPr>
+              <a:t>Special ball (brightly colored)</a:t>
+            </a:r>
+          </a:p>
+          <a:p>
+            <a:pPr lvl="1" indent="-182880" fontAlgn="auto">
+              <a:spcAft>
+                <a:spcPts val="0"/>
+              </a:spcAft>
+              <a:buFont typeface="Arial" pitchFamily="34" charset="0"/>
+              <a:buChar char="•"/>
+              <a:defRPr/>
+            </a:pPr>
+            <a:endParaRPr lang="en-US" dirty="0" smtClean="0">
+              <a:ea typeface="+mn-ea"/>
+            </a:endParaRPr>
+          </a:p>
+          <a:p>
+            <a:pPr marL="182880" indent="-182880" fontAlgn="auto">
+              <a:spcAft>
+                <a:spcPts val="0"/>
+              </a:spcAft>
+              <a:buFont typeface="Arial" pitchFamily="34" charset="0"/>
+              <a:buChar char="•"/>
+              <a:defRPr/>
+            </a:pPr>
+            <a:endParaRPr lang="en-US" dirty="0">
+              <a:ea typeface="+mn-ea"/>
+              <a:cs typeface="+mn-cs"/>
+            </a:endParaRPr>
           </a:p>
         </p:txBody>
       </p:sp>
       <p:pic>
         <p:nvPicPr>
-          <p:cNvPr id="4" name="Picture 3" descr="webcam1.jpg"/>
+          <p:cNvPr id="9219" name="Picture 3" descr="webcam1.jpg"/>
           <p:cNvPicPr>
             <a:picLocks noChangeAspect="1"/>
           </p:cNvPicPr>
           <p:nvPr/>
         </p:nvPicPr>
         <p:blipFill>
-          <a:blip r:embed="rId2">
+          <a:blip r:embed="rId3">
             <a:extLst>
               <a:ext uri="{28A0092B-C50C-407E-A947-70E740481C1C}">
                 <a14:useLocalDpi xmlns:a14="http://schemas.microsoft.com/office/drawing/2010/main" val="0"/>
               </a:ext>
             </a:extLst>
           </a:blip>
+          <a:srcRect/>
           <a:stretch>
             <a:fillRect/>
           </a:stretch>
         </p:blipFill>
-        <p:spPr>
+        <p:spPr bwMode="auto">
           <a:xfrm>
-            <a:off x="5448585" y="3581400"/>
-            <a:ext cx="3695414" cy="3276600"/>
+            <a:off x="5448300" y="3581400"/>
+            <a:ext cx="3695700" cy="3276600"/>
           </a:xfrm>
           <a:prstGeom prst="rect">
             <a:avLst/>
           </a:prstGeom>
+          <a:noFill/>
+          <a:ln>
+            <a:noFill/>
+          </a:ln>
+          <a:extLst>
+            <a:ext uri="{909E8E84-426E-40dd-AFC4-6F175D3DCCD1}">
+              <a14:hiddenFill xmlns:a14="http://schemas.microsoft.com/office/drawing/2010/main">
+                <a:solidFill>
+                  <a:srgbClr val="FFFFFF"/>
+                </a:solidFill>
+              </a14:hiddenFill>
+            </a:ext>
+            <a:ext uri="{91240B29-F687-4f45-9708-019B960494DF}">
+              <a14:hiddenLine xmlns:a14="http://schemas.microsoft.com/office/drawing/2010/main" w="9525">
+                <a:solidFill>
+                  <a:srgbClr val="000000"/>
+                </a:solidFill>
+                <a:miter lim="800000"/>
+                <a:headEnd/>
+                <a:tailEnd/>
+              </a14:hiddenLine>
+            </a:ext>
+          </a:extLst>
         </p:spPr>
       </p:pic>
+      <p:sp>
+        <p:nvSpPr>
+          <p:cNvPr id="5" name="TextBox 4"/>
+          <p:cNvSpPr txBox="1"/>
+          <p:nvPr/>
+        </p:nvSpPr>
+        <p:spPr>
+          <a:xfrm>
+            <a:off x="6477000" y="6546076"/>
+            <a:ext cx="1954982" cy="276999"/>
+          </a:xfrm>
+          <a:prstGeom prst="rect">
+            <a:avLst/>
+          </a:prstGeom>
+          <a:noFill/>
+        </p:spPr>
+        <p:txBody>
+          <a:bodyPr wrap="none" rtlCol="0">
+            <a:spAutoFit/>
+          </a:bodyPr>
+          <a:lstStyle/>
+          <a:p>
+            <a:r>
+              <a:rPr lang="en-US" sz="1200" dirty="0" smtClean="0"/>
+              <a:t>From </a:t>
+            </a:r>
+            <a:r>
+              <a:rPr lang="en-US" sz="1200" dirty="0" err="1" smtClean="0"/>
+              <a:t>Google.com</a:t>
+            </a:r>
+            <a:r>
+              <a:rPr lang="en-US" sz="1200" dirty="0" smtClean="0"/>
+              <a:t>/images</a:t>
+            </a:r>
+            <a:endParaRPr lang="en-US" sz="1200" dirty="0"/>
+          </a:p>
+        </p:txBody>
+      </p:sp>
     </p:spTree>
   </p:cSld>
   <p:clrMapOvr>
@@ -4096,11 +8663,23 @@
           <a:bodyPr/>
           <a:lstStyle/>
           <a:p>
-            <a:r>
-              <a:rPr lang="en-US" dirty="0" smtClean="0"/>
+            <a:pPr fontAlgn="auto">
+              <a:spcAft>
+                <a:spcPts val="0"/>
+              </a:spcAft>
+              <a:defRPr/>
+            </a:pPr>
+            <a:r>
+              <a:rPr lang="en-US" dirty="0" smtClean="0">
+                <a:ea typeface="+mj-ea"/>
+                <a:cs typeface="+mj-cs"/>
+              </a:rPr>
               <a:t>Challenges</a:t>
             </a:r>
-            <a:endParaRPr lang="en-US" dirty="0"/>
+            <a:endParaRPr lang="en-US" dirty="0">
+              <a:ea typeface="+mj-ea"/>
+              <a:cs typeface="+mj-cs"/>
+            </a:endParaRPr>
           </a:p>
         </p:txBody>
       </p:sp>
@@ -4116,86 +8695,213 @@
         </p:nvSpPr>
         <p:spPr/>
         <p:txBody>
-          <a:bodyPr/>
+          <a:bodyPr rtlCol="0">
+            <a:normAutofit/>
+          </a:bodyPr>
           <a:lstStyle/>
           <a:p>
-            <a:endParaRPr lang="en-US" dirty="0" smtClean="0"/>
-          </a:p>
-          <a:p>
-            <a:r>
-              <a:rPr lang="en-US" dirty="0" smtClean="0"/>
+            <a:pPr marL="182880" indent="-182880" fontAlgn="auto">
+              <a:spcAft>
+                <a:spcPts val="0"/>
+              </a:spcAft>
+              <a:buFont typeface="Arial" pitchFamily="34" charset="0"/>
+              <a:buChar char="•"/>
+              <a:defRPr/>
+            </a:pPr>
+            <a:endParaRPr lang="en-US" dirty="0" smtClean="0">
+              <a:ea typeface="+mn-ea"/>
+              <a:cs typeface="+mn-cs"/>
+            </a:endParaRPr>
+          </a:p>
+          <a:p>
+            <a:pPr marL="182880" indent="-182880" fontAlgn="auto">
+              <a:spcAft>
+                <a:spcPts val="0"/>
+              </a:spcAft>
+              <a:buFont typeface="Arial" pitchFamily="34" charset="0"/>
+              <a:buChar char="•"/>
+              <a:defRPr/>
+            </a:pPr>
+            <a:r>
+              <a:rPr lang="en-US" dirty="0" smtClean="0">
+                <a:ea typeface="+mn-ea"/>
+                <a:cs typeface="+mn-cs"/>
+              </a:rPr>
               <a:t>Implementation in real time </a:t>
             </a:r>
           </a:p>
           <a:p>
-            <a:pPr lvl="1"/>
-            <a:r>
-              <a:rPr lang="en-US" dirty="0" smtClean="0"/>
-              <a:t>Response time</a:t>
-            </a:r>
-          </a:p>
-          <a:p>
-            <a:pPr lvl="1"/>
-            <a:endParaRPr lang="en-US" dirty="0" smtClean="0"/>
-          </a:p>
-          <a:p>
-            <a:pPr lvl="1"/>
-            <a:endParaRPr lang="en-US" dirty="0" smtClean="0"/>
-          </a:p>
-          <a:p>
-            <a:endParaRPr lang="en-US" dirty="0" smtClean="0"/>
-          </a:p>
-          <a:p>
-            <a:r>
-              <a:rPr lang="en-US" dirty="0" smtClean="0"/>
+            <a:pPr lvl="1" indent="-182880" fontAlgn="auto">
+              <a:spcAft>
+                <a:spcPts val="0"/>
+              </a:spcAft>
+              <a:buFont typeface="Arial" pitchFamily="34" charset="0"/>
+              <a:buChar char="•"/>
+              <a:defRPr/>
+            </a:pPr>
+            <a:r>
+              <a:rPr lang="en-US" dirty="0" smtClean="0">
+                <a:ea typeface="+mn-ea"/>
+              </a:rPr>
+              <a:t>Alert before impact (distance threshold)</a:t>
+            </a:r>
+          </a:p>
+          <a:p>
+            <a:pPr lvl="1" indent="-182880" fontAlgn="auto">
+              <a:spcAft>
+                <a:spcPts val="0"/>
+              </a:spcAft>
+              <a:buFont typeface="Arial" pitchFamily="34" charset="0"/>
+              <a:buChar char="•"/>
+              <a:defRPr/>
+            </a:pPr>
+            <a:r>
+              <a:rPr lang="en-US" dirty="0" smtClean="0">
+                <a:ea typeface="+mn-ea"/>
+              </a:rPr>
+              <a:t>Velocity of projectile</a:t>
+            </a:r>
+          </a:p>
+          <a:p>
+            <a:pPr lvl="1" indent="-182880" fontAlgn="auto">
+              <a:spcAft>
+                <a:spcPts val="0"/>
+              </a:spcAft>
+              <a:buFont typeface="Arial" pitchFamily="34" charset="0"/>
+              <a:buChar char="•"/>
+              <a:defRPr/>
+            </a:pPr>
+            <a:r>
+              <a:rPr lang="en-US" dirty="0" smtClean="0">
+                <a:ea typeface="+mn-ea"/>
+              </a:rPr>
+              <a:t>Frame rate of camera</a:t>
+            </a:r>
+          </a:p>
+          <a:p>
+            <a:pPr lvl="1" indent="-182880" fontAlgn="auto">
+              <a:spcAft>
+                <a:spcPts val="0"/>
+              </a:spcAft>
+              <a:buFont typeface="Arial" pitchFamily="34" charset="0"/>
+              <a:buChar char="•"/>
+              <a:defRPr/>
+            </a:pPr>
+            <a:endParaRPr lang="en-US" dirty="0" smtClean="0">
+              <a:ea typeface="+mn-ea"/>
+            </a:endParaRPr>
+          </a:p>
+          <a:p>
+            <a:pPr marL="0" indent="0" fontAlgn="auto">
+              <a:spcAft>
+                <a:spcPts val="0"/>
+              </a:spcAft>
+              <a:buFont typeface="Arial" pitchFamily="34" charset="0"/>
+              <a:buNone/>
+              <a:defRPr/>
+            </a:pPr>
+            <a:endParaRPr lang="en-US" dirty="0" smtClean="0">
+              <a:ea typeface="+mn-ea"/>
+              <a:cs typeface="+mn-cs"/>
+            </a:endParaRPr>
+          </a:p>
+          <a:p>
+            <a:pPr marL="182880" indent="-182880" fontAlgn="auto">
+              <a:spcAft>
+                <a:spcPts val="0"/>
+              </a:spcAft>
+              <a:buFont typeface="Arial" pitchFamily="34" charset="0"/>
+              <a:buChar char="•"/>
+              <a:defRPr/>
+            </a:pPr>
+            <a:r>
+              <a:rPr lang="en-US" dirty="0" smtClean="0">
+                <a:ea typeface="+mn-ea"/>
+                <a:cs typeface="+mn-cs"/>
+              </a:rPr>
+              <a:t>Trajectory prediction</a:t>
+            </a:r>
+          </a:p>
+          <a:p>
+            <a:pPr lvl="1" indent="-182880" fontAlgn="auto">
+              <a:spcAft>
+                <a:spcPts val="0"/>
+              </a:spcAft>
+              <a:buFont typeface="Arial" pitchFamily="34" charset="0"/>
+              <a:buChar char="•"/>
+              <a:defRPr/>
+            </a:pPr>
+            <a:r>
+              <a:rPr lang="en-US" dirty="0" smtClean="0">
+                <a:ea typeface="+mn-ea"/>
+              </a:rPr>
+              <a:t>Distance</a:t>
+            </a:r>
+          </a:p>
+          <a:p>
+            <a:pPr lvl="1" indent="-182880" fontAlgn="auto">
+              <a:spcAft>
+                <a:spcPts val="0"/>
+              </a:spcAft>
+              <a:buFont typeface="Arial" pitchFamily="34" charset="0"/>
+              <a:buChar char="•"/>
+              <a:defRPr/>
+            </a:pPr>
+            <a:r>
+              <a:rPr lang="en-US" dirty="0" smtClean="0">
+                <a:ea typeface="+mn-ea"/>
+              </a:rPr>
+              <a:t>Velocity</a:t>
+            </a:r>
+          </a:p>
+          <a:p>
+            <a:pPr lvl="1" indent="-182880" fontAlgn="auto">
+              <a:spcAft>
+                <a:spcPts val="0"/>
+              </a:spcAft>
+              <a:buFont typeface="Arial" pitchFamily="34" charset="0"/>
+              <a:buChar char="•"/>
+              <a:defRPr/>
+            </a:pPr>
+            <a:r>
+              <a:rPr lang="en-US" dirty="0" smtClean="0">
+                <a:ea typeface="+mn-ea"/>
+              </a:rPr>
               <a:t>Direction</a:t>
             </a:r>
           </a:p>
           <a:p>
-            <a:pPr lvl="1"/>
-            <a:r>
-              <a:rPr lang="en-US" dirty="0" smtClean="0"/>
-              <a:t> Predicted trajectory</a:t>
-            </a:r>
-          </a:p>
-          <a:p>
-            <a:endParaRPr lang="en-US" dirty="0"/>
+            <a:pPr lvl="1" indent="-182880" fontAlgn="auto">
+              <a:spcAft>
+                <a:spcPts val="0"/>
+              </a:spcAft>
+              <a:buFont typeface="Arial" pitchFamily="34" charset="0"/>
+              <a:buChar char="•"/>
+              <a:defRPr/>
+            </a:pPr>
+            <a:endParaRPr lang="en-US" dirty="0" smtClean="0">
+              <a:ea typeface="+mn-ea"/>
+            </a:endParaRPr>
+          </a:p>
+          <a:p>
+            <a:pPr marL="182880" indent="-182880" fontAlgn="auto">
+              <a:spcAft>
+                <a:spcPts val="0"/>
+              </a:spcAft>
+              <a:buFont typeface="Arial" pitchFamily="34" charset="0"/>
+              <a:buChar char="•"/>
+              <a:defRPr/>
+            </a:pPr>
+            <a:endParaRPr lang="en-US" dirty="0">
+              <a:ea typeface="+mn-ea"/>
+              <a:cs typeface="+mn-cs"/>
+            </a:endParaRPr>
           </a:p>
         </p:txBody>
       </p:sp>
       <p:pic>
         <p:nvPicPr>
-          <p:cNvPr id="5" name="Picture 4" descr="real-time-lead-delivery-via-leadpro247.jpg"/>
-          <p:cNvPicPr>
-            <a:picLocks noChangeAspect="1"/>
-          </p:cNvPicPr>
-          <p:nvPr/>
-        </p:nvPicPr>
-        <p:blipFill>
-          <a:blip r:embed="rId2">
-            <a:extLst>
-              <a:ext uri="{28A0092B-C50C-407E-A947-70E740481C1C}">
-                <a14:useLocalDpi xmlns:a14="http://schemas.microsoft.com/office/drawing/2010/main" val="0"/>
-              </a:ext>
-            </a:extLst>
-          </a:blip>
-          <a:stretch>
-            <a:fillRect/>
-          </a:stretch>
-        </p:blipFill>
-        <p:spPr>
-          <a:xfrm>
-            <a:off x="5486400" y="381000"/>
-            <a:ext cx="2981490" cy="2972898"/>
-          </a:xfrm>
-          <a:prstGeom prst="rect">
-            <a:avLst/>
-          </a:prstGeom>
-        </p:spPr>
-      </p:pic>
-      <p:pic>
-        <p:nvPicPr>
-          <p:cNvPr id="7" name="Picture 6" descr="imgres.png"/>
+          <p:cNvPr id="10243" name="Picture 4" descr="real-time-lead-delivery-via-leadpro247.jpg"/>
           <p:cNvPicPr>
             <a:picLocks noChangeAspect="1"/>
           </p:cNvPicPr>
@@ -4209,11 +8915,66 @@
               </a:ext>
             </a:extLst>
           </a:blip>
+          <a:srcRect/>
           <a:stretch>
             <a:fillRect/>
           </a:stretch>
         </p:blipFill>
-        <p:spPr>
+        <p:spPr bwMode="auto">
+          <a:xfrm>
+            <a:off x="5486400" y="381000"/>
+            <a:ext cx="2981325" cy="2973388"/>
+          </a:xfrm>
+          <a:prstGeom prst="rect">
+            <a:avLst/>
+          </a:prstGeom>
+          <a:noFill/>
+          <a:ln>
+            <a:noFill/>
+          </a:ln>
+          <a:extLst>
+            <a:ext uri="{909E8E84-426E-40dd-AFC4-6F175D3DCCD1}">
+              <a14:hiddenFill xmlns:a14="http://schemas.microsoft.com/office/drawing/2010/main">
+                <a:solidFill>
+                  <a:srgbClr val="FFFFFF"/>
+                </a:solidFill>
+              </a14:hiddenFill>
+            </a:ext>
+            <a:ext uri="{91240B29-F687-4f45-9708-019B960494DF}">
+              <a14:hiddenLine xmlns:a14="http://schemas.microsoft.com/office/drawing/2010/main" w="9525">
+                <a:solidFill>
+                  <a:srgbClr val="000000"/>
+                </a:solidFill>
+                <a:miter lim="800000"/>
+                <a:headEnd/>
+                <a:tailEnd/>
+              </a14:hiddenLine>
+            </a:ext>
+          </a:extLst>
+        </p:spPr>
+      </p:pic>
+      <p:pic>
+        <p:nvPicPr>
+          <p:cNvPr id="10244" name="Picture 6" descr="imgres.png"/>
+          <p:cNvPicPr>
+            <a:picLocks noChangeAspect="1"/>
+          </p:cNvPicPr>
+          <p:nvPr/>
+        </p:nvPicPr>
+        <p:blipFill>
+          <a:blip r:embed="rId4">
+            <a:extLst>
+              <a:ext uri="{28A0092B-C50C-407E-A947-70E740481C1C}">
+                <a14:useLocalDpi xmlns:a14="http://schemas.microsoft.com/office/drawing/2010/main" val="0"/>
+              </a:ext>
+            </a:extLst>
+          </a:blip>
+          <a:srcRect/>
+          <a:stretch>
+            <a:fillRect/>
+          </a:stretch>
+        </p:blipFill>
+        <p:spPr bwMode="auto">
           <a:xfrm>
             <a:off x="5372100" y="3924300"/>
             <a:ext cx="3009900" cy="2705100"/>
@@ -4221,8 +8982,107 @@
           <a:prstGeom prst="rect">
             <a:avLst/>
           </a:prstGeom>
+          <a:noFill/>
+          <a:ln>
+            <a:noFill/>
+          </a:ln>
+          <a:extLst>
+            <a:ext uri="{909E8E84-426E-40dd-AFC4-6F175D3DCCD1}">
+              <a14:hiddenFill xmlns:a14="http://schemas.microsoft.com/office/drawing/2010/main">
+                <a:solidFill>
+                  <a:srgbClr val="FFFFFF"/>
+                </a:solidFill>
+              </a14:hiddenFill>
+            </a:ext>
+            <a:ext uri="{91240B29-F687-4f45-9708-019B960494DF}">
+              <a14:hiddenLine xmlns:a14="http://schemas.microsoft.com/office/drawing/2010/main" w="9525">
+                <a:solidFill>
+                  <a:srgbClr val="000000"/>
+                </a:solidFill>
+                <a:miter lim="800000"/>
+                <a:headEnd/>
+                <a:tailEnd/>
+              </a14:hiddenLine>
+            </a:ext>
+          </a:extLst>
         </p:spPr>
       </p:pic>
+      <p:sp>
+        <p:nvSpPr>
+          <p:cNvPr id="4" name="TextBox 3"/>
+          <p:cNvSpPr txBox="1"/>
+          <p:nvPr/>
+        </p:nvSpPr>
+        <p:spPr>
+          <a:xfrm>
+            <a:off x="6198418" y="6581001"/>
+            <a:ext cx="1954982" cy="276999"/>
+          </a:xfrm>
+          <a:prstGeom prst="rect">
+            <a:avLst/>
+          </a:prstGeom>
+          <a:noFill/>
+        </p:spPr>
+        <p:txBody>
+          <a:bodyPr wrap="none" rtlCol="0">
+            <a:spAutoFit/>
+          </a:bodyPr>
+          <a:lstStyle/>
+          <a:p>
+            <a:r>
+              <a:rPr lang="en-US" sz="1200" dirty="0" smtClean="0"/>
+              <a:t>From </a:t>
+            </a:r>
+            <a:r>
+              <a:rPr lang="en-US" sz="1200" dirty="0" err="1" smtClean="0"/>
+              <a:t>Google.com</a:t>
+            </a:r>
+            <a:r>
+              <a:rPr lang="en-US" sz="1200" dirty="0" smtClean="0"/>
+              <a:t>/images</a:t>
+            </a:r>
+            <a:endParaRPr lang="en-US" sz="1200" dirty="0"/>
+          </a:p>
+        </p:txBody>
+      </p:sp>
+      <p:sp>
+        <p:nvSpPr>
+          <p:cNvPr id="7" name="TextBox 6"/>
+          <p:cNvSpPr txBox="1"/>
+          <p:nvPr/>
+        </p:nvSpPr>
+        <p:spPr>
+          <a:xfrm>
+            <a:off x="6046018" y="3276600"/>
+            <a:ext cx="1954982" cy="276999"/>
+          </a:xfrm>
+          <a:prstGeom prst="rect">
+            <a:avLst/>
+          </a:prstGeom>
+          <a:noFill/>
+        </p:spPr>
+        <p:txBody>
+          <a:bodyPr wrap="none" rtlCol="0">
+            <a:spAutoFit/>
+          </a:bodyPr>
+          <a:lstStyle/>
+          <a:p>
+            <a:r>
+              <a:rPr lang="en-US" sz="1200" dirty="0" smtClean="0"/>
+              <a:t>From </a:t>
+            </a:r>
+            <a:r>
+              <a:rPr lang="en-US" sz="1200" dirty="0" err="1" smtClean="0"/>
+              <a:t>Google.com</a:t>
+            </a:r>
+            <a:r>
+              <a:rPr lang="en-US" sz="1200" dirty="0" smtClean="0"/>
+              <a:t>/images</a:t>
+            </a:r>
+            <a:endParaRPr lang="en-US" sz="1200" dirty="0"/>
+          </a:p>
+        </p:txBody>
+      </p:sp>
     </p:spTree>
   </p:cSld>
   <p:clrMapOvr>
@@ -4270,21 +9130,36 @@
           <a:bodyPr/>
           <a:lstStyle/>
           <a:p>
-            <a:r>
-              <a:rPr lang="en-US" dirty="0" smtClean="0"/>
+            <a:pPr fontAlgn="auto">
+              <a:spcAft>
+                <a:spcPts val="0"/>
+              </a:spcAft>
+              <a:defRPr/>
+            </a:pPr>
+            <a:r>
+              <a:rPr lang="en-US" dirty="0" smtClean="0">
+                <a:ea typeface="+mj-ea"/>
+                <a:cs typeface="+mj-cs"/>
+              </a:rPr>
               <a:t>Demo - </a:t>
             </a:r>
             <a:r>
-              <a:rPr lang="en-US" i="1" dirty="0" smtClean="0"/>
+              <a:rPr lang="en-US" i="1" dirty="0" smtClean="0">
+                <a:ea typeface="+mj-ea"/>
+                <a:cs typeface="+mj-cs"/>
+              </a:rPr>
               <a:t>March 12</a:t>
             </a:r>
-            <a:endParaRPr lang="en-US" dirty="0"/>
-          </a:p>
-        </p:txBody>
-      </p:sp>
-      <p:sp>
-        <p:nvSpPr>
-          <p:cNvPr id="3" name="Content Placeholder 2"/>
+            <a:endParaRPr lang="en-US" dirty="0">
+              <a:ea typeface="+mj-ea"/>
+              <a:cs typeface="+mj-cs"/>
+            </a:endParaRPr>
+          </a:p>
+        </p:txBody>
+      </p:sp>
+      <p:sp>
+        <p:nvSpPr>
+          <p:cNvPr id="11266" name="Content Placeholder 2"/>
           <p:cNvSpPr>
             <a:spLocks noGrp="1"/>
           </p:cNvSpPr>
@@ -4299,82 +9174,100 @@
           </a:xfrm>
         </p:spPr>
         <p:txBody>
-          <a:bodyPr>
-            <a:normAutofit/>
-          </a:bodyPr>
+          <a:bodyPr/>
           <a:lstStyle/>
           <a:p>
             <a:r>
-              <a:rPr lang="en-US" i="1" dirty="0" smtClean="0"/>
+              <a:rPr lang="en-US" i="1">
+                <a:latin typeface="Arial" charset="0"/>
+              </a:rPr>
               <a:t>Presentation </a:t>
             </a:r>
           </a:p>
           <a:p>
             <a:pPr lvl="1"/>
             <a:r>
-              <a:rPr lang="en-US" i="1" dirty="0" smtClean="0"/>
-              <a:t>Demonstration of tested </a:t>
-            </a:r>
-            <a:r>
-              <a:rPr lang="en-US" i="1" dirty="0" smtClean="0"/>
-              <a:t>scenarios</a:t>
+              <a:rPr lang="en-US" i="1">
+                <a:latin typeface="Arial" charset="0"/>
+              </a:rPr>
+              <a:t>Demonstration of tested scenarios</a:t>
             </a:r>
           </a:p>
           <a:p>
             <a:pPr lvl="1"/>
-            <a:endParaRPr lang="en-US" i="1" dirty="0"/>
+            <a:endParaRPr lang="en-US" i="1">
+              <a:latin typeface="Arial" charset="0"/>
+            </a:endParaRPr>
           </a:p>
           <a:p>
             <a:pPr lvl="1"/>
-            <a:endParaRPr lang="en-US" i="1" dirty="0" smtClean="0"/>
+            <a:endParaRPr lang="en-US" i="1">
+              <a:latin typeface="Arial" charset="0"/>
+            </a:endParaRPr>
           </a:p>
           <a:p>
             <a:pPr lvl="1"/>
-            <a:endParaRPr lang="en-US" i="1" dirty="0"/>
+            <a:endParaRPr lang="en-US" i="1">
+              <a:latin typeface="Arial" charset="0"/>
+            </a:endParaRPr>
           </a:p>
           <a:p>
             <a:pPr lvl="1"/>
-            <a:endParaRPr lang="en-US" i="1" dirty="0" smtClean="0"/>
+            <a:endParaRPr lang="en-US" i="1">
+              <a:latin typeface="Arial" charset="0"/>
+            </a:endParaRPr>
           </a:p>
           <a:p>
             <a:pPr lvl="1"/>
-            <a:endParaRPr lang="en-US" i="1" dirty="0"/>
+            <a:endParaRPr lang="en-US" i="1">
+              <a:latin typeface="Arial" charset="0"/>
+            </a:endParaRPr>
           </a:p>
           <a:p>
             <a:pPr lvl="1"/>
-            <a:endParaRPr lang="en-US" i="1" dirty="0" smtClean="0"/>
+            <a:endParaRPr lang="en-US" i="1">
+              <a:latin typeface="Arial" charset="0"/>
+            </a:endParaRPr>
           </a:p>
           <a:p>
             <a:pPr lvl="1"/>
-            <a:endParaRPr lang="en-US" i="1" dirty="0"/>
+            <a:endParaRPr lang="en-US" i="1">
+              <a:latin typeface="Arial" charset="0"/>
+            </a:endParaRPr>
           </a:p>
           <a:p>
             <a:pPr lvl="1"/>
-            <a:endParaRPr lang="en-US" i="1" dirty="0" smtClean="0"/>
+            <a:endParaRPr lang="en-US" i="1">
+              <a:latin typeface="Arial" charset="0"/>
+            </a:endParaRPr>
           </a:p>
           <a:p>
             <a:pPr lvl="1"/>
-            <a:endParaRPr lang="en-US" i="1" dirty="0" smtClean="0"/>
-          </a:p>
-          <a:p>
-            <a:r>
-              <a:rPr lang="en-US" i="1" dirty="0" smtClean="0"/>
-              <a:t>Live </a:t>
-            </a:r>
-            <a:r>
-              <a:rPr lang="en-US" i="1" dirty="0" smtClean="0"/>
-              <a:t>Demonstration</a:t>
+            <a:endParaRPr lang="en-US" i="1">
+              <a:latin typeface="Arial" charset="0"/>
+            </a:endParaRPr>
+          </a:p>
+          <a:p>
+            <a:r>
+              <a:rPr lang="en-US" i="1">
+                <a:latin typeface="Arial" charset="0"/>
+              </a:rPr>
+              <a:t>Live Demonstration</a:t>
             </a:r>
           </a:p>
           <a:p>
             <a:pPr lvl="1"/>
             <a:r>
-              <a:rPr lang="en-US" i="1" dirty="0" smtClean="0"/>
+              <a:rPr lang="en-US" i="1">
+                <a:latin typeface="Arial" charset="0"/>
+              </a:rPr>
               <a:t>Audience</a:t>
             </a:r>
           </a:p>
           <a:p>
-            <a:endParaRPr lang="en-US" dirty="0"/>
+            <a:endParaRPr lang="en-US">
+              <a:latin typeface="Arial" charset="0"/>
+            </a:endParaRPr>
           </a:p>
         </p:txBody>
       </p:sp>
@@ -4386,22 +9279,22 @@
           <p:cNvPicPr>
             <a:picLocks noChangeAspect="1"/>
           </p:cNvPicPr>
-          <p:nvPr>
-            <a:videoFile r:link="rId2"/>
-            <p:extLst>
-              <p:ext uri="{DAA4B4D4-6D71-4841-9C94-3DE7FCFB9230}">
-                <p14:media xmlns:p14="http://schemas.microsoft.com/office/powerpoint/2010/main" r:embed="rId1"/>
-              </p:ext>
-            </p:extLst>
-          </p:nvPr>
+          <p:nvPr/>
         </p:nvPicPr>
         <p:blipFill>
-          <a:blip r:embed="rId6"/>
+          <a:blip r:embed="rId3">
+            <a:extLst>
+              <a:ext uri="{28A0092B-C50C-407E-A947-70E740481C1C}">
+                <a14:useLocalDpi xmlns:a14="http://schemas.microsoft.com/office/drawing/2010/main" val="0"/>
+              </a:ext>
+            </a:extLst>
+          </a:blip>
+          <a:srcRect/>
           <a:stretch>
             <a:fillRect/>
           </a:stretch>
         </p:blipFill>
-        <p:spPr>
+        <p:spPr bwMode="auto">
           <a:xfrm>
             <a:off x="609600" y="2362200"/>
             <a:ext cx="3759200" cy="2819400"/>
@@ -4409,6 +9302,29 @@
           <a:prstGeom prst="rect">
             <a:avLst/>
           </a:prstGeom>
+          <a:noFill/>
+          <a:ln>
+            <a:noFill/>
+          </a:ln>
+          <a:extLst>
+            <a:ext uri="{909E8E84-426E-40dd-AFC4-6F175D3DCCD1}">
+              <a14:hiddenFill xmlns:a14="http://schemas.microsoft.com/office/drawing/2010/main">
+                <a:solidFill>
+                  <a:srgbClr val="FFFFFF"/>
+                </a:solidFill>
+              </a14:hiddenFill>
+            </a:ext>
+            <a:ext uri="{91240B29-F687-4f45-9708-019B960494DF}">
+              <a14:hiddenLine xmlns:a14="http://schemas.microsoft.com/office/drawing/2010/main" w="9525">
+                <a:solidFill>
+                  <a:srgbClr val="000000"/>
+                </a:solidFill>
+                <a:miter lim="800000"/>
+                <a:headEnd/>
+                <a:tailEnd/>
+              </a14:hiddenLine>
+            </a:ext>
+          </a:extLst>
         </p:spPr>
       </p:pic>
       <p:pic>
@@ -4419,29 +9335,52 @@
           <p:cNvPicPr>
             <a:picLocks noChangeAspect="1"/>
           </p:cNvPicPr>
-          <p:nvPr>
-            <a:videoFile r:link="rId4"/>
-            <p:extLst>
-              <p:ext uri="{DAA4B4D4-6D71-4841-9C94-3DE7FCFB9230}">
-                <p14:media xmlns:p14="http://schemas.microsoft.com/office/powerpoint/2010/main" r:embed="rId3"/>
-              </p:ext>
-            </p:extLst>
-          </p:nvPr>
+          <p:nvPr/>
         </p:nvPicPr>
         <p:blipFill>
-          <a:blip r:embed="rId7"/>
+          <a:blip r:embed="rId4">
+            <a:extLst>
+              <a:ext uri="{28A0092B-C50C-407E-A947-70E740481C1C}">
+                <a14:useLocalDpi xmlns:a14="http://schemas.microsoft.com/office/drawing/2010/main" val="0"/>
+              </a:ext>
+            </a:extLst>
+          </a:blip>
+          <a:srcRect/>
           <a:stretch>
             <a:fillRect/>
           </a:stretch>
         </p:blipFill>
-        <p:spPr>
+        <p:spPr bwMode="auto">
           <a:xfrm>
-            <a:off x="4953000" y="2362200"/>
+            <a:off x="4876800" y="2362200"/>
             <a:ext cx="3759200" cy="2819400"/>
           </a:xfrm>
           <a:prstGeom prst="rect">
             <a:avLst/>
           </a:prstGeom>
+          <a:noFill/>
+          <a:ln>
+            <a:noFill/>
+          </a:ln>
+          <a:extLst>
+            <a:ext uri="{909E8E84-426E-40dd-AFC4-6F175D3DCCD1}">
+              <a14:hiddenFill xmlns:a14="http://schemas.microsoft.com/office/drawing/2010/main">
+                <a:solidFill>
+                  <a:srgbClr val="FFFFFF"/>
+                </a:solidFill>
+              </a14:hiddenFill>
+            </a:ext>
+            <a:ext uri="{91240B29-F687-4f45-9708-019B960494DF}">
+              <a14:hiddenLine xmlns:a14="http://schemas.microsoft.com/office/drawing/2010/main" w="9525">
+                <a:solidFill>
+                  <a:srgbClr val="000000"/>
+                </a:solidFill>
+                <a:miter lim="800000"/>
+                <a:headEnd/>
+                <a:tailEnd/>
+              </a14:hiddenLine>
+            </a:ext>
+          </a:extLst>
         </p:spPr>
       </p:pic>
     </p:spTree>
@@ -4449,156 +9388,6 @@
   <p:clrMapOvr>
     <a:masterClrMapping/>
   </p:clrMapOvr>
-  <p:timing>
-    <p:tnLst>
-      <p:par>
-        <p:cTn xmlns:p14="http://schemas.microsoft.com/office/powerpoint/2010/main" id="1" dur="indefinite" restart="never" nodeType="tmRoot">
-          <p:childTnLst>
-            <p:seq concurrent="1" nextAc="seek">
-              <p:cTn id="2" restart="whenNotActive" fill="hold" evtFilter="cancelBubble" nodeType="interactiveSeq">
-                <p:stCondLst>
-                  <p:cond evt="onClick" delay="0">
-                    <p:tgtEl>
-                      <p:spTgt spid="4"/>
-                    </p:tgtEl>
-                  </p:cond>
-                </p:stCondLst>
-                <p:endSync evt="end" delay="0">
-                  <p:rtn val="all"/>
-                </p:endSync>
-                <p:childTnLst>
-                  <p:par>
-                    <p:cTn id="3" fill="hold">
-                      <p:stCondLst>
-                        <p:cond delay="0"/>
-                      </p:stCondLst>
-                      <p:childTnLst>
-                        <p:par>
-                          <p:cTn id="4" fill="hold">
-                            <p:stCondLst>
-                              <p:cond delay="0"/>
-                            </p:stCondLst>
-                            <p:childTnLst>
-                              <p:par>
-                                <p:cTn id="5" presetID="2" presetClass="mediacall" presetSubtype="0" fill="hold" nodeType="clickEffect">
-                                  <p:stCondLst>
-                                    <p:cond delay="0"/>
-                                  </p:stCondLst>
-                                  <p:childTnLst>
-                                    <p:cmd type="call" cmd="togglePause">
-                                      <p:cBhvr>
-                                        <p:cTn id="6" dur="1" fill="hold"/>
-                                        <p:tgtEl>
-                                          <p:spTgt spid="4"/>
-                                        </p:tgtEl>
-                                      </p:cBhvr>
-                                    </p:cmd>
-                                  </p:childTnLst>
-                                </p:cTn>
-                              </p:par>
-                            </p:childTnLst>
-                          </p:cTn>
-                        </p:par>
-                      </p:childTnLst>
-                    </p:cTn>
-                  </p:par>
-                </p:childTnLst>
-              </p:cTn>
-              <p:nextCondLst>
-                <p:cond evt="onClick" delay="0">
-                  <p:tgtEl>
-                    <p:spTgt spid="4"/>
-                  </p:tgtEl>
-                </p:cond>
-              </p:nextCondLst>
-            </p:seq>
-            <p:video>
-              <p:cMediaNode vol="80000" mute="1">
-                <p:cTn id="7" fill="hold" display="0">
-                  <p:stCondLst>
-                    <p:cond delay="indefinite"/>
-                  </p:stCondLst>
-                </p:cTn>
-                <p:tgtEl>
-                  <p:spTgt spid="4"/>
-                </p:tgtEl>
-              </p:cMediaNode>
-            </p:video>
-            <p:seq concurrent="1" nextAc="seek">
-              <p:cTn id="8" restart="whenNotActive" fill="hold" evtFilter="cancelBubble" nodeType="interactiveSeq">
-                <p:stCondLst>
-                  <p:cond evt="onClick" delay="0">
-                    <p:tgtEl>
-                      <p:spTgt spid="6"/>
-                    </p:tgtEl>
-                  </p:cond>
-                </p:stCondLst>
-                <p:endSync evt="end" delay="0">
-                  <p:rtn val="all"/>
-                </p:endSync>
-                <p:childTnLst>
-                  <p:par>
-                    <p:cTn id="9" fill="hold">
-                      <p:stCondLst>
-                        <p:cond delay="0"/>
-                      </p:stCondLst>
-                      <p:childTnLst>
-                        <p:par>
-                          <p:cTn id="10" fill="hold">
-                            <p:stCondLst>
-                              <p:cond delay="0"/>
-                            </p:stCondLst>
-                            <p:childTnLst>
-                              <p:par>
-                                <p:cTn id="11" presetID="2" presetClass="mediacall" presetSubtype="0" fill="hold" nodeType="clickEffect">
-                                  <p:stCondLst>
-                                    <p:cond delay="0"/>
-                                  </p:stCondLst>
-                                  <p:childTnLst>
-                                    <p:cmd type="call" cmd="togglePause">
-                                      <p:cBhvr>
-                                        <p:cTn id="12" dur="1" fill="hold"/>
-                                        <p:tgtEl>
-                                          <p:spTgt spid="6"/>
-                                        </p:tgtEl>
-                                      </p:cBhvr>
-                                    </p:cmd>
-                                  </p:childTnLst>
-                                </p:cTn>
-                              </p:par>
-                            </p:childTnLst>
-                          </p:cTn>
-                        </p:par>
-                      </p:childTnLst>
-                    </p:cTn>
-                  </p:par>
-                </p:childTnLst>
-              </p:cTn>
-              <p:nextCondLst>
-                <p:cond evt="onClick" delay="0">
-                  <p:tgtEl>
-                    <p:spTgt spid="6"/>
-                  </p:tgtEl>
-                </p:cond>
-              </p:nextCondLst>
-            </p:seq>
-            <p:video>
-              <p:cMediaNode vol="80000" mute="1">
-                <p:cTn id="13" fill="hold" display="0">
-                  <p:stCondLst>
-                    <p:cond delay="indefinite"/>
-                  </p:stCondLst>
-                </p:cTn>
-                <p:tgtEl>
-                  <p:spTgt spid="6"/>
-                </p:tgtEl>
-              </p:cMediaNode>
-            </p:video>
-          </p:childTnLst>
-        </p:cTn>
-      </p:par>
-    </p:tnLst>
-  </p:timing>
 </p:sld>
 </file>
 
@@ -4619,6 +9408,60 @@
           <a:chExt cx="0" cy="0"/>
         </a:xfrm>
       </p:grpSpPr>
+      <p:pic>
+        <p:nvPicPr>
+          <p:cNvPr id="12289" name="Picture 3" descr="Screen Shot 2015-02-16 at 10.04.25 PM.png"/>
+          <p:cNvPicPr>
+            <a:picLocks noChangeAspect="1"/>
+          </p:cNvPicPr>
+          <p:nvPr/>
+        </p:nvPicPr>
+        <p:blipFill>
+          <a:blip r:embed="rId3">
+            <a:extLst>
+              <a:ext uri="{28A0092B-C50C-407E-A947-70E740481C1C}">
+                <a14:useLocalDpi xmlns:a14="http://schemas.microsoft.com/office/drawing/2010/main" val="0"/>
+              </a:ext>
+            </a:extLst>
+          </a:blip>
+          <a:srcRect/>
+          <a:stretch>
+            <a:fillRect/>
+          </a:stretch>
+        </p:blipFill>
+        <p:spPr bwMode="auto">
+          <a:xfrm>
+            <a:off x="0" y="3651250"/>
+            <a:ext cx="9144000" cy="2857500"/>
+          </a:xfrm>
+          <a:prstGeom prst="rect">
+            <a:avLst/>
+          </a:prstGeom>
+          <a:noFill/>
+          <a:ln>
+            <a:noFill/>
+          </a:ln>
+          <a:extLst>
+            <a:ext uri="{909E8E84-426E-40dd-AFC4-6F175D3DCCD1}">
+              <a14:hiddenFill xmlns:a14="http://schemas.microsoft.com/office/drawing/2010/main">
+                <a:solidFill>
+                  <a:srgbClr val="FFFFFF"/>
+                </a:solidFill>
+              </a14:hiddenFill>
+            </a:ext>
+            <a:ext uri="{91240B29-F687-4f45-9708-019B960494DF}">
+              <a14:hiddenLine xmlns:a14="http://schemas.microsoft.com/office/drawing/2010/main" w="9525">
+                <a:solidFill>
+                  <a:srgbClr val="000000"/>
+                </a:solidFill>
+                <a:miter lim="800000"/>
+                <a:headEnd/>
+                <a:tailEnd/>
+              </a14:hiddenLine>
+            </a:ext>
+          </a:extLst>
+        </p:spPr>
+      </p:pic>
       <p:sp>
         <p:nvSpPr>
           <p:cNvPr id="2" name="Title 1"/>
@@ -4634,11 +9477,23 @@
           <a:bodyPr/>
           <a:lstStyle/>
           <a:p>
-            <a:r>
-              <a:rPr lang="en-US" dirty="0" smtClean="0"/>
+            <a:pPr fontAlgn="auto">
+              <a:spcAft>
+                <a:spcPts val="0"/>
+              </a:spcAft>
+              <a:defRPr/>
+            </a:pPr>
+            <a:r>
+              <a:rPr lang="en-US" dirty="0" smtClean="0">
+                <a:ea typeface="+mj-ea"/>
+                <a:cs typeface="+mj-cs"/>
+              </a:rPr>
               <a:t>Contingency plans</a:t>
             </a:r>
-            <a:endParaRPr lang="en-US" dirty="0"/>
+            <a:endParaRPr lang="en-US" dirty="0">
+              <a:ea typeface="+mj-ea"/>
+              <a:cs typeface="+mj-cs"/>
+            </a:endParaRPr>
           </a:p>
         </p:txBody>
       </p:sp>
@@ -4654,73 +9509,142 @@
         </p:nvSpPr>
         <p:spPr/>
         <p:txBody>
-          <a:bodyPr/>
+          <a:bodyPr rtlCol="0">
+            <a:normAutofit/>
+          </a:bodyPr>
           <a:lstStyle/>
           <a:p>
-            <a:r>
-              <a:rPr lang="en-US" dirty="0" smtClean="0"/>
+            <a:pPr marL="182880" indent="-182880" fontAlgn="auto">
+              <a:spcAft>
+                <a:spcPts val="0"/>
+              </a:spcAft>
+              <a:buFont typeface="Arial" pitchFamily="34" charset="0"/>
+              <a:buChar char="•"/>
+              <a:defRPr/>
+            </a:pPr>
+            <a:r>
+              <a:rPr lang="en-US" dirty="0" smtClean="0">
+                <a:ea typeface="+mn-ea"/>
+                <a:cs typeface="+mn-cs"/>
+              </a:rPr>
               <a:t>In case of success</a:t>
             </a:r>
           </a:p>
           <a:p>
-            <a:pPr lvl="1"/>
-            <a:r>
-              <a:rPr lang="en-US" dirty="0" smtClean="0"/>
-              <a:t>Extension for moving camera with static </a:t>
-            </a:r>
-            <a:r>
-              <a:rPr lang="en-US" dirty="0" smtClean="0"/>
-              <a:t>scene</a:t>
-            </a:r>
-          </a:p>
-          <a:p>
-            <a:pPr marL="274320" lvl="1" indent="0">
+            <a:pPr lvl="1" indent="-182880" fontAlgn="auto">
+              <a:spcAft>
+                <a:spcPts val="0"/>
+              </a:spcAft>
+              <a:buFont typeface="Arial" pitchFamily="34" charset="0"/>
+              <a:buChar char="•"/>
+              <a:defRPr/>
+            </a:pPr>
+            <a:r>
+              <a:rPr lang="en-US" dirty="0" smtClean="0">
+                <a:ea typeface="+mn-ea"/>
+              </a:rPr>
+              <a:t>Extension for moving camera with static scene</a:t>
+            </a:r>
+          </a:p>
+          <a:p>
+            <a:pPr marL="274320" lvl="1" indent="0" fontAlgn="auto">
+              <a:spcAft>
+                <a:spcPts val="0"/>
+              </a:spcAft>
+              <a:buFont typeface="Arial" pitchFamily="34" charset="0"/>
               <a:buNone/>
-            </a:pPr>
-            <a:endParaRPr lang="en-US" dirty="0" smtClean="0"/>
-          </a:p>
-          <a:p>
-            <a:pPr lvl="1"/>
-            <a:endParaRPr lang="en-US" dirty="0" smtClean="0"/>
-          </a:p>
-          <a:p>
-            <a:r>
-              <a:rPr lang="en-US" dirty="0" smtClean="0"/>
+              <a:defRPr/>
+            </a:pPr>
+            <a:endParaRPr lang="en-US" dirty="0" smtClean="0">
+              <a:ea typeface="+mn-ea"/>
+            </a:endParaRPr>
+          </a:p>
+          <a:p>
+            <a:pPr lvl="1" indent="-182880" fontAlgn="auto">
+              <a:spcAft>
+                <a:spcPts val="0"/>
+              </a:spcAft>
+              <a:buFont typeface="Arial" pitchFamily="34" charset="0"/>
+              <a:buChar char="•"/>
+              <a:defRPr/>
+            </a:pPr>
+            <a:endParaRPr lang="en-US" dirty="0" smtClean="0">
+              <a:ea typeface="+mn-ea"/>
+            </a:endParaRPr>
+          </a:p>
+          <a:p>
+            <a:pPr marL="182880" indent="-182880" fontAlgn="auto">
+              <a:spcAft>
+                <a:spcPts val="0"/>
+              </a:spcAft>
+              <a:buFont typeface="Arial" pitchFamily="34" charset="0"/>
+              <a:buChar char="•"/>
+              <a:defRPr/>
+            </a:pPr>
+            <a:r>
+              <a:rPr lang="en-US" dirty="0" smtClean="0">
+                <a:ea typeface="+mn-ea"/>
+                <a:cs typeface="+mn-cs"/>
+              </a:rPr>
               <a:t>In case of difficulties</a:t>
             </a:r>
           </a:p>
           <a:p>
-            <a:pPr lvl="1"/>
-            <a:r>
-              <a:rPr lang="en-US" dirty="0" smtClean="0"/>
-              <a:t>Algorithm in Simulated environment</a:t>
-            </a:r>
-          </a:p>
-          <a:p>
-            <a:pPr lvl="1"/>
-            <a:r>
-              <a:rPr lang="en-US" dirty="0" smtClean="0"/>
-              <a:t>Port to mobile device</a:t>
-            </a:r>
-          </a:p>
-          <a:p>
-            <a:pPr lvl="1"/>
-            <a:r>
-              <a:rPr lang="en-US" dirty="0" smtClean="0"/>
-              <a:t>Port to </a:t>
-            </a:r>
-            <a:r>
-              <a:rPr lang="en-US" dirty="0" smtClean="0"/>
-              <a:t>C </a:t>
-            </a:r>
-            <a:r>
-              <a:rPr lang="en-US" dirty="0" smtClean="0"/>
-              <a:t>environment</a:t>
-            </a:r>
-          </a:p>
-          <a:p>
-            <a:pPr lvl="1"/>
-            <a:endParaRPr lang="en-US" dirty="0"/>
+            <a:pPr lvl="1" indent="-182880" fontAlgn="auto">
+              <a:spcAft>
+                <a:spcPts val="0"/>
+              </a:spcAft>
+              <a:buFont typeface="Arial" pitchFamily="34" charset="0"/>
+              <a:buChar char="•"/>
+              <a:defRPr/>
+            </a:pPr>
+            <a:r>
+              <a:rPr lang="en-US" dirty="0" smtClean="0">
+                <a:ea typeface="+mn-ea"/>
+              </a:rPr>
+              <a:t>Run algorithm offline</a:t>
+            </a:r>
+            <a:endParaRPr lang="en-US" dirty="0">
+              <a:ea typeface="+mn-ea"/>
+            </a:endParaRPr>
+          </a:p>
+        </p:txBody>
+      </p:sp>
+      <p:sp>
+        <p:nvSpPr>
+          <p:cNvPr id="4" name="TextBox 3"/>
+          <p:cNvSpPr txBox="1"/>
+          <p:nvPr/>
+        </p:nvSpPr>
+        <p:spPr>
+          <a:xfrm>
+            <a:off x="304800" y="6504801"/>
+            <a:ext cx="8567795" cy="276999"/>
+          </a:xfrm>
+          <a:prstGeom prst="rect">
+            <a:avLst/>
+          </a:prstGeom>
+          <a:noFill/>
+        </p:spPr>
+        <p:txBody>
+          <a:bodyPr wrap="none" rtlCol="0">
+            <a:spAutoFit/>
+          </a:bodyPr>
+          <a:lstStyle/>
+          <a:p>
+            <a:r>
+              <a:rPr lang="en-US" sz="1200" dirty="0" smtClean="0"/>
+              <a:t>Adapted from MATLAB Simulink Computer Vision Toolbox example: Tracking Cars Using Optical Flow (</a:t>
+            </a:r>
+            <a:r>
+              <a:rPr lang="en-US" sz="1200" dirty="0" err="1" smtClean="0"/>
+              <a:t>vip_trafficof_all.slx</a:t>
+            </a:r>
+            <a:r>
+              <a:rPr lang="en-US" sz="1200" dirty="0" smtClean="0"/>
+              <a:t>). </a:t>
+            </a:r>
+            <a:endParaRPr lang="en-US" sz="1200" dirty="0"/>
           </a:p>
         </p:txBody>
       </p:sp>
@@ -5025,4 +9949,687 @@
   <a:objectDefaults/>
   <a:extraClrSchemeLst/>
 </a:theme>
+</file>
+
+<file path=ppt/theme/theme2.xml><?xml version="1.0" encoding="utf-8"?>
+<a:theme xmlns:a="http://schemas.openxmlformats.org/drawingml/2006/main" name="Office Theme">
+  <a:themeElements>
+    <a:clrScheme name="Office">
+      <a:dk1>
+        <a:sysClr val="windowText" lastClr="000000"/>
+      </a:dk1>
+      <a:lt1>
+        <a:sysClr val="window" lastClr="FFFFFF"/>
+      </a:lt1>
+      <a:dk2>
+        <a:srgbClr val="1F497D"/>
+      </a:dk2>
+      <a:lt2>
+        <a:srgbClr val="EEECE1"/>
+      </a:lt2>
+      <a:accent1>
+        <a:srgbClr val="4F81BD"/>
+      </a:accent1>
+      <a:accent2>
+        <a:srgbClr val="C0504D"/>
+      </a:accent2>
+      <a:accent3>
+        <a:srgbClr val="9BBB59"/>
+      </a:accent3>
+      <a:accent4>
+        <a:srgbClr val="8064A2"/>
+      </a:accent4>
+      <a:accent5>
+        <a:srgbClr val="4BACC6"/>
+      </a:accent5>
+      <a:accent6>
+        <a:srgbClr val="F79646"/>
+      </a:accent6>
+      <a:hlink>
+        <a:srgbClr val="0000FF"/>
+      </a:hlink>
+      <a:folHlink>
+        <a:srgbClr val="800080"/>
+      </a:folHlink>
+    </a:clrScheme>
+    <a:fontScheme name="Office">
+      <a:majorFont>
+        <a:latin typeface="Calibri"/>
+        <a:ea typeface=""/>
+        <a:cs typeface=""/>
+        <a:font script="Jpan" typeface="ＭＳ Ｐゴシック"/>
+        <a:font script="Hang" typeface="맑은 고딕"/>
+        <a:font script="Hans" typeface="宋体"/>
+        <a:font script="Hant" typeface="新細明體"/>
+        <a:font script="Arab" typeface="Times New Roman"/>
+        <a:font script="Hebr" typeface="Times New Roman"/>
+        <a:font script="Thai" typeface="Angsana New"/>
+        <a:font script="Ethi" typeface="Nyala"/>
+        <a:font script="Beng" typeface="Vrinda"/>
+        <a:font script="Gujr" typeface="Shruti"/>
+        <a:font script="Khmr" typeface="MoolBoran"/>
+        <a:font script="Knda" typeface="Tunga"/>
+        <a:font script="Guru" typeface="Raavi"/>
+        <a:font script="Cans" typeface="Euphemia"/>
+        <a:font script="Cher" typeface="Plantagenet Cherokee"/>
+        <a:font script="Yiii" typeface="Microsoft Yi Baiti"/>
+        <a:font script="Tibt" typeface="Microsoft Himalaya"/>
+        <a:font script="Thaa" typeface="MV Boli"/>
+        <a:font script="Deva" typeface="Mangal"/>
+        <a:font script="Telu" typeface="Gautami"/>
+        <a:font script="Taml" typeface="Latha"/>
+        <a:font script="Syrc" typeface="Estrangelo Edessa"/>
+        <a:font script="Orya" typeface="Kalinga"/>
+        <a:font script="Mlym" typeface="Kartika"/>
+        <a:font script="Laoo" typeface="DokChampa"/>
+        <a:font script="Sinh" typeface="Iskoola Pota"/>
+        <a:font script="Mong" typeface="Mongolian Baiti"/>
+        <a:font script="Viet" typeface="Times New Roman"/>
+        <a:font script="Uigh" typeface="Microsoft Uighur"/>
+        <a:font script="Geor" typeface="Sylfaen"/>
+      </a:majorFont>
+      <a:minorFont>
+        <a:latin typeface="Calibri"/>
+        <a:ea typeface=""/>
+        <a:cs typeface=""/>
+        <a:font script="Jpan" typeface="ＭＳ Ｐゴシック"/>
+        <a:font script="Hang" typeface="맑은 고딕"/>
+        <a:font script="Hans" typeface="宋体"/>
+        <a:font script="Hant" typeface="新細明體"/>
+        <a:font script="Arab" typeface="Arial"/>
+        <a:font script="Hebr" typeface="Arial"/>
+        <a:font script="Thai" typeface="Cordia New"/>
+        <a:font script="Ethi" typeface="Nyala"/>
+        <a:font script="Beng" typeface="Vrinda"/>
+        <a:font script="Gujr" typeface="Shruti"/>
+        <a:font script="Khmr" typeface="DaunPenh"/>
+        <a:font script="Knda" typeface="Tunga"/>
+        <a:font script="Guru" typeface="Raavi"/>
+        <a:font script="Cans" typeface="Euphemia"/>
+        <a:font script="Cher" typeface="Plantagenet Cherokee"/>
+        <a:font script="Yiii" typeface="Microsoft Yi Baiti"/>
+        <a:font script="Tibt" typeface="Microsoft Himalaya"/>
+        <a:font script="Thaa" typeface="MV Boli"/>
+        <a:font script="Deva" typeface="Mangal"/>
+        <a:font script="Telu" typeface="Gautami"/>
+        <a:font script="Taml" typeface="Latha"/>
+        <a:font script="Syrc" typeface="Estrangelo Edessa"/>
+        <a:font script="Orya" typeface="Kalinga"/>
+        <a:font script="Mlym" typeface="Kartika"/>
+        <a:font script="Laoo" typeface="DokChampa"/>
+        <a:font script="Sinh" typeface="Iskoola Pota"/>
+        <a:font script="Mong" typeface="Mongolian Baiti"/>
+        <a:font script="Viet" typeface="Arial"/>
+        <a:font script="Uigh" typeface="Microsoft Uighur"/>
+        <a:font script="Geor" typeface="Sylfaen"/>
+      </a:minorFont>
+    </a:fontScheme>
+    <a:fmtScheme name="Office">
+      <a:fillStyleLst>
+        <a:solidFill>
+          <a:schemeClr val="phClr"/>
+        </a:solidFill>
+        <a:gradFill rotWithShape="1">
+          <a:gsLst>
+            <a:gs pos="0">
+              <a:schemeClr val="phClr">
+                <a:tint val="50000"/>
+                <a:satMod val="300000"/>
+              </a:schemeClr>
+            </a:gs>
+            <a:gs pos="35000">
+              <a:schemeClr val="phClr">
+                <a:tint val="37000"/>
+                <a:satMod val="300000"/>
+              </a:schemeClr>
+            </a:gs>
+            <a:gs pos="100000">
+              <a:schemeClr val="phClr">
+                <a:tint val="15000"/>
+                <a:satMod val="350000"/>
+              </a:schemeClr>
+            </a:gs>
+          </a:gsLst>
+          <a:lin ang="16200000" scaled="1"/>
+        </a:gradFill>
+        <a:gradFill rotWithShape="1">
+          <a:gsLst>
+            <a:gs pos="0">
+              <a:schemeClr val="phClr">
+                <a:tint val="100000"/>
+                <a:shade val="100000"/>
+                <a:satMod val="130000"/>
+              </a:schemeClr>
+            </a:gs>
+            <a:gs pos="100000">
+              <a:schemeClr val="phClr">
+                <a:tint val="50000"/>
+                <a:shade val="100000"/>
+                <a:satMod val="350000"/>
+              </a:schemeClr>
+            </a:gs>
+          </a:gsLst>
+          <a:lin ang="16200000" scaled="0"/>
+        </a:gradFill>
+      </a:fillStyleLst>
+      <a:lnStyleLst>
+        <a:ln w="9525" cap="flat" cmpd="sng" algn="ctr">
+          <a:solidFill>
+            <a:schemeClr val="phClr">
+              <a:shade val="95000"/>
+              <a:satMod val="105000"/>
+            </a:schemeClr>
+          </a:solidFill>
+          <a:prstDash val="solid"/>
+        </a:ln>
+        <a:ln w="25400" cap="flat" cmpd="sng" algn="ctr">
+          <a:solidFill>
+            <a:schemeClr val="phClr"/>
+          </a:solidFill>
+          <a:prstDash val="solid"/>
+        </a:ln>
+        <a:ln w="38100" cap="flat" cmpd="sng" algn="ctr">
+          <a:solidFill>
+            <a:schemeClr val="phClr"/>
+          </a:solidFill>
+          <a:prstDash val="solid"/>
+        </a:ln>
+      </a:lnStyleLst>
+      <a:effectStyleLst>
+        <a:effectStyle>
+          <a:effectLst>
+            <a:outerShdw blurRad="40000" dist="20000" dir="5400000" rotWithShape="0">
+              <a:srgbClr val="000000">
+                <a:alpha val="38000"/>
+              </a:srgbClr>
+            </a:outerShdw>
+          </a:effectLst>
+        </a:effectStyle>
+        <a:effectStyle>
+          <a:effectLst>
+            <a:outerShdw blurRad="40000" dist="23000" dir="5400000" rotWithShape="0">
+              <a:srgbClr val="000000">
+                <a:alpha val="35000"/>
+              </a:srgbClr>
+            </a:outerShdw>
+          </a:effectLst>
+        </a:effectStyle>
+        <a:effectStyle>
+          <a:effectLst>
+            <a:outerShdw blurRad="40000" dist="23000" dir="5400000" rotWithShape="0">
+              <a:srgbClr val="000000">
+                <a:alpha val="35000"/>
+              </a:srgbClr>
+            </a:outerShdw>
+          </a:effectLst>
+          <a:scene3d>
+            <a:camera prst="orthographicFront">
+              <a:rot lat="0" lon="0" rev="0"/>
+            </a:camera>
+            <a:lightRig rig="threePt" dir="t">
+              <a:rot lat="0" lon="0" rev="1200000"/>
+            </a:lightRig>
+          </a:scene3d>
+          <a:sp3d>
+            <a:bevelT w="63500" h="25400"/>
+          </a:sp3d>
+        </a:effectStyle>
+      </a:effectStyleLst>
+      <a:bgFillStyleLst>
+        <a:solidFill>
+          <a:schemeClr val="phClr"/>
+        </a:solidFill>
+        <a:gradFill rotWithShape="1">
+          <a:gsLst>
+            <a:gs pos="0">
+              <a:schemeClr val="phClr">
+                <a:tint val="40000"/>
+                <a:satMod val="350000"/>
+              </a:schemeClr>
+            </a:gs>
+            <a:gs pos="40000">
+              <a:schemeClr val="phClr">
+                <a:tint val="45000"/>
+                <a:shade val="99000"/>
+                <a:satMod val="350000"/>
+              </a:schemeClr>
+            </a:gs>
+            <a:gs pos="100000">
+              <a:schemeClr val="phClr">
+                <a:shade val="20000"/>
+                <a:satMod val="255000"/>
+              </a:schemeClr>
+            </a:gs>
+          </a:gsLst>
+          <a:path path="circle">
+            <a:fillToRect l="50000" t="-80000" r="50000" b="180000"/>
+          </a:path>
+        </a:gradFill>
+        <a:gradFill rotWithShape="1">
+          <a:gsLst>
+            <a:gs pos="0">
+              <a:schemeClr val="phClr">
+                <a:tint val="80000"/>
+                <a:satMod val="300000"/>
+              </a:schemeClr>
+            </a:gs>
+            <a:gs pos="100000">
+              <a:schemeClr val="phClr">
+                <a:shade val="30000"/>
+                <a:satMod val="200000"/>
+              </a:schemeClr>
+            </a:gs>
+          </a:gsLst>
+          <a:path path="circle">
+            <a:fillToRect l="50000" t="50000" r="50000" b="50000"/>
+          </a:path>
+        </a:gradFill>
+      </a:bgFillStyleLst>
+    </a:fmtScheme>
+  </a:themeElements>
+  <a:objectDefaults>
+    <a:spDef>
+      <a:spPr/>
+      <a:bodyPr/>
+      <a:lstStyle/>
+      <a:style>
+        <a:lnRef idx="1">
+          <a:schemeClr val="accent1"/>
+        </a:lnRef>
+        <a:fillRef idx="3">
+          <a:schemeClr val="accent1"/>
+        </a:fillRef>
+        <a:effectRef idx="2">
+          <a:schemeClr val="accent1"/>
+        </a:effectRef>
+        <a:fontRef idx="minor">
+          <a:schemeClr val="lt1"/>
+        </a:fontRef>
+      </a:style>
+    </a:spDef>
+    <a:lnDef>
+      <a:spPr/>
+      <a:bodyPr/>
+      <a:lstStyle/>
+      <a:style>
+        <a:lnRef idx="2">
+          <a:schemeClr val="accent1"/>
+        </a:lnRef>
+        <a:fillRef idx="0">
+          <a:schemeClr val="accent1"/>
+        </a:fillRef>
+        <a:effectRef idx="1">
+          <a:schemeClr val="accent1"/>
+        </a:effectRef>
+        <a:fontRef idx="minor">
+          <a:schemeClr val="tx1"/>
+        </a:fontRef>
+      </a:style>
+    </a:lnDef>
+  </a:objectDefaults>
+  <a:extraClrSchemeLst/>
+</a:theme>
+</file>
+
+<file path=ppt/theme/theme3.xml><?xml version="1.0" encoding="utf-8"?>
+<a:theme xmlns:a="http://schemas.openxmlformats.org/drawingml/2006/main" name="Office Theme">
+  <a:themeElements>
+    <a:clrScheme name="Office">
+      <a:dk1>
+        <a:sysClr val="windowText" lastClr="000000"/>
+      </a:dk1>
+      <a:lt1>
+        <a:sysClr val="window" lastClr="FFFFFF"/>
+      </a:lt1>
+      <a:dk2>
+        <a:srgbClr val="1F497D"/>
+      </a:dk2>
+      <a:lt2>
+        <a:srgbClr val="EEECE1"/>
+      </a:lt2>
+      <a:accent1>
+        <a:srgbClr val="4F81BD"/>
+      </a:accent1>
+      <a:accent2>
+        <a:srgbClr val="C0504D"/>
+      </a:accent2>
+      <a:accent3>
+        <a:srgbClr val="9BBB59"/>
+      </a:accent3>
+      <a:accent4>
+        <a:srgbClr val="8064A2"/>
+      </a:accent4>
+      <a:accent5>
+        <a:srgbClr val="4BACC6"/>
+      </a:accent5>
+      <a:accent6>
+        <a:srgbClr val="F79646"/>
+      </a:accent6>
+      <a:hlink>
+        <a:srgbClr val="0000FF"/>
+      </a:hlink>
+      <a:folHlink>
+        <a:srgbClr val="800080"/>
+      </a:folHlink>
+    </a:clrScheme>
+    <a:fontScheme name="Office">
+      <a:majorFont>
+        <a:latin typeface="Calibri"/>
+        <a:ea typeface=""/>
+        <a:cs typeface=""/>
+        <a:font script="Jpan" typeface="ＭＳ Ｐゴシック"/>
+        <a:font script="Hang" typeface="맑은 고딕"/>
+        <a:font script="Hans" typeface="宋体"/>
+        <a:font script="Hant" typeface="新細明體"/>
+        <a:font script="Arab" typeface="Times New Roman"/>
+        <a:font script="Hebr" typeface="Times New Roman"/>
+        <a:font script="Thai" typeface="Angsana New"/>
+        <a:font script="Ethi" typeface="Nyala"/>
+        <a:font script="Beng" typeface="Vrinda"/>
+        <a:font script="Gujr" typeface="Shruti"/>
+        <a:font script="Khmr" typeface="MoolBoran"/>
+        <a:font script="Knda" typeface="Tunga"/>
+        <a:font script="Guru" typeface="Raavi"/>
+        <a:font script="Cans" typeface="Euphemia"/>
+        <a:font script="Cher" typeface="Plantagenet Cherokee"/>
+        <a:font script="Yiii" typeface="Microsoft Yi Baiti"/>
+        <a:font script="Tibt" typeface="Microsoft Himalaya"/>
+        <a:font script="Thaa" typeface="MV Boli"/>
+        <a:font script="Deva" typeface="Mangal"/>
+        <a:font script="Telu" typeface="Gautami"/>
+        <a:font script="Taml" typeface="Latha"/>
+        <a:font script="Syrc" typeface="Estrangelo Edessa"/>
+        <a:font script="Orya" typeface="Kalinga"/>
+        <a:font script="Mlym" typeface="Kartika"/>
+        <a:font script="Laoo" typeface="DokChampa"/>
+        <a:font script="Sinh" typeface="Iskoola Pota"/>
+        <a:font script="Mong" typeface="Mongolian Baiti"/>
+        <a:font script="Viet" typeface="Times New Roman"/>
+        <a:font script="Uigh" typeface="Microsoft Uighur"/>
+        <a:font script="Geor" typeface="Sylfaen"/>
+      </a:majorFont>
+      <a:minorFont>
+        <a:latin typeface="Calibri"/>
+        <a:ea typeface=""/>
+        <a:cs typeface=""/>
+        <a:font script="Jpan" typeface="ＭＳ Ｐゴシック"/>
+        <a:font script="Hang" typeface="맑은 고딕"/>
+        <a:font script="Hans" typeface="宋体"/>
+        <a:font script="Hant" typeface="新細明體"/>
+        <a:font script="Arab" typeface="Arial"/>
+        <a:font script="Hebr" typeface="Arial"/>
+        <a:font script="Thai" typeface="Cordia New"/>
+        <a:font script="Ethi" typeface="Nyala"/>
+        <a:font script="Beng" typeface="Vrinda"/>
+        <a:font script="Gujr" typeface="Shruti"/>
+        <a:font script="Khmr" typeface="DaunPenh"/>
+        <a:font script="Knda" typeface="Tunga"/>
+        <a:font script="Guru" typeface="Raavi"/>
+        <a:font script="Cans" typeface="Euphemia"/>
+        <a:font script="Cher" typeface="Plantagenet Cherokee"/>
+        <a:font script="Yiii" typeface="Microsoft Yi Baiti"/>
+        <a:font script="Tibt" typeface="Microsoft Himalaya"/>
+        <a:font script="Thaa" typeface="MV Boli"/>
+        <a:font script="Deva" typeface="Mangal"/>
+        <a:font script="Telu" typeface="Gautami"/>
+        <a:font script="Taml" typeface="Latha"/>
+        <a:font script="Syrc" typeface="Estrangelo Edessa"/>
+        <a:font script="Orya" typeface="Kalinga"/>
+        <a:font script="Mlym" typeface="Kartika"/>
+        <a:font script="Laoo" typeface="DokChampa"/>
+        <a:font script="Sinh" typeface="Iskoola Pota"/>
+        <a:font script="Mong" typeface="Mongolian Baiti"/>
+        <a:font script="Viet" typeface="Arial"/>
+        <a:font script="Uigh" typeface="Microsoft Uighur"/>
+        <a:font script="Geor" typeface="Sylfaen"/>
+      </a:minorFont>
+    </a:fontScheme>
+    <a:fmtScheme name="Office">
+      <a:fillStyleLst>
+        <a:solidFill>
+          <a:schemeClr val="phClr"/>
+        </a:solidFill>
+        <a:gradFill rotWithShape="1">
+          <a:gsLst>
+            <a:gs pos="0">
+              <a:schemeClr val="phClr">
+                <a:tint val="50000"/>
+                <a:satMod val="300000"/>
+              </a:schemeClr>
+            </a:gs>
+            <a:gs pos="35000">
+              <a:schemeClr val="phClr">
+                <a:tint val="37000"/>
+                <a:satMod val="300000"/>
+              </a:schemeClr>
+            </a:gs>
+            <a:gs pos="100000">
+              <a:schemeClr val="phClr">
+                <a:tint val="15000"/>
+                <a:satMod val="350000"/>
+              </a:schemeClr>
+            </a:gs>
+          </a:gsLst>
+          <a:lin ang="16200000" scaled="1"/>
+        </a:gradFill>
+        <a:gradFill rotWithShape="1">
+          <a:gsLst>
+            <a:gs pos="0">
+              <a:schemeClr val="phClr">
+                <a:tint val="100000"/>
+                <a:shade val="100000"/>
+                <a:satMod val="130000"/>
+              </a:schemeClr>
+            </a:gs>
+            <a:gs pos="100000">
+              <a:schemeClr val="phClr">
+                <a:tint val="50000"/>
+                <a:shade val="100000"/>
+                <a:satMod val="350000"/>
+              </a:schemeClr>
+            </a:gs>
+          </a:gsLst>
+          <a:lin ang="16200000" scaled="0"/>
+        </a:gradFill>
+      </a:fillStyleLst>
+      <a:lnStyleLst>
+        <a:ln w="9525" cap="flat" cmpd="sng" algn="ctr">
+          <a:solidFill>
+            <a:schemeClr val="phClr">
+              <a:shade val="95000"/>
+              <a:satMod val="105000"/>
+            </a:schemeClr>
+          </a:solidFill>
+          <a:prstDash val="solid"/>
+        </a:ln>
+        <a:ln w="25400" cap="flat" cmpd="sng" algn="ctr">
+          <a:solidFill>
+            <a:schemeClr val="phClr"/>
+          </a:solidFill>
+          <a:prstDash val="solid"/>
+        </a:ln>
+        <a:ln w="38100" cap="flat" cmpd="sng" algn="ctr">
+          <a:solidFill>
+            <a:schemeClr val="phClr"/>
+          </a:solidFill>
+          <a:prstDash val="solid"/>
+        </a:ln>
+      </a:lnStyleLst>
+      <a:effectStyleLst>
+        <a:effectStyle>
+          <a:effectLst>
+            <a:outerShdw blurRad="40000" dist="20000" dir="5400000" rotWithShape="0">
+              <a:srgbClr val="000000">
+                <a:alpha val="38000"/>
+              </a:srgbClr>
+            </a:outerShdw>
+          </a:effectLst>
+        </a:effectStyle>
+        <a:effectStyle>
+          <a:effectLst>
+            <a:outerShdw blurRad="40000" dist="23000" dir="5400000" rotWithShape="0">
+              <a:srgbClr val="000000">
+                <a:alpha val="35000"/>
+              </a:srgbClr>
+            </a:outerShdw>
+          </a:effectLst>
+        </a:effectStyle>
+        <a:effectStyle>
+          <a:effectLst>
+            <a:outerShdw blurRad="40000" dist="23000" dir="5400000" rotWithShape="0">
+              <a:srgbClr val="000000">
+                <a:alpha val="35000"/>
+              </a:srgbClr>
+            </a:outerShdw>
+          </a:effectLst>
+          <a:scene3d>
+            <a:camera prst="orthographicFront">
+              <a:rot lat="0" lon="0" rev="0"/>
+            </a:camera>
+            <a:lightRig rig="threePt" dir="t">
+              <a:rot lat="0" lon="0" rev="1200000"/>
+            </a:lightRig>
+          </a:scene3d>
+          <a:sp3d>
+            <a:bevelT w="63500" h="25400"/>
+          </a:sp3d>
+        </a:effectStyle>
+      </a:effectStyleLst>
+      <a:bgFillStyleLst>
+        <a:solidFill>
+          <a:schemeClr val="phClr"/>
+        </a:solidFill>
+        <a:gradFill rotWithShape="1">
+          <a:gsLst>
+            <a:gs pos="0">
+              <a:schemeClr val="phClr">
+                <a:tint val="40000"/>
+                <a:satMod val="350000"/>
+              </a:schemeClr>
+            </a:gs>
+            <a:gs pos="40000">
+              <a:schemeClr val="phClr">
+                <a:tint val="45000"/>
+                <a:shade val="99000"/>
+                <a:satMod val="350000"/>
+              </a:schemeClr>
+            </a:gs>
+            <a:gs pos="100000">
+              <a:schemeClr val="phClr">
+                <a:shade val="20000"/>
+                <a:satMod val="255000"/>
+              </a:schemeClr>
+            </a:gs>
+          </a:gsLst>
+          <a:path path="circle">
+            <a:fillToRect l="50000" t="-80000" r="50000" b="180000"/>
+          </a:path>
+        </a:gradFill>
+        <a:gradFill rotWithShape="1">
+          <a:gsLst>
+            <a:gs pos="0">
+              <a:schemeClr val="phClr">
+                <a:tint val="80000"/>
+                <a:satMod val="300000"/>
+              </a:schemeClr>
+            </a:gs>
+            <a:gs pos="100000">
+              <a:schemeClr val="phClr">
+                <a:shade val="30000"/>
+                <a:satMod val="200000"/>
+              </a:schemeClr>
+            </a:gs>
+          </a:gsLst>
+          <a:path path="circle">
+            <a:fillToRect l="50000" t="50000" r="50000" b="50000"/>
+          </a:path>
+        </a:gradFill>
+      </a:bgFillStyleLst>
+    </a:fmtScheme>
+  </a:themeElements>
+  <a:objectDefaults>
+    <a:spDef>
+      <a:spPr/>
+      <a:bodyPr/>
+      <a:lstStyle/>
+      <a:style>
+        <a:lnRef idx="1">
+          <a:schemeClr val="accent1"/>
+        </a:lnRef>
+        <a:fillRef idx="3">
+          <a:schemeClr val="accent1"/>
+        </a:fillRef>
+        <a:effectRef idx="2">
+          <a:schemeClr val="accent1"/>
+        </a:effectRef>
+        <a:fontRef idx="minor">
+          <a:schemeClr val="lt1"/>
+        </a:fontRef>
+      </a:style>
+    </a:spDef>
+    <a:lnDef>
+      <a:spPr/>
+      <a:bodyPr/>
+      <a:lstStyle/>
+      <a:style>
+        <a:lnRef idx="2">
+          <a:schemeClr val="accent1"/>
+        </a:lnRef>
+        <a:fillRef idx="0">
+          <a:schemeClr val="accent1"/>
+        </a:fillRef>
+        <a:effectRef idx="1">
+          <a:schemeClr val="accent1"/>
+        </a:effectRef>
+        <a:fontRef idx="minor">
+          <a:schemeClr val="tx1"/>
+        </a:fontRef>
+      </a:style>
+    </a:lnDef>
+  </a:objectDefaults>
+  <a:extraClrSchemeLst/>
+</a:theme>
+</file>
+
+<file path=ppt/theme/themeOverride1.xml><?xml version="1.0" encoding="utf-8"?>
+<a:themeOverride xmlns:a="http://schemas.openxmlformats.org/drawingml/2006/main">
+  <a:clrScheme name="Clarity">
+    <a:dk1>
+      <a:srgbClr val="292934"/>
+    </a:dk1>
+    <a:lt1>
+      <a:srgbClr val="FFFFFF"/>
+    </a:lt1>
+    <a:dk2>
+      <a:srgbClr val="D2533C"/>
+    </a:dk2>
+    <a:lt2>
+      <a:srgbClr val="F3F2DC"/>
+    </a:lt2>
+    <a:accent1>
+      <a:srgbClr val="93A299"/>
+    </a:accent1>
+    <a:accent2>
+      <a:srgbClr val="AD8F67"/>
+    </a:accent2>
+    <a:accent3>
+      <a:srgbClr val="726056"/>
+    </a:accent3>
+    <a:accent4>
+      <a:srgbClr val="4C5A6A"/>
+    </a:accent4>
+    <a:accent5>
+      <a:srgbClr val="808DA0"/>
+    </a:accent5>
+    <a:accent6>
+      <a:srgbClr val="79463D"/>
+    </a:accent6>
+    <a:hlink>
+      <a:srgbClr val="0000FF"/>
+    </a:hlink>
+    <a:folHlink>
+      <a:srgbClr val="800080"/>
+    </a:folHlink>
+  </a:clrScheme>
+</a:themeOverride>
 </file>